--- a/Documentation/ProjectDocumentation/Presentation.pptx
+++ b/Documentation/ProjectDocumentation/Presentation.pptx
@@ -4,6 +4,20 @@
   <p:sldMasterIdLst>
     <p:sldMasterId id="2147483648" r:id="rId1"/>
   </p:sldMasterIdLst>
+  <p:sldIdLst>
+    <p:sldId id="256" r:id="rId2"/>
+    <p:sldId id="258" r:id="rId3"/>
+    <p:sldId id="257" r:id="rId4"/>
+    <p:sldId id="259" r:id="rId5"/>
+    <p:sldId id="266" r:id="rId6"/>
+    <p:sldId id="267" r:id="rId7"/>
+    <p:sldId id="260" r:id="rId8"/>
+    <p:sldId id="264" r:id="rId9"/>
+    <p:sldId id="261" r:id="rId10"/>
+    <p:sldId id="265" r:id="rId11"/>
+    <p:sldId id="262" r:id="rId12"/>
+    <p:sldId id="263" r:id="rId13"/>
+  </p:sldIdLst>
   <p:sldSz cx="9144000" cy="6858000" type="screen4x3"/>
   <p:notesSz cx="6858000" cy="9144000"/>
   <p:defaultTextStyle>
@@ -101,6 +115,22 @@
       </a:defRPr>
     </a:lvl9pPr>
   </p:defaultTextStyle>
+  <p:extLst>
+    <p:ext uri="{EFAFB233-063F-42B5-8137-9DF3F51BA10A}">
+      <p15:sldGuideLst xmlns:p15="http://schemas.microsoft.com/office/powerpoint/2012/main">
+        <p15:guide id="1" orient="horz" pos="2160">
+          <p15:clr>
+            <a:srgbClr val="A4A3A4"/>
+          </p15:clr>
+        </p15:guide>
+        <p15:guide id="2" pos="2880">
+          <p15:clr>
+            <a:srgbClr val="A4A3A4"/>
+          </p15:clr>
+        </p15:guide>
+      </p15:sldGuideLst>
+    </p:ext>
+  </p:extLst>
 </p:presentation>
 </file>
 
@@ -142,10 +172,9 @@
           <a:lstStyle/>
           <a:p>
             <a:r>
-              <a:rPr lang="de-DE" smtClean="0"/>
+              <a:rPr lang="de-DE"/>
               <a:t>Titelmasterformat durch Klicken bearbeiten</a:t>
             </a:r>
-            <a:endParaRPr lang="de-DE"/>
           </a:p>
         </p:txBody>
       </p:sp>
@@ -261,10 +290,9 @@
           </a:lstStyle>
           <a:p>
             <a:r>
-              <a:rPr lang="de-DE" smtClean="0"/>
+              <a:rPr lang="de-DE"/>
               <a:t>Formatvorlage des Untertitelmasters durch Klicken bearbeiten</a:t>
             </a:r>
-            <a:endParaRPr lang="de-DE"/>
           </a:p>
         </p:txBody>
       </p:sp>
@@ -285,7 +313,7 @@
           <a:p>
             <a:fld id="{1BA50D42-C9CD-4801-B293-61D1F53EC57E}" type="datetimeFigureOut">
               <a:rPr lang="de-DE" smtClean="0"/>
-              <a:t>14.09.2006</a:t>
+              <a:t>03.02.2022</a:t>
             </a:fld>
             <a:endParaRPr lang="de-DE"/>
           </a:p>
@@ -374,10 +402,9 @@
           <a:lstStyle/>
           <a:p>
             <a:r>
-              <a:rPr lang="de-DE" smtClean="0"/>
+              <a:rPr lang="de-DE"/>
               <a:t>Titelmasterformat durch Klicken bearbeiten</a:t>
             </a:r>
-            <a:endParaRPr lang="de-DE"/>
           </a:p>
         </p:txBody>
       </p:sp>
@@ -398,38 +425,37 @@
           <a:p>
             <a:pPr lvl="0"/>
             <a:r>
-              <a:rPr lang="de-DE" smtClean="0"/>
+              <a:rPr lang="de-DE"/>
               <a:t>Textmasterformate durch Klicken bearbeiten</a:t>
             </a:r>
           </a:p>
           <a:p>
             <a:pPr lvl="1"/>
             <a:r>
-              <a:rPr lang="de-DE" smtClean="0"/>
+              <a:rPr lang="de-DE"/>
               <a:t>Zweite Ebene</a:t>
             </a:r>
           </a:p>
           <a:p>
             <a:pPr lvl="2"/>
             <a:r>
-              <a:rPr lang="de-DE" smtClean="0"/>
+              <a:rPr lang="de-DE"/>
               <a:t>Dritte Ebene</a:t>
             </a:r>
           </a:p>
           <a:p>
             <a:pPr lvl="3"/>
             <a:r>
-              <a:rPr lang="de-DE" smtClean="0"/>
+              <a:rPr lang="de-DE"/>
               <a:t>Vierte Ebene</a:t>
             </a:r>
           </a:p>
           <a:p>
             <a:pPr lvl="4"/>
             <a:r>
-              <a:rPr lang="de-DE" smtClean="0"/>
+              <a:rPr lang="de-DE"/>
               <a:t>Fünfte Ebene</a:t>
             </a:r>
-            <a:endParaRPr lang="de-DE"/>
           </a:p>
         </p:txBody>
       </p:sp>
@@ -450,7 +476,7 @@
           <a:p>
             <a:fld id="{1BA50D42-C9CD-4801-B293-61D1F53EC57E}" type="datetimeFigureOut">
               <a:rPr lang="de-DE" smtClean="0"/>
-              <a:t>14.09.2006</a:t>
+              <a:t>03.02.2022</a:t>
             </a:fld>
             <a:endParaRPr lang="de-DE"/>
           </a:p>
@@ -544,10 +570,9 @@
           <a:lstStyle/>
           <a:p>
             <a:r>
-              <a:rPr lang="de-DE" smtClean="0"/>
+              <a:rPr lang="de-DE"/>
               <a:t>Titel durch Klicken hinzufügen</a:t>
             </a:r>
-            <a:endParaRPr lang="de-DE"/>
           </a:p>
         </p:txBody>
       </p:sp>
@@ -573,38 +598,37 @@
           <a:p>
             <a:pPr lvl="0"/>
             <a:r>
-              <a:rPr lang="de-DE" smtClean="0"/>
+              <a:rPr lang="de-DE"/>
               <a:t>Textmasterformate durch Klicken bearbeiten</a:t>
             </a:r>
           </a:p>
           <a:p>
             <a:pPr lvl="1"/>
             <a:r>
-              <a:rPr lang="de-DE" smtClean="0"/>
+              <a:rPr lang="de-DE"/>
               <a:t>Zweite Ebene</a:t>
             </a:r>
           </a:p>
           <a:p>
             <a:pPr lvl="2"/>
             <a:r>
-              <a:rPr lang="de-DE" smtClean="0"/>
+              <a:rPr lang="de-DE"/>
               <a:t>Dritte Ebene</a:t>
             </a:r>
           </a:p>
           <a:p>
             <a:pPr lvl="3"/>
             <a:r>
-              <a:rPr lang="de-DE" smtClean="0"/>
+              <a:rPr lang="de-DE"/>
               <a:t>Vierte Ebene</a:t>
             </a:r>
           </a:p>
           <a:p>
             <a:pPr lvl="4"/>
             <a:r>
-              <a:rPr lang="de-DE" smtClean="0"/>
+              <a:rPr lang="de-DE"/>
               <a:t>Fünfte Ebene</a:t>
             </a:r>
-            <a:endParaRPr lang="de-DE"/>
           </a:p>
         </p:txBody>
       </p:sp>
@@ -625,7 +649,7 @@
           <a:p>
             <a:fld id="{1BA50D42-C9CD-4801-B293-61D1F53EC57E}" type="datetimeFigureOut">
               <a:rPr lang="de-DE" smtClean="0"/>
-              <a:t>14.09.2006</a:t>
+              <a:t>03.02.2022</a:t>
             </a:fld>
             <a:endParaRPr lang="de-DE"/>
           </a:p>
@@ -714,10 +738,9 @@
           <a:lstStyle/>
           <a:p>
             <a:r>
-              <a:rPr lang="de-DE" smtClean="0"/>
+              <a:rPr lang="de-DE"/>
               <a:t>Titelmasterformat durch Klicken bearbeiten</a:t>
             </a:r>
-            <a:endParaRPr lang="de-DE"/>
           </a:p>
         </p:txBody>
       </p:sp>
@@ -738,38 +761,37 @@
           <a:p>
             <a:pPr lvl="0"/>
             <a:r>
-              <a:rPr lang="de-DE" smtClean="0"/>
+              <a:rPr lang="de-DE"/>
               <a:t>Textmasterformate durch Klicken bearbeiten</a:t>
             </a:r>
           </a:p>
           <a:p>
             <a:pPr lvl="1"/>
             <a:r>
-              <a:rPr lang="de-DE" smtClean="0"/>
+              <a:rPr lang="de-DE"/>
               <a:t>Zweite Ebene</a:t>
             </a:r>
           </a:p>
           <a:p>
             <a:pPr lvl="2"/>
             <a:r>
-              <a:rPr lang="de-DE" smtClean="0"/>
+              <a:rPr lang="de-DE"/>
               <a:t>Dritte Ebene</a:t>
             </a:r>
           </a:p>
           <a:p>
             <a:pPr lvl="3"/>
             <a:r>
-              <a:rPr lang="de-DE" smtClean="0"/>
+              <a:rPr lang="de-DE"/>
               <a:t>Vierte Ebene</a:t>
             </a:r>
           </a:p>
           <a:p>
             <a:pPr lvl="4"/>
             <a:r>
-              <a:rPr lang="de-DE" smtClean="0"/>
+              <a:rPr lang="de-DE"/>
               <a:t>Fünfte Ebene</a:t>
             </a:r>
-            <a:endParaRPr lang="de-DE"/>
           </a:p>
         </p:txBody>
       </p:sp>
@@ -790,7 +812,7 @@
           <a:p>
             <a:fld id="{1BA50D42-C9CD-4801-B293-61D1F53EC57E}" type="datetimeFigureOut">
               <a:rPr lang="de-DE" smtClean="0"/>
-              <a:t>14.09.2006</a:t>
+              <a:t>03.02.2022</a:t>
             </a:fld>
             <a:endParaRPr lang="de-DE"/>
           </a:p>
@@ -888,10 +910,9 @@
           </a:lstStyle>
           <a:p>
             <a:r>
-              <a:rPr lang="de-DE" smtClean="0"/>
+              <a:rPr lang="de-DE"/>
               <a:t>Titelmasterformat durch Klicken bearbeiten</a:t>
             </a:r>
-            <a:endParaRPr lang="de-DE"/>
           </a:p>
         </p:txBody>
       </p:sp>
@@ -1008,7 +1029,7 @@
           <a:p>
             <a:pPr lvl="0"/>
             <a:r>
-              <a:rPr lang="de-DE" smtClean="0"/>
+              <a:rPr lang="de-DE"/>
               <a:t>Textmasterformate durch Klicken bearbeiten</a:t>
             </a:r>
           </a:p>
@@ -1031,7 +1052,7 @@
           <a:p>
             <a:fld id="{1BA50D42-C9CD-4801-B293-61D1F53EC57E}" type="datetimeFigureOut">
               <a:rPr lang="de-DE" smtClean="0"/>
-              <a:t>14.09.2006</a:t>
+              <a:t>03.02.2022</a:t>
             </a:fld>
             <a:endParaRPr lang="de-DE"/>
           </a:p>
@@ -1120,10 +1141,9 @@
           <a:lstStyle/>
           <a:p>
             <a:r>
-              <a:rPr lang="de-DE" smtClean="0"/>
+              <a:rPr lang="de-DE"/>
               <a:t>Titelmasterformat durch Klicken bearbeiten</a:t>
             </a:r>
-            <a:endParaRPr lang="de-DE"/>
           </a:p>
         </p:txBody>
       </p:sp>
@@ -1177,38 +1197,37 @@
           <a:p>
             <a:pPr lvl="0"/>
             <a:r>
-              <a:rPr lang="de-DE" smtClean="0"/>
+              <a:rPr lang="de-DE"/>
               <a:t>Textmasterformate durch Klicken bearbeiten</a:t>
             </a:r>
           </a:p>
           <a:p>
             <a:pPr lvl="1"/>
             <a:r>
-              <a:rPr lang="de-DE" smtClean="0"/>
+              <a:rPr lang="de-DE"/>
               <a:t>Zweite Ebene</a:t>
             </a:r>
           </a:p>
           <a:p>
             <a:pPr lvl="2"/>
             <a:r>
-              <a:rPr lang="de-DE" smtClean="0"/>
+              <a:rPr lang="de-DE"/>
               <a:t>Dritte Ebene</a:t>
             </a:r>
           </a:p>
           <a:p>
             <a:pPr lvl="3"/>
             <a:r>
-              <a:rPr lang="de-DE" smtClean="0"/>
+              <a:rPr lang="de-DE"/>
               <a:t>Vierte Ebene</a:t>
             </a:r>
           </a:p>
           <a:p>
             <a:pPr lvl="4"/>
             <a:r>
-              <a:rPr lang="de-DE" smtClean="0"/>
+              <a:rPr lang="de-DE"/>
               <a:t>Fünfte Ebene</a:t>
             </a:r>
-            <a:endParaRPr lang="de-DE"/>
           </a:p>
         </p:txBody>
       </p:sp>
@@ -1262,38 +1281,37 @@
           <a:p>
             <a:pPr lvl="0"/>
             <a:r>
-              <a:rPr lang="de-DE" smtClean="0"/>
+              <a:rPr lang="de-DE"/>
               <a:t>Textmasterformate durch Klicken bearbeiten</a:t>
             </a:r>
           </a:p>
           <a:p>
             <a:pPr lvl="1"/>
             <a:r>
-              <a:rPr lang="de-DE" smtClean="0"/>
+              <a:rPr lang="de-DE"/>
               <a:t>Zweite Ebene</a:t>
             </a:r>
           </a:p>
           <a:p>
             <a:pPr lvl="2"/>
             <a:r>
-              <a:rPr lang="de-DE" smtClean="0"/>
+              <a:rPr lang="de-DE"/>
               <a:t>Dritte Ebene</a:t>
             </a:r>
           </a:p>
           <a:p>
             <a:pPr lvl="3"/>
             <a:r>
-              <a:rPr lang="de-DE" smtClean="0"/>
+              <a:rPr lang="de-DE"/>
               <a:t>Vierte Ebene</a:t>
             </a:r>
           </a:p>
           <a:p>
             <a:pPr lvl="4"/>
             <a:r>
-              <a:rPr lang="de-DE" smtClean="0"/>
+              <a:rPr lang="de-DE"/>
               <a:t>Fünfte Ebene</a:t>
             </a:r>
-            <a:endParaRPr lang="de-DE"/>
           </a:p>
         </p:txBody>
       </p:sp>
@@ -1314,7 +1332,7 @@
           <a:p>
             <a:fld id="{1BA50D42-C9CD-4801-B293-61D1F53EC57E}" type="datetimeFigureOut">
               <a:rPr lang="de-DE" smtClean="0"/>
-              <a:t>14.09.2006</a:t>
+              <a:t>03.02.2022</a:t>
             </a:fld>
             <a:endParaRPr lang="de-DE"/>
           </a:p>
@@ -1407,10 +1425,9 @@
           </a:lstStyle>
           <a:p>
             <a:r>
-              <a:rPr lang="de-DE" smtClean="0"/>
+              <a:rPr lang="de-DE"/>
               <a:t>Titelmasterformat durch Klicken bearbeiten</a:t>
             </a:r>
-            <a:endParaRPr lang="de-DE"/>
           </a:p>
         </p:txBody>
       </p:sp>
@@ -1473,7 +1490,7 @@
           <a:p>
             <a:pPr lvl="0"/>
             <a:r>
-              <a:rPr lang="de-DE" smtClean="0"/>
+              <a:rPr lang="de-DE"/>
               <a:t>Textmasterformate durch Klicken bearbeiten</a:t>
             </a:r>
           </a:p>
@@ -1529,38 +1546,37 @@
           <a:p>
             <a:pPr lvl="0"/>
             <a:r>
-              <a:rPr lang="de-DE" smtClean="0"/>
+              <a:rPr lang="de-DE"/>
               <a:t>Textmasterformate durch Klicken bearbeiten</a:t>
             </a:r>
           </a:p>
           <a:p>
             <a:pPr lvl="1"/>
             <a:r>
-              <a:rPr lang="de-DE" smtClean="0"/>
+              <a:rPr lang="de-DE"/>
               <a:t>Zweite Ebene</a:t>
             </a:r>
           </a:p>
           <a:p>
             <a:pPr lvl="2"/>
             <a:r>
-              <a:rPr lang="de-DE" smtClean="0"/>
+              <a:rPr lang="de-DE"/>
               <a:t>Dritte Ebene</a:t>
             </a:r>
           </a:p>
           <a:p>
             <a:pPr lvl="3"/>
             <a:r>
-              <a:rPr lang="de-DE" smtClean="0"/>
+              <a:rPr lang="de-DE"/>
               <a:t>Vierte Ebene</a:t>
             </a:r>
           </a:p>
           <a:p>
             <a:pPr lvl="4"/>
             <a:r>
-              <a:rPr lang="de-DE" smtClean="0"/>
+              <a:rPr lang="de-DE"/>
               <a:t>Fünfte Ebene</a:t>
             </a:r>
-            <a:endParaRPr lang="de-DE"/>
           </a:p>
         </p:txBody>
       </p:sp>
@@ -1623,7 +1639,7 @@
           <a:p>
             <a:pPr lvl="0"/>
             <a:r>
-              <a:rPr lang="de-DE" smtClean="0"/>
+              <a:rPr lang="de-DE"/>
               <a:t>Textmasterformate durch Klicken bearbeiten</a:t>
             </a:r>
           </a:p>
@@ -1679,38 +1695,37 @@
           <a:p>
             <a:pPr lvl="0"/>
             <a:r>
-              <a:rPr lang="de-DE" smtClean="0"/>
+              <a:rPr lang="de-DE"/>
               <a:t>Textmasterformate durch Klicken bearbeiten</a:t>
             </a:r>
           </a:p>
           <a:p>
             <a:pPr lvl="1"/>
             <a:r>
-              <a:rPr lang="de-DE" smtClean="0"/>
+              <a:rPr lang="de-DE"/>
               <a:t>Zweite Ebene</a:t>
             </a:r>
           </a:p>
           <a:p>
             <a:pPr lvl="2"/>
             <a:r>
-              <a:rPr lang="de-DE" smtClean="0"/>
+              <a:rPr lang="de-DE"/>
               <a:t>Dritte Ebene</a:t>
             </a:r>
           </a:p>
           <a:p>
             <a:pPr lvl="3"/>
             <a:r>
-              <a:rPr lang="de-DE" smtClean="0"/>
+              <a:rPr lang="de-DE"/>
               <a:t>Vierte Ebene</a:t>
             </a:r>
           </a:p>
           <a:p>
             <a:pPr lvl="4"/>
             <a:r>
-              <a:rPr lang="de-DE" smtClean="0"/>
+              <a:rPr lang="de-DE"/>
               <a:t>Fünfte Ebene</a:t>
             </a:r>
-            <a:endParaRPr lang="de-DE"/>
           </a:p>
         </p:txBody>
       </p:sp>
@@ -1731,7 +1746,7 @@
           <a:p>
             <a:fld id="{1BA50D42-C9CD-4801-B293-61D1F53EC57E}" type="datetimeFigureOut">
               <a:rPr lang="de-DE" smtClean="0"/>
-              <a:t>14.09.2006</a:t>
+              <a:t>03.02.2022</a:t>
             </a:fld>
             <a:endParaRPr lang="de-DE"/>
           </a:p>
@@ -1820,10 +1835,9 @@
           <a:lstStyle/>
           <a:p>
             <a:r>
-              <a:rPr lang="de-DE" smtClean="0"/>
+              <a:rPr lang="de-DE"/>
               <a:t>Titelmasterformat durch Klicken bearbeiten</a:t>
             </a:r>
-            <a:endParaRPr lang="de-DE"/>
           </a:p>
         </p:txBody>
       </p:sp>
@@ -1844,7 +1858,7 @@
           <a:p>
             <a:fld id="{1BA50D42-C9CD-4801-B293-61D1F53EC57E}" type="datetimeFigureOut">
               <a:rPr lang="de-DE" smtClean="0"/>
-              <a:t>14.09.2006</a:t>
+              <a:t>03.02.2022</a:t>
             </a:fld>
             <a:endParaRPr lang="de-DE"/>
           </a:p>
@@ -1934,7 +1948,7 @@
           <a:p>
             <a:fld id="{1BA50D42-C9CD-4801-B293-61D1F53EC57E}" type="datetimeFigureOut">
               <a:rPr lang="de-DE" smtClean="0"/>
-              <a:t>14.09.2006</a:t>
+              <a:t>03.02.2022</a:t>
             </a:fld>
             <a:endParaRPr lang="de-DE"/>
           </a:p>
@@ -2032,10 +2046,9 @@
           </a:lstStyle>
           <a:p>
             <a:r>
-              <a:rPr lang="de-DE" smtClean="0"/>
+              <a:rPr lang="de-DE"/>
               <a:t>Titelmasterformat durch Klicken bearbeiten</a:t>
             </a:r>
-            <a:endParaRPr lang="de-DE"/>
           </a:p>
         </p:txBody>
       </p:sp>
@@ -2089,38 +2102,37 @@
           <a:p>
             <a:pPr lvl="0"/>
             <a:r>
-              <a:rPr lang="de-DE" smtClean="0"/>
+              <a:rPr lang="de-DE"/>
               <a:t>Textmasterformate durch Klicken bearbeiten</a:t>
             </a:r>
           </a:p>
           <a:p>
             <a:pPr lvl="1"/>
             <a:r>
-              <a:rPr lang="de-DE" smtClean="0"/>
+              <a:rPr lang="de-DE"/>
               <a:t>Zweite Ebene</a:t>
             </a:r>
           </a:p>
           <a:p>
             <a:pPr lvl="2"/>
             <a:r>
-              <a:rPr lang="de-DE" smtClean="0"/>
+              <a:rPr lang="de-DE"/>
               <a:t>Dritte Ebene</a:t>
             </a:r>
           </a:p>
           <a:p>
             <a:pPr lvl="3"/>
             <a:r>
-              <a:rPr lang="de-DE" smtClean="0"/>
+              <a:rPr lang="de-DE"/>
               <a:t>Vierte Ebene</a:t>
             </a:r>
           </a:p>
           <a:p>
             <a:pPr lvl="4"/>
             <a:r>
-              <a:rPr lang="de-DE" smtClean="0"/>
+              <a:rPr lang="de-DE"/>
               <a:t>Fünfte Ebene</a:t>
             </a:r>
-            <a:endParaRPr lang="de-DE"/>
           </a:p>
         </p:txBody>
       </p:sp>
@@ -2183,7 +2195,7 @@
           <a:p>
             <a:pPr lvl="0"/>
             <a:r>
-              <a:rPr lang="de-DE" smtClean="0"/>
+              <a:rPr lang="de-DE"/>
               <a:t>Textmasterformate durch Klicken bearbeiten</a:t>
             </a:r>
           </a:p>
@@ -2206,7 +2218,7 @@
           <a:p>
             <a:fld id="{1BA50D42-C9CD-4801-B293-61D1F53EC57E}" type="datetimeFigureOut">
               <a:rPr lang="de-DE" smtClean="0"/>
-              <a:t>14.09.2006</a:t>
+              <a:t>03.02.2022</a:t>
             </a:fld>
             <a:endParaRPr lang="de-DE"/>
           </a:p>
@@ -2304,10 +2316,9 @@
           </a:lstStyle>
           <a:p>
             <a:r>
-              <a:rPr lang="de-DE" smtClean="0"/>
+              <a:rPr lang="de-DE"/>
               <a:t>Titelmasterformat durch Klicken bearbeiten</a:t>
             </a:r>
-            <a:endParaRPr lang="de-DE"/>
           </a:p>
         </p:txBody>
       </p:sp>
@@ -2431,7 +2442,7 @@
           <a:p>
             <a:pPr lvl="0"/>
             <a:r>
-              <a:rPr lang="de-DE" smtClean="0"/>
+              <a:rPr lang="de-DE"/>
               <a:t>Textmasterformate durch Klicken bearbeiten</a:t>
             </a:r>
           </a:p>
@@ -2454,7 +2465,7 @@
           <a:p>
             <a:fld id="{1BA50D42-C9CD-4801-B293-61D1F53EC57E}" type="datetimeFigureOut">
               <a:rPr lang="de-DE" smtClean="0"/>
-              <a:t>14.09.2006</a:t>
+              <a:t>03.02.2022</a:t>
             </a:fld>
             <a:endParaRPr lang="de-DE"/>
           </a:p>
@@ -2558,10 +2569,9 @@
           <a:lstStyle/>
           <a:p>
             <a:r>
-              <a:rPr lang="de-DE" smtClean="0"/>
+              <a:rPr lang="de-DE"/>
               <a:t>Titelmasterformat durch Klicken bearbeiten</a:t>
             </a:r>
-            <a:endParaRPr lang="de-DE"/>
           </a:p>
         </p:txBody>
       </p:sp>
@@ -2592,38 +2602,37 @@
           <a:p>
             <a:pPr lvl="0"/>
             <a:r>
-              <a:rPr lang="de-DE" smtClean="0"/>
+              <a:rPr lang="de-DE"/>
               <a:t>Textmasterformate durch Klicken bearbeiten</a:t>
             </a:r>
           </a:p>
           <a:p>
             <a:pPr lvl="1"/>
             <a:r>
-              <a:rPr lang="de-DE" smtClean="0"/>
+              <a:rPr lang="de-DE"/>
               <a:t>Zweite Ebene</a:t>
             </a:r>
           </a:p>
           <a:p>
             <a:pPr lvl="2"/>
             <a:r>
-              <a:rPr lang="de-DE" smtClean="0"/>
+              <a:rPr lang="de-DE"/>
               <a:t>Dritte Ebene</a:t>
             </a:r>
           </a:p>
           <a:p>
             <a:pPr lvl="3"/>
             <a:r>
-              <a:rPr lang="de-DE" smtClean="0"/>
+              <a:rPr lang="de-DE"/>
               <a:t>Vierte Ebene</a:t>
             </a:r>
           </a:p>
           <a:p>
             <a:pPr lvl="4"/>
             <a:r>
-              <a:rPr lang="de-DE" smtClean="0"/>
+              <a:rPr lang="de-DE"/>
               <a:t>Fünfte Ebene</a:t>
             </a:r>
-            <a:endParaRPr lang="de-DE"/>
           </a:p>
         </p:txBody>
       </p:sp>
@@ -2662,7 +2671,7 @@
           <a:p>
             <a:fld id="{1BA50D42-C9CD-4801-B293-61D1F53EC57E}" type="datetimeFigureOut">
               <a:rPr lang="de-DE" smtClean="0"/>
-              <a:t>14.09.2006</a:t>
+              <a:t>03.02.2022</a:t>
             </a:fld>
             <a:endParaRPr lang="de-DE"/>
           </a:p>
@@ -3015,15 +3024,1455 @@
 </p:sldMaster>
 </file>
 
+<file path=ppt/slides/slide1.xml><?xml version="1.0" encoding="utf-8"?>
+<p:sld xmlns:a="http://schemas.openxmlformats.org/drawingml/2006/main" xmlns:r="http://schemas.openxmlformats.org/officeDocument/2006/relationships" xmlns:p="http://schemas.openxmlformats.org/presentationml/2006/main">
+  <p:cSld>
+    <p:spTree>
+      <p:nvGrpSpPr>
+        <p:cNvPr id="1" name=""/>
+        <p:cNvGrpSpPr/>
+        <p:nvPr/>
+      </p:nvGrpSpPr>
+      <p:grpSpPr>
+        <a:xfrm>
+          <a:off x="0" y="0"/>
+          <a:ext cx="0" cy="0"/>
+          <a:chOff x="0" y="0"/>
+          <a:chExt cx="0" cy="0"/>
+        </a:xfrm>
+      </p:grpSpPr>
+      <p:sp>
+        <p:nvSpPr>
+          <p:cNvPr id="2" name="Titel 1">
+            <a:extLst>
+              <a:ext uri="{FF2B5EF4-FFF2-40B4-BE49-F238E27FC236}">
+                <a16:creationId xmlns:a16="http://schemas.microsoft.com/office/drawing/2014/main" id="{560AEB13-76C7-4DF7-8874-B49F86F610C7}"/>
+              </a:ext>
+            </a:extLst>
+          </p:cNvPr>
+          <p:cNvSpPr>
+            <a:spLocks noGrp="1"/>
+          </p:cNvSpPr>
+          <p:nvPr>
+            <p:ph type="ctrTitle"/>
+          </p:nvPr>
+        </p:nvSpPr>
+        <p:spPr/>
+        <p:txBody>
+          <a:bodyPr/>
+          <a:lstStyle/>
+          <a:p>
+            <a:r>
+              <a:rPr lang="de-CH" dirty="0"/>
+              <a:t>Home Automation</a:t>
+            </a:r>
+          </a:p>
+        </p:txBody>
+      </p:sp>
+      <p:sp>
+        <p:nvSpPr>
+          <p:cNvPr id="3" name="Untertitel 2">
+            <a:extLst>
+              <a:ext uri="{FF2B5EF4-FFF2-40B4-BE49-F238E27FC236}">
+                <a16:creationId xmlns:a16="http://schemas.microsoft.com/office/drawing/2014/main" id="{557B7933-9F9B-4E66-8467-906276E91723}"/>
+              </a:ext>
+            </a:extLst>
+          </p:cNvPr>
+          <p:cNvSpPr>
+            <a:spLocks noGrp="1"/>
+          </p:cNvSpPr>
+          <p:nvPr>
+            <p:ph type="subTitle" idx="1"/>
+          </p:nvPr>
+        </p:nvSpPr>
+        <p:spPr/>
+        <p:txBody>
+          <a:bodyPr/>
+          <a:lstStyle/>
+          <a:p>
+            <a:r>
+              <a:rPr lang="de-CH" dirty="0"/>
+              <a:t>Lukas Züger, Marko Milosavljevic, Abdu </a:t>
+            </a:r>
+            <a:r>
+              <a:rPr lang="de-CH" dirty="0" err="1"/>
+              <a:t>Shehata</a:t>
+            </a:r>
+            <a:endParaRPr lang="de-CH" dirty="0"/>
+          </a:p>
+          <a:p>
+            <a:endParaRPr lang="de-CH" dirty="0"/>
+          </a:p>
+        </p:txBody>
+      </p:sp>
+    </p:spTree>
+    <p:extLst>
+      <p:ext uri="{BB962C8B-B14F-4D97-AF65-F5344CB8AC3E}">
+        <p14:creationId xmlns:p14="http://schemas.microsoft.com/office/powerpoint/2010/main" val="3509030373"/>
+      </p:ext>
+    </p:extLst>
+  </p:cSld>
+  <p:clrMapOvr>
+    <a:masterClrMapping/>
+  </p:clrMapOvr>
+</p:sld>
+</file>
+
+<file path=ppt/slides/slide10.xml><?xml version="1.0" encoding="utf-8"?>
+<p:sld xmlns:a="http://schemas.openxmlformats.org/drawingml/2006/main" xmlns:r="http://schemas.openxmlformats.org/officeDocument/2006/relationships" xmlns:p="http://schemas.openxmlformats.org/presentationml/2006/main">
+  <p:cSld>
+    <p:spTree>
+      <p:nvGrpSpPr>
+        <p:cNvPr id="1" name=""/>
+        <p:cNvGrpSpPr/>
+        <p:nvPr/>
+      </p:nvGrpSpPr>
+      <p:grpSpPr>
+        <a:xfrm>
+          <a:off x="0" y="0"/>
+          <a:ext cx="0" cy="0"/>
+          <a:chOff x="0" y="0"/>
+          <a:chExt cx="0" cy="0"/>
+        </a:xfrm>
+      </p:grpSpPr>
+      <p:sp>
+        <p:nvSpPr>
+          <p:cNvPr id="2" name="Titel 1">
+            <a:extLst>
+              <a:ext uri="{FF2B5EF4-FFF2-40B4-BE49-F238E27FC236}">
+                <a16:creationId xmlns:a16="http://schemas.microsoft.com/office/drawing/2014/main" id="{DDC08123-E69E-4297-B707-9817ADB53D5D}"/>
+              </a:ext>
+            </a:extLst>
+          </p:cNvPr>
+          <p:cNvSpPr>
+            <a:spLocks noGrp="1"/>
+          </p:cNvSpPr>
+          <p:nvPr>
+            <p:ph type="title"/>
+          </p:nvPr>
+        </p:nvSpPr>
+        <p:spPr/>
+        <p:txBody>
+          <a:bodyPr/>
+          <a:lstStyle/>
+          <a:p>
+            <a:r>
+              <a:rPr lang="de-CH" dirty="0"/>
+              <a:t>Probleme im verlaufe des Projekts</a:t>
+            </a:r>
+          </a:p>
+        </p:txBody>
+      </p:sp>
+      <p:sp>
+        <p:nvSpPr>
+          <p:cNvPr id="3" name="Inhaltsplatzhalter 2">
+            <a:extLst>
+              <a:ext uri="{FF2B5EF4-FFF2-40B4-BE49-F238E27FC236}">
+                <a16:creationId xmlns:a16="http://schemas.microsoft.com/office/drawing/2014/main" id="{9B8EA265-5357-4130-A452-9C2A979F4D83}"/>
+              </a:ext>
+            </a:extLst>
+          </p:cNvPr>
+          <p:cNvSpPr>
+            <a:spLocks noGrp="1"/>
+          </p:cNvSpPr>
+          <p:nvPr>
+            <p:ph idx="1"/>
+          </p:nvPr>
+        </p:nvSpPr>
+        <p:spPr/>
+        <p:txBody>
+          <a:bodyPr/>
+          <a:lstStyle/>
+          <a:p>
+            <a:r>
+              <a:rPr lang="de-CH" dirty="0"/>
+              <a:t>Ipv6</a:t>
+            </a:r>
+          </a:p>
+          <a:p>
+            <a:r>
+              <a:rPr lang="de-CH" dirty="0"/>
+              <a:t>Performance Probleme wegen Raspberry</a:t>
+            </a:r>
+          </a:p>
+          <a:p>
+            <a:r>
+              <a:rPr lang="de-CH" dirty="0"/>
+              <a:t>Personenerkennung mit </a:t>
+            </a:r>
+            <a:r>
+              <a:rPr lang="de-CH" dirty="0" err="1"/>
+              <a:t>full</a:t>
+            </a:r>
+            <a:r>
+              <a:rPr lang="de-CH" dirty="0"/>
+              <a:t> </a:t>
+            </a:r>
+            <a:r>
+              <a:rPr lang="de-CH" dirty="0" err="1"/>
+              <a:t>body</a:t>
+            </a:r>
+            <a:r>
+              <a:rPr lang="de-CH" dirty="0"/>
+              <a:t> und Gesicht</a:t>
+            </a:r>
+          </a:p>
+          <a:p>
+            <a:pPr lvl="1"/>
+            <a:r>
+              <a:rPr lang="de-CH" dirty="0"/>
+              <a:t>Seitliche </a:t>
+            </a:r>
+            <a:r>
+              <a:rPr lang="de-CH" dirty="0" err="1"/>
+              <a:t>ansicht</a:t>
+            </a:r>
+            <a:r>
+              <a:rPr lang="de-CH" dirty="0"/>
+              <a:t> ist noch nicht gut gelöst</a:t>
+            </a:r>
+          </a:p>
+          <a:p>
+            <a:r>
+              <a:rPr lang="de-CH" dirty="0" err="1"/>
+              <a:t>Harmony</a:t>
+            </a:r>
+            <a:r>
+              <a:rPr lang="de-CH" dirty="0"/>
+              <a:t> Hub unterstützt nur 2.4 GHz</a:t>
+            </a:r>
+          </a:p>
+          <a:p>
+            <a:pPr lvl="1"/>
+            <a:r>
+              <a:rPr lang="de-CH" dirty="0"/>
+              <a:t>5 GHz = keine Verbindung</a:t>
+            </a:r>
+          </a:p>
+        </p:txBody>
+      </p:sp>
+    </p:spTree>
+    <p:extLst>
+      <p:ext uri="{BB962C8B-B14F-4D97-AF65-F5344CB8AC3E}">
+        <p14:creationId xmlns:p14="http://schemas.microsoft.com/office/powerpoint/2010/main" val="1077278765"/>
+      </p:ext>
+    </p:extLst>
+  </p:cSld>
+  <p:clrMapOvr>
+    <a:masterClrMapping/>
+  </p:clrMapOvr>
+</p:sld>
+</file>
+
+<file path=ppt/slides/slide11.xml><?xml version="1.0" encoding="utf-8"?>
+<p:sld xmlns:a="http://schemas.openxmlformats.org/drawingml/2006/main" xmlns:r="http://schemas.openxmlformats.org/officeDocument/2006/relationships" xmlns:p="http://schemas.openxmlformats.org/presentationml/2006/main">
+  <p:cSld>
+    <p:spTree>
+      <p:nvGrpSpPr>
+        <p:cNvPr id="1" name=""/>
+        <p:cNvGrpSpPr/>
+        <p:nvPr/>
+      </p:nvGrpSpPr>
+      <p:grpSpPr>
+        <a:xfrm>
+          <a:off x="0" y="0"/>
+          <a:ext cx="0" cy="0"/>
+          <a:chOff x="0" y="0"/>
+          <a:chExt cx="0" cy="0"/>
+        </a:xfrm>
+      </p:grpSpPr>
+      <p:sp>
+        <p:nvSpPr>
+          <p:cNvPr id="2" name="Titel 1">
+            <a:extLst>
+              <a:ext uri="{FF2B5EF4-FFF2-40B4-BE49-F238E27FC236}">
+                <a16:creationId xmlns:a16="http://schemas.microsoft.com/office/drawing/2014/main" id="{B100F170-CCBE-4A4D-82AE-FF65D20479DC}"/>
+              </a:ext>
+            </a:extLst>
+          </p:cNvPr>
+          <p:cNvSpPr>
+            <a:spLocks noGrp="1"/>
+          </p:cNvSpPr>
+          <p:nvPr>
+            <p:ph type="title"/>
+          </p:nvPr>
+        </p:nvSpPr>
+        <p:spPr/>
+        <p:txBody>
+          <a:bodyPr/>
+          <a:lstStyle/>
+          <a:p>
+            <a:r>
+              <a:rPr lang="de-CH" dirty="0"/>
+              <a:t>Demo Video</a:t>
+            </a:r>
+          </a:p>
+        </p:txBody>
+      </p:sp>
+      <p:sp>
+        <p:nvSpPr>
+          <p:cNvPr id="3" name="Inhaltsplatzhalter 2">
+            <a:extLst>
+              <a:ext uri="{FF2B5EF4-FFF2-40B4-BE49-F238E27FC236}">
+                <a16:creationId xmlns:a16="http://schemas.microsoft.com/office/drawing/2014/main" id="{5F7BEAE4-4E40-4340-B559-C32744D060FE}"/>
+              </a:ext>
+            </a:extLst>
+          </p:cNvPr>
+          <p:cNvSpPr>
+            <a:spLocks noGrp="1"/>
+          </p:cNvSpPr>
+          <p:nvPr>
+            <p:ph idx="1"/>
+          </p:nvPr>
+        </p:nvSpPr>
+        <p:spPr/>
+        <p:txBody>
+          <a:bodyPr/>
+          <a:lstStyle/>
+          <a:p>
+            <a:r>
+              <a:rPr lang="de-CH" dirty="0"/>
+              <a:t>Muss noch gedreht werden</a:t>
+            </a:r>
+          </a:p>
+        </p:txBody>
+      </p:sp>
+    </p:spTree>
+    <p:extLst>
+      <p:ext uri="{BB962C8B-B14F-4D97-AF65-F5344CB8AC3E}">
+        <p14:creationId xmlns:p14="http://schemas.microsoft.com/office/powerpoint/2010/main" val="2053189695"/>
+      </p:ext>
+    </p:extLst>
+  </p:cSld>
+  <p:clrMapOvr>
+    <a:masterClrMapping/>
+  </p:clrMapOvr>
+</p:sld>
+</file>
+
+<file path=ppt/slides/slide12.xml><?xml version="1.0" encoding="utf-8"?>
+<p:sld xmlns:a="http://schemas.openxmlformats.org/drawingml/2006/main" xmlns:r="http://schemas.openxmlformats.org/officeDocument/2006/relationships" xmlns:p="http://schemas.openxmlformats.org/presentationml/2006/main">
+  <p:cSld>
+    <p:spTree>
+      <p:nvGrpSpPr>
+        <p:cNvPr id="1" name=""/>
+        <p:cNvGrpSpPr/>
+        <p:nvPr/>
+      </p:nvGrpSpPr>
+      <p:grpSpPr>
+        <a:xfrm>
+          <a:off x="0" y="0"/>
+          <a:ext cx="0" cy="0"/>
+          <a:chOff x="0" y="0"/>
+          <a:chExt cx="0" cy="0"/>
+        </a:xfrm>
+      </p:grpSpPr>
+      <p:sp>
+        <p:nvSpPr>
+          <p:cNvPr id="2" name="Titel 1">
+            <a:extLst>
+              <a:ext uri="{FF2B5EF4-FFF2-40B4-BE49-F238E27FC236}">
+                <a16:creationId xmlns:a16="http://schemas.microsoft.com/office/drawing/2014/main" id="{BD7FD0FB-400F-4D53-8C51-F0F5EDE0D1B8}"/>
+              </a:ext>
+            </a:extLst>
+          </p:cNvPr>
+          <p:cNvSpPr>
+            <a:spLocks noGrp="1"/>
+          </p:cNvSpPr>
+          <p:nvPr>
+            <p:ph type="title"/>
+          </p:nvPr>
+        </p:nvSpPr>
+        <p:spPr/>
+        <p:txBody>
+          <a:bodyPr/>
+          <a:lstStyle/>
+          <a:p>
+            <a:r>
+              <a:rPr lang="de-CH" dirty="0"/>
+              <a:t>Vielen Dank / Fragen</a:t>
+            </a:r>
+          </a:p>
+        </p:txBody>
+      </p:sp>
+      <p:sp>
+        <p:nvSpPr>
+          <p:cNvPr id="3" name="Inhaltsplatzhalter 2">
+            <a:extLst>
+              <a:ext uri="{FF2B5EF4-FFF2-40B4-BE49-F238E27FC236}">
+                <a16:creationId xmlns:a16="http://schemas.microsoft.com/office/drawing/2014/main" id="{AAE54111-DC0F-409D-B995-BB24D1206C94}"/>
+              </a:ext>
+            </a:extLst>
+          </p:cNvPr>
+          <p:cNvSpPr>
+            <a:spLocks noGrp="1"/>
+          </p:cNvSpPr>
+          <p:nvPr>
+            <p:ph idx="1"/>
+          </p:nvPr>
+        </p:nvSpPr>
+        <p:spPr/>
+        <p:txBody>
+          <a:bodyPr/>
+          <a:lstStyle/>
+          <a:p>
+            <a:endParaRPr lang="de-CH"/>
+          </a:p>
+        </p:txBody>
+      </p:sp>
+    </p:spTree>
+    <p:extLst>
+      <p:ext uri="{BB962C8B-B14F-4D97-AF65-F5344CB8AC3E}">
+        <p14:creationId xmlns:p14="http://schemas.microsoft.com/office/powerpoint/2010/main" val="2677199399"/>
+      </p:ext>
+    </p:extLst>
+  </p:cSld>
+  <p:clrMapOvr>
+    <a:masterClrMapping/>
+  </p:clrMapOvr>
+</p:sld>
+</file>
+
+<file path=ppt/slides/slide2.xml><?xml version="1.0" encoding="utf-8"?>
+<p:sld xmlns:a="http://schemas.openxmlformats.org/drawingml/2006/main" xmlns:r="http://schemas.openxmlformats.org/officeDocument/2006/relationships" xmlns:p="http://schemas.openxmlformats.org/presentationml/2006/main">
+  <p:cSld>
+    <p:spTree>
+      <p:nvGrpSpPr>
+        <p:cNvPr id="1" name=""/>
+        <p:cNvGrpSpPr/>
+        <p:nvPr/>
+      </p:nvGrpSpPr>
+      <p:grpSpPr>
+        <a:xfrm>
+          <a:off x="0" y="0"/>
+          <a:ext cx="0" cy="0"/>
+          <a:chOff x="0" y="0"/>
+          <a:chExt cx="0" cy="0"/>
+        </a:xfrm>
+      </p:grpSpPr>
+      <p:sp>
+        <p:nvSpPr>
+          <p:cNvPr id="2" name="Titel 1">
+            <a:extLst>
+              <a:ext uri="{FF2B5EF4-FFF2-40B4-BE49-F238E27FC236}">
+                <a16:creationId xmlns:a16="http://schemas.microsoft.com/office/drawing/2014/main" id="{7DA709D1-0B41-4B04-BBFC-54BCC44BEE4E}"/>
+              </a:ext>
+            </a:extLst>
+          </p:cNvPr>
+          <p:cNvSpPr>
+            <a:spLocks noGrp="1"/>
+          </p:cNvSpPr>
+          <p:nvPr>
+            <p:ph type="title"/>
+          </p:nvPr>
+        </p:nvSpPr>
+        <p:spPr/>
+        <p:txBody>
+          <a:bodyPr/>
+          <a:lstStyle/>
+          <a:p>
+            <a:r>
+              <a:rPr lang="de-CH" dirty="0"/>
+              <a:t>Überblick</a:t>
+            </a:r>
+          </a:p>
+        </p:txBody>
+      </p:sp>
+      <p:sp>
+        <p:nvSpPr>
+          <p:cNvPr id="3" name="Inhaltsplatzhalter 2">
+            <a:extLst>
+              <a:ext uri="{FF2B5EF4-FFF2-40B4-BE49-F238E27FC236}">
+                <a16:creationId xmlns:a16="http://schemas.microsoft.com/office/drawing/2014/main" id="{EDBD3885-95C9-48B6-B393-D618DB9C9181}"/>
+              </a:ext>
+            </a:extLst>
+          </p:cNvPr>
+          <p:cNvSpPr>
+            <a:spLocks noGrp="1"/>
+          </p:cNvSpPr>
+          <p:nvPr>
+            <p:ph idx="1"/>
+          </p:nvPr>
+        </p:nvSpPr>
+        <p:spPr/>
+        <p:txBody>
+          <a:bodyPr/>
+          <a:lstStyle/>
+          <a:p>
+            <a:r>
+              <a:rPr lang="de-CH" dirty="0"/>
+              <a:t>Agenda</a:t>
+            </a:r>
+          </a:p>
+        </p:txBody>
+      </p:sp>
+    </p:spTree>
+    <p:extLst>
+      <p:ext uri="{BB962C8B-B14F-4D97-AF65-F5344CB8AC3E}">
+        <p14:creationId xmlns:p14="http://schemas.microsoft.com/office/powerpoint/2010/main" val="2304855106"/>
+      </p:ext>
+    </p:extLst>
+  </p:cSld>
+  <p:clrMapOvr>
+    <a:masterClrMapping/>
+  </p:clrMapOvr>
+</p:sld>
+</file>
+
+<file path=ppt/slides/slide3.xml><?xml version="1.0" encoding="utf-8"?>
+<p:sld xmlns:a="http://schemas.openxmlformats.org/drawingml/2006/main" xmlns:r="http://schemas.openxmlformats.org/officeDocument/2006/relationships" xmlns:p="http://schemas.openxmlformats.org/presentationml/2006/main">
+  <p:cSld>
+    <p:spTree>
+      <p:nvGrpSpPr>
+        <p:cNvPr id="1" name=""/>
+        <p:cNvGrpSpPr/>
+        <p:nvPr/>
+      </p:nvGrpSpPr>
+      <p:grpSpPr>
+        <a:xfrm>
+          <a:off x="0" y="0"/>
+          <a:ext cx="0" cy="0"/>
+          <a:chOff x="0" y="0"/>
+          <a:chExt cx="0" cy="0"/>
+        </a:xfrm>
+      </p:grpSpPr>
+      <p:sp>
+        <p:nvSpPr>
+          <p:cNvPr id="2" name="Titel 1">
+            <a:extLst>
+              <a:ext uri="{FF2B5EF4-FFF2-40B4-BE49-F238E27FC236}">
+                <a16:creationId xmlns:a16="http://schemas.microsoft.com/office/drawing/2014/main" id="{A5CC39BA-0D8A-4D97-A3AB-4086BCE601CC}"/>
+              </a:ext>
+            </a:extLst>
+          </p:cNvPr>
+          <p:cNvSpPr>
+            <a:spLocks noGrp="1"/>
+          </p:cNvSpPr>
+          <p:nvPr>
+            <p:ph type="title"/>
+          </p:nvPr>
+        </p:nvSpPr>
+        <p:spPr/>
+        <p:txBody>
+          <a:bodyPr/>
+          <a:lstStyle/>
+          <a:p>
+            <a:r>
+              <a:rPr lang="de-CH" dirty="0"/>
+              <a:t>Team</a:t>
+            </a:r>
+          </a:p>
+        </p:txBody>
+      </p:sp>
+      <p:sp>
+        <p:nvSpPr>
+          <p:cNvPr id="3" name="Inhaltsplatzhalter 2">
+            <a:extLst>
+              <a:ext uri="{FF2B5EF4-FFF2-40B4-BE49-F238E27FC236}">
+                <a16:creationId xmlns:a16="http://schemas.microsoft.com/office/drawing/2014/main" id="{BEA8AB5F-0006-4B47-BB7C-2F51651A993F}"/>
+              </a:ext>
+            </a:extLst>
+          </p:cNvPr>
+          <p:cNvSpPr>
+            <a:spLocks noGrp="1"/>
+          </p:cNvSpPr>
+          <p:nvPr>
+            <p:ph idx="1"/>
+          </p:nvPr>
+        </p:nvSpPr>
+        <p:spPr/>
+        <p:txBody>
+          <a:bodyPr/>
+          <a:lstStyle/>
+          <a:p>
+            <a:r>
+              <a:rPr lang="de-CH" dirty="0"/>
+              <a:t>Team </a:t>
+            </a:r>
+            <a:r>
+              <a:rPr lang="de-CH" dirty="0" err="1"/>
+              <a:t>präsentation</a:t>
+            </a:r>
+            <a:r>
+              <a:rPr lang="de-CH" dirty="0"/>
+              <a:t> </a:t>
+            </a:r>
+            <a:r>
+              <a:rPr lang="de-CH" dirty="0">
+                <a:sym typeface="Wingdings" panose="05000000000000000000" pitchFamily="2" charset="2"/>
+              </a:rPr>
+              <a:t> </a:t>
+            </a:r>
+            <a:r>
+              <a:rPr lang="de-CH" dirty="0" err="1">
+                <a:sym typeface="Wingdings" panose="05000000000000000000" pitchFamily="2" charset="2"/>
+              </a:rPr>
+              <a:t>zuständigkeit</a:t>
+            </a:r>
+            <a:endParaRPr lang="de-CH" dirty="0">
+              <a:sym typeface="Wingdings" panose="05000000000000000000" pitchFamily="2" charset="2"/>
+            </a:endParaRPr>
+          </a:p>
+          <a:p>
+            <a:r>
+              <a:rPr lang="de-CH" dirty="0">
+                <a:sym typeface="Wingdings" panose="05000000000000000000" pitchFamily="2" charset="2"/>
+              </a:rPr>
+              <a:t>Abdu -&gt; technisches </a:t>
+            </a:r>
+            <a:r>
+              <a:rPr lang="de-CH" dirty="0" err="1">
+                <a:sym typeface="Wingdings" panose="05000000000000000000" pitchFamily="2" charset="2"/>
+              </a:rPr>
+              <a:t>mastermind</a:t>
+            </a:r>
+            <a:endParaRPr lang="de-CH" dirty="0">
+              <a:sym typeface="Wingdings" panose="05000000000000000000" pitchFamily="2" charset="2"/>
+            </a:endParaRPr>
+          </a:p>
+          <a:p>
+            <a:r>
+              <a:rPr lang="de-CH" dirty="0">
+                <a:sym typeface="Wingdings" panose="05000000000000000000" pitchFamily="2" charset="2"/>
+              </a:rPr>
+              <a:t>Marko -&gt; Home </a:t>
+            </a:r>
+            <a:r>
+              <a:rPr lang="de-CH" dirty="0" err="1">
+                <a:sym typeface="Wingdings" panose="05000000000000000000" pitchFamily="2" charset="2"/>
+              </a:rPr>
+              <a:t>assistant</a:t>
+            </a:r>
+            <a:r>
+              <a:rPr lang="de-CH" dirty="0">
+                <a:sym typeface="Wingdings" panose="05000000000000000000" pitchFamily="2" charset="2"/>
+              </a:rPr>
+              <a:t> </a:t>
+            </a:r>
+            <a:r>
+              <a:rPr lang="de-CH" dirty="0" err="1">
+                <a:sym typeface="Wingdings" panose="05000000000000000000" pitchFamily="2" charset="2"/>
+              </a:rPr>
+              <a:t>konfiguration</a:t>
+            </a:r>
+            <a:r>
+              <a:rPr lang="de-CH" dirty="0">
+                <a:sym typeface="Wingdings" panose="05000000000000000000" pitchFamily="2" charset="2"/>
+              </a:rPr>
+              <a:t> </a:t>
+            </a:r>
+          </a:p>
+          <a:p>
+            <a:r>
+              <a:rPr lang="de-CH" dirty="0">
+                <a:sym typeface="Wingdings" panose="05000000000000000000" pitchFamily="2" charset="2"/>
+              </a:rPr>
+              <a:t>Lukas -&gt; </a:t>
+            </a:r>
+            <a:r>
+              <a:rPr lang="de-CH" dirty="0" err="1">
+                <a:sym typeface="Wingdings" panose="05000000000000000000" pitchFamily="2" charset="2"/>
+              </a:rPr>
+              <a:t>Harmony</a:t>
+            </a:r>
+            <a:r>
+              <a:rPr lang="de-CH" dirty="0">
+                <a:sym typeface="Wingdings" panose="05000000000000000000" pitchFamily="2" charset="2"/>
+              </a:rPr>
+              <a:t> Hub </a:t>
+            </a:r>
+            <a:r>
+              <a:rPr lang="de-CH" dirty="0" err="1">
+                <a:sym typeface="Wingdings" panose="05000000000000000000" pitchFamily="2" charset="2"/>
+              </a:rPr>
+              <a:t>konfiguration</a:t>
+            </a:r>
+            <a:r>
+              <a:rPr lang="de-CH" dirty="0">
+                <a:sym typeface="Wingdings" panose="05000000000000000000" pitchFamily="2" charset="2"/>
+              </a:rPr>
+              <a:t> </a:t>
+            </a:r>
+          </a:p>
+          <a:p>
+            <a:r>
+              <a:rPr lang="de-CH" dirty="0"/>
+              <a:t>(Bilder von uns)</a:t>
+            </a:r>
+          </a:p>
+        </p:txBody>
+      </p:sp>
+    </p:spTree>
+    <p:extLst>
+      <p:ext uri="{BB962C8B-B14F-4D97-AF65-F5344CB8AC3E}">
+        <p14:creationId xmlns:p14="http://schemas.microsoft.com/office/powerpoint/2010/main" val="3776744314"/>
+      </p:ext>
+    </p:extLst>
+  </p:cSld>
+  <p:clrMapOvr>
+    <a:masterClrMapping/>
+  </p:clrMapOvr>
+</p:sld>
+</file>
+
+<file path=ppt/slides/slide4.xml><?xml version="1.0" encoding="utf-8"?>
+<p:sld xmlns:a="http://schemas.openxmlformats.org/drawingml/2006/main" xmlns:r="http://schemas.openxmlformats.org/officeDocument/2006/relationships" xmlns:p="http://schemas.openxmlformats.org/presentationml/2006/main">
+  <p:cSld>
+    <p:spTree>
+      <p:nvGrpSpPr>
+        <p:cNvPr id="1" name=""/>
+        <p:cNvGrpSpPr/>
+        <p:nvPr/>
+      </p:nvGrpSpPr>
+      <p:grpSpPr>
+        <a:xfrm>
+          <a:off x="0" y="0"/>
+          <a:ext cx="0" cy="0"/>
+          <a:chOff x="0" y="0"/>
+          <a:chExt cx="0" cy="0"/>
+        </a:xfrm>
+      </p:grpSpPr>
+      <p:sp>
+        <p:nvSpPr>
+          <p:cNvPr id="2" name="Titel 1">
+            <a:extLst>
+              <a:ext uri="{FF2B5EF4-FFF2-40B4-BE49-F238E27FC236}">
+                <a16:creationId xmlns:a16="http://schemas.microsoft.com/office/drawing/2014/main" id="{B7DA4A3F-E29C-494C-901F-A2E102C24095}"/>
+              </a:ext>
+            </a:extLst>
+          </p:cNvPr>
+          <p:cNvSpPr>
+            <a:spLocks noGrp="1"/>
+          </p:cNvSpPr>
+          <p:nvPr>
+            <p:ph type="title"/>
+          </p:nvPr>
+        </p:nvSpPr>
+        <p:spPr/>
+        <p:txBody>
+          <a:bodyPr/>
+          <a:lstStyle/>
+          <a:p>
+            <a:r>
+              <a:rPr lang="de-CH" dirty="0"/>
+              <a:t>Kurz Vorstellung der Projektidee</a:t>
+            </a:r>
+          </a:p>
+        </p:txBody>
+      </p:sp>
+      <p:sp>
+        <p:nvSpPr>
+          <p:cNvPr id="3" name="Inhaltsplatzhalter 2">
+            <a:extLst>
+              <a:ext uri="{FF2B5EF4-FFF2-40B4-BE49-F238E27FC236}">
+                <a16:creationId xmlns:a16="http://schemas.microsoft.com/office/drawing/2014/main" id="{3A0C84D3-74F5-4412-B4E2-7A14E31758E8}"/>
+              </a:ext>
+            </a:extLst>
+          </p:cNvPr>
+          <p:cNvSpPr>
+            <a:spLocks noGrp="1"/>
+          </p:cNvSpPr>
+          <p:nvPr>
+            <p:ph idx="1"/>
+          </p:nvPr>
+        </p:nvSpPr>
+        <p:spPr/>
+        <p:txBody>
+          <a:bodyPr/>
+          <a:lstStyle/>
+          <a:p>
+            <a:r>
+              <a:rPr lang="de-CH" dirty="0"/>
+              <a:t>Projekt Vorstellung</a:t>
+            </a:r>
+          </a:p>
+          <a:p>
+            <a:r>
+              <a:rPr lang="de-CH" dirty="0"/>
+              <a:t>Ziele</a:t>
+            </a:r>
+          </a:p>
+        </p:txBody>
+      </p:sp>
+    </p:spTree>
+    <p:extLst>
+      <p:ext uri="{BB962C8B-B14F-4D97-AF65-F5344CB8AC3E}">
+        <p14:creationId xmlns:p14="http://schemas.microsoft.com/office/powerpoint/2010/main" val="127215135"/>
+      </p:ext>
+    </p:extLst>
+  </p:cSld>
+  <p:clrMapOvr>
+    <a:masterClrMapping/>
+  </p:clrMapOvr>
+</p:sld>
+</file>
+
+<file path=ppt/slides/slide5.xml><?xml version="1.0" encoding="utf-8"?>
+<p:sld xmlns:a="http://schemas.openxmlformats.org/drawingml/2006/main" xmlns:r="http://schemas.openxmlformats.org/officeDocument/2006/relationships" xmlns:p="http://schemas.openxmlformats.org/presentationml/2006/main">
+  <p:cSld>
+    <p:spTree>
+      <p:nvGrpSpPr>
+        <p:cNvPr id="1" name=""/>
+        <p:cNvGrpSpPr/>
+        <p:nvPr/>
+      </p:nvGrpSpPr>
+      <p:grpSpPr>
+        <a:xfrm>
+          <a:off x="0" y="0"/>
+          <a:ext cx="0" cy="0"/>
+          <a:chOff x="0" y="0"/>
+          <a:chExt cx="0" cy="0"/>
+        </a:xfrm>
+      </p:grpSpPr>
+      <p:sp>
+        <p:nvSpPr>
+          <p:cNvPr id="2" name="Titel 1">
+            <a:extLst>
+              <a:ext uri="{FF2B5EF4-FFF2-40B4-BE49-F238E27FC236}">
+                <a16:creationId xmlns:a16="http://schemas.microsoft.com/office/drawing/2014/main" id="{691521C6-68F0-47DE-BF40-0A4F47C7D635}"/>
+              </a:ext>
+            </a:extLst>
+          </p:cNvPr>
+          <p:cNvSpPr>
+            <a:spLocks noGrp="1"/>
+          </p:cNvSpPr>
+          <p:nvPr>
+            <p:ph type="title"/>
+          </p:nvPr>
+        </p:nvSpPr>
+        <p:spPr/>
+        <p:txBody>
+          <a:bodyPr/>
+          <a:lstStyle/>
+          <a:p>
+            <a:r>
+              <a:rPr lang="de-CH" dirty="0" err="1"/>
+              <a:t>Funktions</a:t>
+            </a:r>
+            <a:r>
+              <a:rPr lang="de-CH" dirty="0"/>
+              <a:t> Überblick</a:t>
+            </a:r>
+          </a:p>
+        </p:txBody>
+      </p:sp>
+      <p:sp>
+        <p:nvSpPr>
+          <p:cNvPr id="3" name="Inhaltsplatzhalter 2">
+            <a:extLst>
+              <a:ext uri="{FF2B5EF4-FFF2-40B4-BE49-F238E27FC236}">
+                <a16:creationId xmlns:a16="http://schemas.microsoft.com/office/drawing/2014/main" id="{79784D07-267C-4660-A796-B42B8E22B636}"/>
+              </a:ext>
+            </a:extLst>
+          </p:cNvPr>
+          <p:cNvSpPr>
+            <a:spLocks noGrp="1"/>
+          </p:cNvSpPr>
+          <p:nvPr>
+            <p:ph idx="1"/>
+          </p:nvPr>
+        </p:nvSpPr>
+        <p:spPr/>
+        <p:txBody>
+          <a:bodyPr/>
+          <a:lstStyle/>
+          <a:p>
+            <a:r>
+              <a:rPr lang="de-CH" dirty="0"/>
+              <a:t>Raspberry 1 </a:t>
+            </a:r>
+            <a:r>
+              <a:rPr lang="de-CH" dirty="0">
+                <a:sym typeface="Wingdings" panose="05000000000000000000" pitchFamily="2" charset="2"/>
+              </a:rPr>
+              <a:t> Personenerkennung</a:t>
+            </a:r>
+          </a:p>
+          <a:p>
+            <a:r>
+              <a:rPr lang="de-CH" dirty="0">
+                <a:sym typeface="Wingdings" panose="05000000000000000000" pitchFamily="2" charset="2"/>
+              </a:rPr>
+              <a:t>Raspberry 2  Home </a:t>
+            </a:r>
+            <a:r>
+              <a:rPr lang="de-CH" dirty="0" err="1">
+                <a:sym typeface="Wingdings" panose="05000000000000000000" pitchFamily="2" charset="2"/>
+              </a:rPr>
+              <a:t>Assistant</a:t>
+            </a:r>
+            <a:r>
+              <a:rPr lang="de-CH" dirty="0">
+                <a:sym typeface="Wingdings" panose="05000000000000000000" pitchFamily="2" charset="2"/>
+              </a:rPr>
+              <a:t> OS</a:t>
+            </a:r>
+          </a:p>
+          <a:p>
+            <a:r>
+              <a:rPr lang="de-CH" dirty="0" err="1">
+                <a:sym typeface="Wingdings" panose="05000000000000000000" pitchFamily="2" charset="2"/>
+              </a:rPr>
+              <a:t>Harmony</a:t>
+            </a:r>
+            <a:r>
+              <a:rPr lang="de-CH" dirty="0">
+                <a:sym typeface="Wingdings" panose="05000000000000000000" pitchFamily="2" charset="2"/>
+              </a:rPr>
+              <a:t> Hub</a:t>
+            </a:r>
+          </a:p>
+          <a:p>
+            <a:r>
+              <a:rPr lang="de-CH" dirty="0">
+                <a:sym typeface="Wingdings" panose="05000000000000000000" pitchFamily="2" charset="2"/>
+              </a:rPr>
+              <a:t>(Diagramm form)</a:t>
+            </a:r>
+          </a:p>
+          <a:p>
+            <a:endParaRPr lang="de-CH" dirty="0"/>
+          </a:p>
+        </p:txBody>
+      </p:sp>
+    </p:spTree>
+    <p:extLst>
+      <p:ext uri="{BB962C8B-B14F-4D97-AF65-F5344CB8AC3E}">
+        <p14:creationId xmlns:p14="http://schemas.microsoft.com/office/powerpoint/2010/main" val="1531816222"/>
+      </p:ext>
+    </p:extLst>
+  </p:cSld>
+  <p:clrMapOvr>
+    <a:masterClrMapping/>
+  </p:clrMapOvr>
+</p:sld>
+</file>
+
+<file path=ppt/slides/slide6.xml><?xml version="1.0" encoding="utf-8"?>
+<p:sld xmlns:a="http://schemas.openxmlformats.org/drawingml/2006/main" xmlns:r="http://schemas.openxmlformats.org/officeDocument/2006/relationships" xmlns:p="http://schemas.openxmlformats.org/presentationml/2006/main">
+  <p:cSld>
+    <p:spTree>
+      <p:nvGrpSpPr>
+        <p:cNvPr id="1" name=""/>
+        <p:cNvGrpSpPr/>
+        <p:nvPr/>
+      </p:nvGrpSpPr>
+      <p:grpSpPr>
+        <a:xfrm>
+          <a:off x="0" y="0"/>
+          <a:ext cx="0" cy="0"/>
+          <a:chOff x="0" y="0"/>
+          <a:chExt cx="0" cy="0"/>
+        </a:xfrm>
+      </p:grpSpPr>
+      <p:sp>
+        <p:nvSpPr>
+          <p:cNvPr id="2" name="Titel 1">
+            <a:extLst>
+              <a:ext uri="{FF2B5EF4-FFF2-40B4-BE49-F238E27FC236}">
+                <a16:creationId xmlns:a16="http://schemas.microsoft.com/office/drawing/2014/main" id="{3756E398-E005-48A7-9D26-4E01E97C3021}"/>
+              </a:ext>
+            </a:extLst>
+          </p:cNvPr>
+          <p:cNvSpPr>
+            <a:spLocks noGrp="1"/>
+          </p:cNvSpPr>
+          <p:nvPr>
+            <p:ph type="title"/>
+          </p:nvPr>
+        </p:nvSpPr>
+        <p:spPr/>
+        <p:txBody>
+          <a:bodyPr/>
+          <a:lstStyle/>
+          <a:p>
+            <a:r>
+              <a:rPr lang="de-CH" dirty="0"/>
+              <a:t>Hardware</a:t>
+            </a:r>
+          </a:p>
+        </p:txBody>
+      </p:sp>
+      <p:sp>
+        <p:nvSpPr>
+          <p:cNvPr id="3" name="Inhaltsplatzhalter 2">
+            <a:extLst>
+              <a:ext uri="{FF2B5EF4-FFF2-40B4-BE49-F238E27FC236}">
+                <a16:creationId xmlns:a16="http://schemas.microsoft.com/office/drawing/2014/main" id="{B1016F21-14FF-4F0A-B14C-C313C22C2D53}"/>
+              </a:ext>
+            </a:extLst>
+          </p:cNvPr>
+          <p:cNvSpPr>
+            <a:spLocks noGrp="1"/>
+          </p:cNvSpPr>
+          <p:nvPr>
+            <p:ph idx="1"/>
+          </p:nvPr>
+        </p:nvSpPr>
+        <p:spPr/>
+        <p:txBody>
+          <a:bodyPr>
+            <a:normAutofit lnSpcReduction="10000"/>
+          </a:bodyPr>
+          <a:lstStyle/>
+          <a:p>
+            <a:r>
+              <a:rPr lang="de-CH" dirty="0"/>
+              <a:t>Personenerkennung</a:t>
+            </a:r>
+          </a:p>
+          <a:p>
+            <a:pPr lvl="1"/>
+            <a:r>
+              <a:rPr lang="de-CH" dirty="0"/>
+              <a:t>Raspberry Pi 4 Model B - 2GB</a:t>
+            </a:r>
+          </a:p>
+          <a:p>
+            <a:pPr lvl="2"/>
+            <a:r>
+              <a:rPr lang="de-CH" dirty="0"/>
+              <a:t>Display für Raspberry Pi</a:t>
+            </a:r>
+          </a:p>
+          <a:p>
+            <a:pPr lvl="1"/>
+            <a:r>
+              <a:rPr lang="de-CH" dirty="0"/>
+              <a:t>Kamera: Guo </a:t>
+            </a:r>
+            <a:r>
+              <a:rPr lang="de-CH" dirty="0" err="1"/>
+              <a:t>duo</a:t>
+            </a:r>
+            <a:r>
+              <a:rPr lang="de-CH" dirty="0"/>
+              <a:t> Webcam HD 1080</a:t>
+            </a:r>
+          </a:p>
+          <a:p>
+            <a:r>
+              <a:rPr lang="de-CH" dirty="0"/>
+              <a:t>Bedienung</a:t>
+            </a:r>
+          </a:p>
+          <a:p>
+            <a:pPr lvl="1"/>
+            <a:r>
+              <a:rPr lang="de-CH" dirty="0"/>
+              <a:t>Raspberry Pi 4 Model B – 2GB</a:t>
+            </a:r>
+          </a:p>
+          <a:p>
+            <a:pPr lvl="1"/>
+            <a:r>
+              <a:rPr lang="de-CH" dirty="0"/>
+              <a:t>Logitech </a:t>
+            </a:r>
+            <a:r>
+              <a:rPr lang="de-CH" dirty="0" err="1"/>
+              <a:t>Harmony</a:t>
+            </a:r>
+            <a:r>
+              <a:rPr lang="de-CH" dirty="0"/>
+              <a:t> Hub</a:t>
+            </a:r>
+          </a:p>
+          <a:p>
+            <a:pPr lvl="1"/>
+            <a:r>
+              <a:rPr lang="de-CH" dirty="0"/>
+              <a:t>Fernseher ohne Smartfunktionen</a:t>
+            </a:r>
+          </a:p>
+          <a:p>
+            <a:pPr lvl="1"/>
+            <a:r>
+              <a:rPr lang="de-CH" dirty="0">
+                <a:solidFill>
+                  <a:srgbClr val="FF0000"/>
+                </a:solidFill>
+              </a:rPr>
+              <a:t>(Alexa)</a:t>
+            </a:r>
+          </a:p>
+          <a:p>
+            <a:endParaRPr lang="de-CH" dirty="0"/>
+          </a:p>
+        </p:txBody>
+      </p:sp>
+    </p:spTree>
+    <p:extLst>
+      <p:ext uri="{BB962C8B-B14F-4D97-AF65-F5344CB8AC3E}">
+        <p14:creationId xmlns:p14="http://schemas.microsoft.com/office/powerpoint/2010/main" val="1969310644"/>
+      </p:ext>
+    </p:extLst>
+  </p:cSld>
+  <p:clrMapOvr>
+    <a:masterClrMapping/>
+  </p:clrMapOvr>
+</p:sld>
+</file>
+
+<file path=ppt/slides/slide7.xml><?xml version="1.0" encoding="utf-8"?>
+<p:sld xmlns:a="http://schemas.openxmlformats.org/drawingml/2006/main" xmlns:r="http://schemas.openxmlformats.org/officeDocument/2006/relationships" xmlns:p="http://schemas.openxmlformats.org/presentationml/2006/main">
+  <p:cSld>
+    <p:spTree>
+      <p:nvGrpSpPr>
+        <p:cNvPr id="1" name=""/>
+        <p:cNvGrpSpPr/>
+        <p:nvPr/>
+      </p:nvGrpSpPr>
+      <p:grpSpPr>
+        <a:xfrm>
+          <a:off x="0" y="0"/>
+          <a:ext cx="0" cy="0"/>
+          <a:chOff x="0" y="0"/>
+          <a:chExt cx="0" cy="0"/>
+        </a:xfrm>
+      </p:grpSpPr>
+      <p:sp>
+        <p:nvSpPr>
+          <p:cNvPr id="2" name="Titel 1">
+            <a:extLst>
+              <a:ext uri="{FF2B5EF4-FFF2-40B4-BE49-F238E27FC236}">
+                <a16:creationId xmlns:a16="http://schemas.microsoft.com/office/drawing/2014/main" id="{43F25713-4C2A-414A-B9A3-5BC67E0FF48B}"/>
+              </a:ext>
+            </a:extLst>
+          </p:cNvPr>
+          <p:cNvSpPr>
+            <a:spLocks noGrp="1"/>
+          </p:cNvSpPr>
+          <p:nvPr>
+            <p:ph type="title"/>
+          </p:nvPr>
+        </p:nvSpPr>
+        <p:spPr/>
+        <p:txBody>
+          <a:bodyPr/>
+          <a:lstStyle/>
+          <a:p>
+            <a:r>
+              <a:rPr lang="de-CH" dirty="0"/>
+              <a:t>Software</a:t>
+            </a:r>
+          </a:p>
+        </p:txBody>
+      </p:sp>
+      <p:sp>
+        <p:nvSpPr>
+          <p:cNvPr id="3" name="Inhaltsplatzhalter 2">
+            <a:extLst>
+              <a:ext uri="{FF2B5EF4-FFF2-40B4-BE49-F238E27FC236}">
+                <a16:creationId xmlns:a16="http://schemas.microsoft.com/office/drawing/2014/main" id="{3301ED44-7352-4D11-A527-F35A8B6331A2}"/>
+              </a:ext>
+            </a:extLst>
+          </p:cNvPr>
+          <p:cNvSpPr>
+            <a:spLocks noGrp="1"/>
+          </p:cNvSpPr>
+          <p:nvPr>
+            <p:ph idx="1"/>
+          </p:nvPr>
+        </p:nvSpPr>
+        <p:spPr/>
+        <p:txBody>
+          <a:bodyPr/>
+          <a:lstStyle/>
+          <a:p>
+            <a:r>
+              <a:rPr lang="de-CH" dirty="0"/>
+              <a:t>Personenerkennung</a:t>
+            </a:r>
+          </a:p>
+          <a:p>
+            <a:pPr lvl="1"/>
+            <a:r>
+              <a:rPr lang="de-CH" dirty="0" err="1"/>
+              <a:t>OpenCV</a:t>
+            </a:r>
+            <a:r>
+              <a:rPr lang="de-CH" dirty="0"/>
+              <a:t> </a:t>
+            </a:r>
+            <a:r>
+              <a:rPr lang="de-CH" dirty="0" err="1"/>
+              <a:t>library</a:t>
+            </a:r>
+            <a:endParaRPr lang="de-CH" dirty="0"/>
+          </a:p>
+          <a:p>
+            <a:pPr lvl="1"/>
+            <a:r>
+              <a:rPr lang="de-CH" dirty="0"/>
+              <a:t>Programmiersprache Python</a:t>
+            </a:r>
+          </a:p>
+          <a:p>
+            <a:pPr lvl="1"/>
+            <a:r>
+              <a:rPr lang="de-CH" dirty="0" err="1"/>
+              <a:t>Cascades</a:t>
+            </a:r>
+            <a:endParaRPr lang="de-CH" dirty="0"/>
+          </a:p>
+          <a:p>
+            <a:r>
+              <a:rPr lang="de-CH" dirty="0"/>
+              <a:t>Bedienung</a:t>
+            </a:r>
+          </a:p>
+          <a:p>
+            <a:pPr lvl="1"/>
+            <a:r>
+              <a:rPr lang="de-CH" dirty="0"/>
+              <a:t>Home </a:t>
+            </a:r>
+            <a:r>
+              <a:rPr lang="de-CH" dirty="0" err="1"/>
+              <a:t>Assistant</a:t>
+            </a:r>
+            <a:r>
+              <a:rPr lang="de-CH" dirty="0"/>
+              <a:t> OS</a:t>
+            </a:r>
+          </a:p>
+          <a:p>
+            <a:pPr lvl="1"/>
+            <a:endParaRPr lang="de-CH" dirty="0"/>
+          </a:p>
+        </p:txBody>
+      </p:sp>
+    </p:spTree>
+    <p:extLst>
+      <p:ext uri="{BB962C8B-B14F-4D97-AF65-F5344CB8AC3E}">
+        <p14:creationId xmlns:p14="http://schemas.microsoft.com/office/powerpoint/2010/main" val="3575338485"/>
+      </p:ext>
+    </p:extLst>
+  </p:cSld>
+  <p:clrMapOvr>
+    <a:masterClrMapping/>
+  </p:clrMapOvr>
+</p:sld>
+</file>
+
+<file path=ppt/slides/slide8.xml><?xml version="1.0" encoding="utf-8"?>
+<p:sld xmlns:a="http://schemas.openxmlformats.org/drawingml/2006/main" xmlns:r="http://schemas.openxmlformats.org/officeDocument/2006/relationships" xmlns:p="http://schemas.openxmlformats.org/presentationml/2006/main">
+  <p:cSld>
+    <p:spTree>
+      <p:nvGrpSpPr>
+        <p:cNvPr id="1" name=""/>
+        <p:cNvGrpSpPr/>
+        <p:nvPr/>
+      </p:nvGrpSpPr>
+      <p:grpSpPr>
+        <a:xfrm>
+          <a:off x="0" y="0"/>
+          <a:ext cx="0" cy="0"/>
+          <a:chOff x="0" y="0"/>
+          <a:chExt cx="0" cy="0"/>
+        </a:xfrm>
+      </p:grpSpPr>
+      <p:sp>
+        <p:nvSpPr>
+          <p:cNvPr id="2" name="Titel 1">
+            <a:extLst>
+              <a:ext uri="{FF2B5EF4-FFF2-40B4-BE49-F238E27FC236}">
+                <a16:creationId xmlns:a16="http://schemas.microsoft.com/office/drawing/2014/main" id="{B4BA6D4D-CDDA-4506-A918-694F53BDD35C}"/>
+              </a:ext>
+            </a:extLst>
+          </p:cNvPr>
+          <p:cNvSpPr>
+            <a:spLocks noGrp="1"/>
+          </p:cNvSpPr>
+          <p:nvPr>
+            <p:ph type="title"/>
+          </p:nvPr>
+        </p:nvSpPr>
+        <p:spPr/>
+        <p:txBody>
+          <a:bodyPr/>
+          <a:lstStyle/>
+          <a:p>
+            <a:r>
+              <a:rPr lang="de-CH" dirty="0" err="1"/>
+              <a:t>Harmony</a:t>
+            </a:r>
+            <a:r>
+              <a:rPr lang="de-CH" dirty="0"/>
+              <a:t> Hub</a:t>
+            </a:r>
+          </a:p>
+        </p:txBody>
+      </p:sp>
+      <p:sp>
+        <p:nvSpPr>
+          <p:cNvPr id="3" name="Inhaltsplatzhalter 2">
+            <a:extLst>
+              <a:ext uri="{FF2B5EF4-FFF2-40B4-BE49-F238E27FC236}">
+                <a16:creationId xmlns:a16="http://schemas.microsoft.com/office/drawing/2014/main" id="{72403E14-9D7B-4F4B-8877-E307BAA2F2B9}"/>
+              </a:ext>
+            </a:extLst>
+          </p:cNvPr>
+          <p:cNvSpPr>
+            <a:spLocks noGrp="1"/>
+          </p:cNvSpPr>
+          <p:nvPr>
+            <p:ph idx="1"/>
+          </p:nvPr>
+        </p:nvSpPr>
+        <p:spPr/>
+        <p:txBody>
+          <a:bodyPr/>
+          <a:lstStyle/>
+          <a:p>
+            <a:r>
+              <a:rPr lang="de-CH" dirty="0"/>
+              <a:t>Funktion</a:t>
+            </a:r>
+          </a:p>
+          <a:p>
+            <a:r>
+              <a:rPr lang="de-CH" dirty="0"/>
+              <a:t>Unsere spezifische Anwendung</a:t>
+            </a:r>
+          </a:p>
+        </p:txBody>
+      </p:sp>
+    </p:spTree>
+    <p:extLst>
+      <p:ext uri="{BB962C8B-B14F-4D97-AF65-F5344CB8AC3E}">
+        <p14:creationId xmlns:p14="http://schemas.microsoft.com/office/powerpoint/2010/main" val="3361538177"/>
+      </p:ext>
+    </p:extLst>
+  </p:cSld>
+  <p:clrMapOvr>
+    <a:masterClrMapping/>
+  </p:clrMapOvr>
+</p:sld>
+</file>
+
+<file path=ppt/slides/slide9.xml><?xml version="1.0" encoding="utf-8"?>
+<p:sld xmlns:a="http://schemas.openxmlformats.org/drawingml/2006/main" xmlns:r="http://schemas.openxmlformats.org/officeDocument/2006/relationships" xmlns:p="http://schemas.openxmlformats.org/presentationml/2006/main">
+  <p:cSld>
+    <p:spTree>
+      <p:nvGrpSpPr>
+        <p:cNvPr id="1" name=""/>
+        <p:cNvGrpSpPr/>
+        <p:nvPr/>
+      </p:nvGrpSpPr>
+      <p:grpSpPr>
+        <a:xfrm>
+          <a:off x="0" y="0"/>
+          <a:ext cx="0" cy="0"/>
+          <a:chOff x="0" y="0"/>
+          <a:chExt cx="0" cy="0"/>
+        </a:xfrm>
+      </p:grpSpPr>
+      <p:sp>
+        <p:nvSpPr>
+          <p:cNvPr id="2" name="Titel 1">
+            <a:extLst>
+              <a:ext uri="{FF2B5EF4-FFF2-40B4-BE49-F238E27FC236}">
+                <a16:creationId xmlns:a16="http://schemas.microsoft.com/office/drawing/2014/main" id="{C78A0733-316C-490C-9BBF-DC955C847816}"/>
+              </a:ext>
+            </a:extLst>
+          </p:cNvPr>
+          <p:cNvSpPr>
+            <a:spLocks noGrp="1"/>
+          </p:cNvSpPr>
+          <p:nvPr>
+            <p:ph type="title"/>
+          </p:nvPr>
+        </p:nvSpPr>
+        <p:spPr/>
+        <p:txBody>
+          <a:bodyPr/>
+          <a:lstStyle/>
+          <a:p>
+            <a:r>
+              <a:rPr lang="de-CH" dirty="0"/>
+              <a:t>Home </a:t>
+            </a:r>
+            <a:r>
+              <a:rPr lang="de-CH" dirty="0" err="1"/>
+              <a:t>Assistant</a:t>
+            </a:r>
+            <a:r>
+              <a:rPr lang="de-CH" dirty="0"/>
+              <a:t> OS</a:t>
+            </a:r>
+          </a:p>
+        </p:txBody>
+      </p:sp>
+      <p:sp>
+        <p:nvSpPr>
+          <p:cNvPr id="3" name="Inhaltsplatzhalter 2">
+            <a:extLst>
+              <a:ext uri="{FF2B5EF4-FFF2-40B4-BE49-F238E27FC236}">
+                <a16:creationId xmlns:a16="http://schemas.microsoft.com/office/drawing/2014/main" id="{A505D25E-5AD6-4E0F-9CB5-52C3AA836CD8}"/>
+              </a:ext>
+            </a:extLst>
+          </p:cNvPr>
+          <p:cNvSpPr>
+            <a:spLocks noGrp="1"/>
+          </p:cNvSpPr>
+          <p:nvPr>
+            <p:ph idx="1"/>
+          </p:nvPr>
+        </p:nvSpPr>
+        <p:spPr/>
+        <p:txBody>
+          <a:bodyPr/>
+          <a:lstStyle/>
+          <a:p>
+            <a:r>
+              <a:rPr lang="de-CH" dirty="0"/>
+              <a:t>Was ist Home </a:t>
+            </a:r>
+            <a:r>
+              <a:rPr lang="de-CH" dirty="0" err="1"/>
+              <a:t>Assistant</a:t>
+            </a:r>
+            <a:endParaRPr lang="de-CH" dirty="0"/>
+          </a:p>
+          <a:p>
+            <a:r>
+              <a:rPr lang="de-CH" dirty="0" err="1"/>
+              <a:t>Wiso</a:t>
+            </a:r>
+            <a:r>
+              <a:rPr lang="de-CH" dirty="0"/>
+              <a:t> haben wir uns für HA entschieden</a:t>
+            </a:r>
+          </a:p>
+          <a:p>
+            <a:endParaRPr lang="de-CH" dirty="0"/>
+          </a:p>
+        </p:txBody>
+      </p:sp>
+    </p:spTree>
+    <p:extLst>
+      <p:ext uri="{BB962C8B-B14F-4D97-AF65-F5344CB8AC3E}">
+        <p14:creationId xmlns:p14="http://schemas.microsoft.com/office/powerpoint/2010/main" val="473850503"/>
+      </p:ext>
+    </p:extLst>
+  </p:cSld>
+  <p:clrMapOvr>
+    <a:masterClrMapping/>
+  </p:clrMapOvr>
+</p:sld>
+</file>
+
 <file path=ppt/theme/theme1.xml><?xml version="1.0" encoding="utf-8"?>
 <a:theme xmlns:a="http://schemas.openxmlformats.org/drawingml/2006/main" name="Larissa-Design">
   <a:themeElements>
     <a:clrScheme name="Larissa">
       <a:dk1>
-        <a:sysClr val="windowText"/>
+        <a:sysClr val="windowText" lastClr="000000"/>
       </a:dk1>
       <a:lt1>
-        <a:sysClr val="window"/>
+        <a:sysClr val="window" lastClr="FFFFFF"/>
       </a:lt1>
       <a:dk2>
         <a:srgbClr val="1F497D"/>

--- a/Documentation/ProjectDocumentation/Presentation.pptx
+++ b/Documentation/ProjectDocumentation/Presentation.pptx
@@ -134,6 +134,2427 @@
 </p:presentation>
 </file>
 
+<file path=ppt/diagrams/colors1.xml><?xml version="1.0" encoding="utf-8"?>
+<dgm:colorsDef xmlns:dgm="http://schemas.openxmlformats.org/drawingml/2006/diagram" xmlns:a="http://schemas.openxmlformats.org/drawingml/2006/main" uniqueId="urn:microsoft.com/office/officeart/2005/8/colors/accent3_2">
+  <dgm:title val=""/>
+  <dgm:desc val=""/>
+  <dgm:catLst>
+    <dgm:cat type="accent3" pri="11200"/>
+  </dgm:catLst>
+  <dgm:styleLbl name="node0">
+    <dgm:fillClrLst meth="repeat">
+      <a:schemeClr val="accent3"/>
+    </dgm:fillClrLst>
+    <dgm:linClrLst meth="repeat">
+      <a:schemeClr val="lt1"/>
+    </dgm:linClrLst>
+    <dgm:effectClrLst/>
+    <dgm:txLinClrLst/>
+    <dgm:txFillClrLst/>
+    <dgm:txEffectClrLst/>
+  </dgm:styleLbl>
+  <dgm:styleLbl name="node1">
+    <dgm:fillClrLst meth="repeat">
+      <a:schemeClr val="accent3"/>
+    </dgm:fillClrLst>
+    <dgm:linClrLst meth="repeat">
+      <a:schemeClr val="lt1"/>
+    </dgm:linClrLst>
+    <dgm:effectClrLst/>
+    <dgm:txLinClrLst/>
+    <dgm:txFillClrLst/>
+    <dgm:txEffectClrLst/>
+  </dgm:styleLbl>
+  <dgm:styleLbl name="alignNode1">
+    <dgm:fillClrLst meth="repeat">
+      <a:schemeClr val="accent3"/>
+    </dgm:fillClrLst>
+    <dgm:linClrLst meth="repeat">
+      <a:schemeClr val="accent3"/>
+    </dgm:linClrLst>
+    <dgm:effectClrLst/>
+    <dgm:txLinClrLst/>
+    <dgm:txFillClrLst/>
+    <dgm:txEffectClrLst/>
+  </dgm:styleLbl>
+  <dgm:styleLbl name="lnNode1">
+    <dgm:fillClrLst meth="repeat">
+      <a:schemeClr val="accent3"/>
+    </dgm:fillClrLst>
+    <dgm:linClrLst meth="repeat">
+      <a:schemeClr val="lt1"/>
+    </dgm:linClrLst>
+    <dgm:effectClrLst/>
+    <dgm:txLinClrLst/>
+    <dgm:txFillClrLst/>
+    <dgm:txEffectClrLst/>
+  </dgm:styleLbl>
+  <dgm:styleLbl name="vennNode1">
+    <dgm:fillClrLst meth="repeat">
+      <a:schemeClr val="accent3">
+        <a:alpha val="50000"/>
+      </a:schemeClr>
+    </dgm:fillClrLst>
+    <dgm:linClrLst meth="repeat">
+      <a:schemeClr val="lt1"/>
+    </dgm:linClrLst>
+    <dgm:effectClrLst/>
+    <dgm:txLinClrLst/>
+    <dgm:txFillClrLst/>
+    <dgm:txEffectClrLst/>
+  </dgm:styleLbl>
+  <dgm:styleLbl name="node2">
+    <dgm:fillClrLst meth="repeat">
+      <a:schemeClr val="accent3"/>
+    </dgm:fillClrLst>
+    <dgm:linClrLst meth="repeat">
+      <a:schemeClr val="lt1"/>
+    </dgm:linClrLst>
+    <dgm:effectClrLst/>
+    <dgm:txLinClrLst/>
+    <dgm:txFillClrLst/>
+    <dgm:txEffectClrLst/>
+  </dgm:styleLbl>
+  <dgm:styleLbl name="node3">
+    <dgm:fillClrLst meth="repeat">
+      <a:schemeClr val="accent3"/>
+    </dgm:fillClrLst>
+    <dgm:linClrLst meth="repeat">
+      <a:schemeClr val="lt1"/>
+    </dgm:linClrLst>
+    <dgm:effectClrLst/>
+    <dgm:txLinClrLst/>
+    <dgm:txFillClrLst/>
+    <dgm:txEffectClrLst/>
+  </dgm:styleLbl>
+  <dgm:styleLbl name="node4">
+    <dgm:fillClrLst meth="repeat">
+      <a:schemeClr val="accent3"/>
+    </dgm:fillClrLst>
+    <dgm:linClrLst meth="repeat">
+      <a:schemeClr val="lt1"/>
+    </dgm:linClrLst>
+    <dgm:effectClrLst/>
+    <dgm:txLinClrLst/>
+    <dgm:txFillClrLst/>
+    <dgm:txEffectClrLst/>
+  </dgm:styleLbl>
+  <dgm:styleLbl name="fgImgPlace1">
+    <dgm:fillClrLst meth="repeat">
+      <a:schemeClr val="accent3">
+        <a:tint val="50000"/>
+      </a:schemeClr>
+    </dgm:fillClrLst>
+    <dgm:linClrLst meth="repeat">
+      <a:schemeClr val="lt1"/>
+    </dgm:linClrLst>
+    <dgm:effectClrLst/>
+    <dgm:txLinClrLst/>
+    <dgm:txFillClrLst meth="repeat">
+      <a:schemeClr val="lt1"/>
+    </dgm:txFillClrLst>
+    <dgm:txEffectClrLst/>
+  </dgm:styleLbl>
+  <dgm:styleLbl name="alignImgPlace1">
+    <dgm:fillClrLst meth="repeat">
+      <a:schemeClr val="accent3">
+        <a:tint val="50000"/>
+      </a:schemeClr>
+    </dgm:fillClrLst>
+    <dgm:linClrLst meth="repeat">
+      <a:schemeClr val="lt1"/>
+    </dgm:linClrLst>
+    <dgm:effectClrLst/>
+    <dgm:txLinClrLst/>
+    <dgm:txFillClrLst meth="repeat">
+      <a:schemeClr val="lt1"/>
+    </dgm:txFillClrLst>
+    <dgm:txEffectClrLst/>
+  </dgm:styleLbl>
+  <dgm:styleLbl name="bgImgPlace1">
+    <dgm:fillClrLst meth="repeat">
+      <a:schemeClr val="accent3">
+        <a:tint val="50000"/>
+      </a:schemeClr>
+    </dgm:fillClrLst>
+    <dgm:linClrLst meth="repeat">
+      <a:schemeClr val="lt1"/>
+    </dgm:linClrLst>
+    <dgm:effectClrLst/>
+    <dgm:txLinClrLst/>
+    <dgm:txFillClrLst meth="repeat">
+      <a:schemeClr val="lt1"/>
+    </dgm:txFillClrLst>
+    <dgm:txEffectClrLst/>
+  </dgm:styleLbl>
+  <dgm:styleLbl name="sibTrans2D1">
+    <dgm:fillClrLst meth="repeat">
+      <a:schemeClr val="accent3">
+        <a:tint val="60000"/>
+      </a:schemeClr>
+    </dgm:fillClrLst>
+    <dgm:linClrLst meth="repeat">
+      <a:schemeClr val="accent3">
+        <a:tint val="60000"/>
+      </a:schemeClr>
+    </dgm:linClrLst>
+    <dgm:effectClrLst/>
+    <dgm:txLinClrLst/>
+    <dgm:txFillClrLst/>
+    <dgm:txEffectClrLst/>
+  </dgm:styleLbl>
+  <dgm:styleLbl name="fgSibTrans2D1">
+    <dgm:fillClrLst meth="repeat">
+      <a:schemeClr val="accent3">
+        <a:tint val="60000"/>
+      </a:schemeClr>
+    </dgm:fillClrLst>
+    <dgm:linClrLst meth="repeat">
+      <a:schemeClr val="accent3">
+        <a:tint val="60000"/>
+      </a:schemeClr>
+    </dgm:linClrLst>
+    <dgm:effectClrLst/>
+    <dgm:txLinClrLst/>
+    <dgm:txFillClrLst/>
+    <dgm:txEffectClrLst/>
+  </dgm:styleLbl>
+  <dgm:styleLbl name="bgSibTrans2D1">
+    <dgm:fillClrLst meth="repeat">
+      <a:schemeClr val="accent3">
+        <a:tint val="60000"/>
+      </a:schemeClr>
+    </dgm:fillClrLst>
+    <dgm:linClrLst meth="repeat">
+      <a:schemeClr val="accent3">
+        <a:tint val="60000"/>
+      </a:schemeClr>
+    </dgm:linClrLst>
+    <dgm:effectClrLst/>
+    <dgm:txLinClrLst/>
+    <dgm:txFillClrLst/>
+    <dgm:txEffectClrLst/>
+  </dgm:styleLbl>
+  <dgm:styleLbl name="sibTrans1D1">
+    <dgm:fillClrLst meth="repeat">
+      <a:schemeClr val="accent3"/>
+    </dgm:fillClrLst>
+    <dgm:linClrLst meth="repeat">
+      <a:schemeClr val="accent3"/>
+    </dgm:linClrLst>
+    <dgm:effectClrLst/>
+    <dgm:txLinClrLst/>
+    <dgm:txFillClrLst meth="repeat">
+      <a:schemeClr val="tx1"/>
+    </dgm:txFillClrLst>
+    <dgm:txEffectClrLst/>
+  </dgm:styleLbl>
+  <dgm:styleLbl name="callout">
+    <dgm:fillClrLst meth="repeat">
+      <a:schemeClr val="accent3"/>
+    </dgm:fillClrLst>
+    <dgm:linClrLst meth="repeat">
+      <a:schemeClr val="accent3">
+        <a:tint val="50000"/>
+      </a:schemeClr>
+    </dgm:linClrLst>
+    <dgm:effectClrLst/>
+    <dgm:txLinClrLst/>
+    <dgm:txFillClrLst meth="repeat">
+      <a:schemeClr val="tx1"/>
+    </dgm:txFillClrLst>
+    <dgm:txEffectClrLst/>
+  </dgm:styleLbl>
+  <dgm:styleLbl name="asst0">
+    <dgm:fillClrLst meth="repeat">
+      <a:schemeClr val="accent3"/>
+    </dgm:fillClrLst>
+    <dgm:linClrLst meth="repeat">
+      <a:schemeClr val="lt1"/>
+    </dgm:linClrLst>
+    <dgm:effectClrLst/>
+    <dgm:txLinClrLst/>
+    <dgm:txFillClrLst/>
+    <dgm:txEffectClrLst/>
+  </dgm:styleLbl>
+  <dgm:styleLbl name="asst1">
+    <dgm:fillClrLst meth="repeat">
+      <a:schemeClr val="accent3"/>
+    </dgm:fillClrLst>
+    <dgm:linClrLst meth="repeat">
+      <a:schemeClr val="lt1"/>
+    </dgm:linClrLst>
+    <dgm:effectClrLst/>
+    <dgm:txLinClrLst/>
+    <dgm:txFillClrLst/>
+    <dgm:txEffectClrLst/>
+  </dgm:styleLbl>
+  <dgm:styleLbl name="asst2">
+    <dgm:fillClrLst meth="repeat">
+      <a:schemeClr val="accent3"/>
+    </dgm:fillClrLst>
+    <dgm:linClrLst meth="repeat">
+      <a:schemeClr val="lt1"/>
+    </dgm:linClrLst>
+    <dgm:effectClrLst/>
+    <dgm:txLinClrLst/>
+    <dgm:txFillClrLst/>
+    <dgm:txEffectClrLst/>
+  </dgm:styleLbl>
+  <dgm:styleLbl name="asst3">
+    <dgm:fillClrLst meth="repeat">
+      <a:schemeClr val="accent3"/>
+    </dgm:fillClrLst>
+    <dgm:linClrLst meth="repeat">
+      <a:schemeClr val="lt1"/>
+    </dgm:linClrLst>
+    <dgm:effectClrLst/>
+    <dgm:txLinClrLst/>
+    <dgm:txFillClrLst/>
+    <dgm:txEffectClrLst/>
+  </dgm:styleLbl>
+  <dgm:styleLbl name="asst4">
+    <dgm:fillClrLst meth="repeat">
+      <a:schemeClr val="accent3"/>
+    </dgm:fillClrLst>
+    <dgm:linClrLst meth="repeat">
+      <a:schemeClr val="lt1"/>
+    </dgm:linClrLst>
+    <dgm:effectClrLst/>
+    <dgm:txLinClrLst/>
+    <dgm:txFillClrLst/>
+    <dgm:txEffectClrLst/>
+  </dgm:styleLbl>
+  <dgm:styleLbl name="parChTrans2D1">
+    <dgm:fillClrLst meth="repeat">
+      <a:schemeClr val="accent3">
+        <a:tint val="60000"/>
+      </a:schemeClr>
+    </dgm:fillClrLst>
+    <dgm:linClrLst meth="repeat">
+      <a:schemeClr val="accent3">
+        <a:tint val="60000"/>
+      </a:schemeClr>
+    </dgm:linClrLst>
+    <dgm:effectClrLst/>
+    <dgm:txLinClrLst/>
+    <dgm:txFillClrLst meth="repeat">
+      <a:schemeClr val="lt1"/>
+    </dgm:txFillClrLst>
+    <dgm:txEffectClrLst/>
+  </dgm:styleLbl>
+  <dgm:styleLbl name="parChTrans2D2">
+    <dgm:fillClrLst meth="repeat">
+      <a:schemeClr val="accent3"/>
+    </dgm:fillClrLst>
+    <dgm:linClrLst meth="repeat">
+      <a:schemeClr val="accent3"/>
+    </dgm:linClrLst>
+    <dgm:effectClrLst/>
+    <dgm:txLinClrLst/>
+    <dgm:txFillClrLst meth="repeat">
+      <a:schemeClr val="lt1"/>
+    </dgm:txFillClrLst>
+    <dgm:txEffectClrLst/>
+  </dgm:styleLbl>
+  <dgm:styleLbl name="parChTrans2D3">
+    <dgm:fillClrLst meth="repeat">
+      <a:schemeClr val="accent3"/>
+    </dgm:fillClrLst>
+    <dgm:linClrLst meth="repeat">
+      <a:schemeClr val="accent3"/>
+    </dgm:linClrLst>
+    <dgm:effectClrLst/>
+    <dgm:txLinClrLst/>
+    <dgm:txFillClrLst meth="repeat">
+      <a:schemeClr val="lt1"/>
+    </dgm:txFillClrLst>
+    <dgm:txEffectClrLst/>
+  </dgm:styleLbl>
+  <dgm:styleLbl name="parChTrans2D4">
+    <dgm:fillClrLst meth="repeat">
+      <a:schemeClr val="accent3"/>
+    </dgm:fillClrLst>
+    <dgm:linClrLst meth="repeat">
+      <a:schemeClr val="accent3"/>
+    </dgm:linClrLst>
+    <dgm:effectClrLst/>
+    <dgm:txLinClrLst/>
+    <dgm:txFillClrLst meth="repeat">
+      <a:schemeClr val="lt1"/>
+    </dgm:txFillClrLst>
+    <dgm:txEffectClrLst/>
+  </dgm:styleLbl>
+  <dgm:styleLbl name="parChTrans1D1">
+    <dgm:fillClrLst meth="repeat">
+      <a:schemeClr val="accent3"/>
+    </dgm:fillClrLst>
+    <dgm:linClrLst meth="repeat">
+      <a:schemeClr val="accent3">
+        <a:shade val="60000"/>
+      </a:schemeClr>
+    </dgm:linClrLst>
+    <dgm:effectClrLst/>
+    <dgm:txLinClrLst/>
+    <dgm:txFillClrLst meth="repeat">
+      <a:schemeClr val="tx1"/>
+    </dgm:txFillClrLst>
+    <dgm:txEffectClrLst/>
+  </dgm:styleLbl>
+  <dgm:styleLbl name="parChTrans1D2">
+    <dgm:fillClrLst meth="repeat">
+      <a:schemeClr val="accent3"/>
+    </dgm:fillClrLst>
+    <dgm:linClrLst meth="repeat">
+      <a:schemeClr val="accent3">
+        <a:shade val="60000"/>
+      </a:schemeClr>
+    </dgm:linClrLst>
+    <dgm:effectClrLst/>
+    <dgm:txLinClrLst/>
+    <dgm:txFillClrLst meth="repeat">
+      <a:schemeClr val="tx1"/>
+    </dgm:txFillClrLst>
+    <dgm:txEffectClrLst/>
+  </dgm:styleLbl>
+  <dgm:styleLbl name="parChTrans1D3">
+    <dgm:fillClrLst meth="repeat">
+      <a:schemeClr val="accent3"/>
+    </dgm:fillClrLst>
+    <dgm:linClrLst meth="repeat">
+      <a:schemeClr val="accent3">
+        <a:shade val="80000"/>
+      </a:schemeClr>
+    </dgm:linClrLst>
+    <dgm:effectClrLst/>
+    <dgm:txLinClrLst/>
+    <dgm:txFillClrLst meth="repeat">
+      <a:schemeClr val="tx1"/>
+    </dgm:txFillClrLst>
+    <dgm:txEffectClrLst/>
+  </dgm:styleLbl>
+  <dgm:styleLbl name="parChTrans1D4">
+    <dgm:fillClrLst meth="repeat">
+      <a:schemeClr val="accent3"/>
+    </dgm:fillClrLst>
+    <dgm:linClrLst meth="repeat">
+      <a:schemeClr val="accent3">
+        <a:shade val="80000"/>
+      </a:schemeClr>
+    </dgm:linClrLst>
+    <dgm:effectClrLst/>
+    <dgm:txLinClrLst/>
+    <dgm:txFillClrLst meth="repeat">
+      <a:schemeClr val="tx1"/>
+    </dgm:txFillClrLst>
+    <dgm:txEffectClrLst/>
+  </dgm:styleLbl>
+  <dgm:styleLbl name="fgAcc1">
+    <dgm:fillClrLst meth="repeat">
+      <a:schemeClr val="lt1">
+        <a:alpha val="90000"/>
+      </a:schemeClr>
+    </dgm:fillClrLst>
+    <dgm:linClrLst meth="repeat">
+      <a:schemeClr val="accent3"/>
+    </dgm:linClrLst>
+    <dgm:effectClrLst/>
+    <dgm:txLinClrLst/>
+    <dgm:txFillClrLst meth="repeat">
+      <a:schemeClr val="dk1"/>
+    </dgm:txFillClrLst>
+    <dgm:txEffectClrLst/>
+  </dgm:styleLbl>
+  <dgm:styleLbl name="conFgAcc1">
+    <dgm:fillClrLst meth="repeat">
+      <a:schemeClr val="lt1">
+        <a:alpha val="90000"/>
+      </a:schemeClr>
+    </dgm:fillClrLst>
+    <dgm:linClrLst meth="repeat">
+      <a:schemeClr val="accent3"/>
+    </dgm:linClrLst>
+    <dgm:effectClrLst/>
+    <dgm:txLinClrLst/>
+    <dgm:txFillClrLst meth="repeat">
+      <a:schemeClr val="dk1"/>
+    </dgm:txFillClrLst>
+    <dgm:txEffectClrLst/>
+  </dgm:styleLbl>
+  <dgm:styleLbl name="alignAcc1">
+    <dgm:fillClrLst meth="repeat">
+      <a:schemeClr val="lt1">
+        <a:alpha val="90000"/>
+      </a:schemeClr>
+    </dgm:fillClrLst>
+    <dgm:linClrLst meth="repeat">
+      <a:schemeClr val="accent3"/>
+    </dgm:linClrLst>
+    <dgm:effectClrLst/>
+    <dgm:txLinClrLst/>
+    <dgm:txFillClrLst meth="repeat">
+      <a:schemeClr val="dk1"/>
+    </dgm:txFillClrLst>
+    <dgm:txEffectClrLst/>
+  </dgm:styleLbl>
+  <dgm:styleLbl name="trAlignAcc1">
+    <dgm:fillClrLst meth="repeat">
+      <a:schemeClr val="lt1">
+        <a:alpha val="40000"/>
+      </a:schemeClr>
+    </dgm:fillClrLst>
+    <dgm:linClrLst meth="repeat">
+      <a:schemeClr val="accent3"/>
+    </dgm:linClrLst>
+    <dgm:effectClrLst/>
+    <dgm:txLinClrLst/>
+    <dgm:txFillClrLst meth="repeat">
+      <a:schemeClr val="dk1"/>
+    </dgm:txFillClrLst>
+    <dgm:txEffectClrLst/>
+  </dgm:styleLbl>
+  <dgm:styleLbl name="bgAcc1">
+    <dgm:fillClrLst meth="repeat">
+      <a:schemeClr val="lt1">
+        <a:alpha val="90000"/>
+      </a:schemeClr>
+    </dgm:fillClrLst>
+    <dgm:linClrLst meth="repeat">
+      <a:schemeClr val="accent3"/>
+    </dgm:linClrLst>
+    <dgm:effectClrLst/>
+    <dgm:txLinClrLst/>
+    <dgm:txFillClrLst meth="repeat">
+      <a:schemeClr val="dk1"/>
+    </dgm:txFillClrLst>
+    <dgm:txEffectClrLst/>
+  </dgm:styleLbl>
+  <dgm:styleLbl name="solidFgAcc1">
+    <dgm:fillClrLst meth="repeat">
+      <a:schemeClr val="lt1"/>
+    </dgm:fillClrLst>
+    <dgm:linClrLst meth="repeat">
+      <a:schemeClr val="accent3"/>
+    </dgm:linClrLst>
+    <dgm:effectClrLst/>
+    <dgm:txLinClrLst/>
+    <dgm:txFillClrLst meth="repeat">
+      <a:schemeClr val="dk1"/>
+    </dgm:txFillClrLst>
+    <dgm:txEffectClrLst/>
+  </dgm:styleLbl>
+  <dgm:styleLbl name="solidAlignAcc1">
+    <dgm:fillClrLst meth="repeat">
+      <a:schemeClr val="lt1"/>
+    </dgm:fillClrLst>
+    <dgm:linClrLst meth="repeat">
+      <a:schemeClr val="accent3"/>
+    </dgm:linClrLst>
+    <dgm:effectClrLst/>
+    <dgm:txLinClrLst/>
+    <dgm:txFillClrLst meth="repeat">
+      <a:schemeClr val="dk1"/>
+    </dgm:txFillClrLst>
+    <dgm:txEffectClrLst/>
+  </dgm:styleLbl>
+  <dgm:styleLbl name="solidBgAcc1">
+    <dgm:fillClrLst meth="repeat">
+      <a:schemeClr val="lt1"/>
+    </dgm:fillClrLst>
+    <dgm:linClrLst meth="repeat">
+      <a:schemeClr val="accent3"/>
+    </dgm:linClrLst>
+    <dgm:effectClrLst/>
+    <dgm:txLinClrLst/>
+    <dgm:txFillClrLst meth="repeat">
+      <a:schemeClr val="dk1"/>
+    </dgm:txFillClrLst>
+    <dgm:txEffectClrLst/>
+  </dgm:styleLbl>
+  <dgm:styleLbl name="fgAccFollowNode1">
+    <dgm:fillClrLst meth="repeat">
+      <a:schemeClr val="accent3">
+        <a:alpha val="90000"/>
+        <a:tint val="40000"/>
+      </a:schemeClr>
+    </dgm:fillClrLst>
+    <dgm:linClrLst meth="repeat">
+      <a:schemeClr val="accent3">
+        <a:alpha val="90000"/>
+        <a:tint val="40000"/>
+      </a:schemeClr>
+    </dgm:linClrLst>
+    <dgm:effectClrLst/>
+    <dgm:txLinClrLst/>
+    <dgm:txFillClrLst meth="repeat">
+      <a:schemeClr val="dk1"/>
+    </dgm:txFillClrLst>
+    <dgm:txEffectClrLst/>
+  </dgm:styleLbl>
+  <dgm:styleLbl name="alignAccFollowNode1">
+    <dgm:fillClrLst meth="repeat">
+      <a:schemeClr val="accent3">
+        <a:alpha val="90000"/>
+        <a:tint val="40000"/>
+      </a:schemeClr>
+    </dgm:fillClrLst>
+    <dgm:linClrLst meth="repeat">
+      <a:schemeClr val="accent3">
+        <a:alpha val="90000"/>
+        <a:tint val="40000"/>
+      </a:schemeClr>
+    </dgm:linClrLst>
+    <dgm:effectClrLst/>
+    <dgm:txLinClrLst/>
+    <dgm:txFillClrLst meth="repeat">
+      <a:schemeClr val="dk1"/>
+    </dgm:txFillClrLst>
+    <dgm:txEffectClrLst/>
+  </dgm:styleLbl>
+  <dgm:styleLbl name="bgAccFollowNode1">
+    <dgm:fillClrLst meth="repeat">
+      <a:schemeClr val="accent3">
+        <a:alpha val="90000"/>
+        <a:tint val="40000"/>
+      </a:schemeClr>
+    </dgm:fillClrLst>
+    <dgm:linClrLst meth="repeat">
+      <a:schemeClr val="accent3">
+        <a:alpha val="90000"/>
+        <a:tint val="40000"/>
+      </a:schemeClr>
+    </dgm:linClrLst>
+    <dgm:effectClrLst/>
+    <dgm:txLinClrLst/>
+    <dgm:txFillClrLst meth="repeat">
+      <a:schemeClr val="dk1"/>
+    </dgm:txFillClrLst>
+    <dgm:txEffectClrLst/>
+  </dgm:styleLbl>
+  <dgm:styleLbl name="fgAcc0">
+    <dgm:fillClrLst meth="repeat">
+      <a:schemeClr val="lt1">
+        <a:alpha val="90000"/>
+      </a:schemeClr>
+    </dgm:fillClrLst>
+    <dgm:linClrLst meth="repeat">
+      <a:schemeClr val="accent3"/>
+    </dgm:linClrLst>
+    <dgm:effectClrLst/>
+    <dgm:txLinClrLst/>
+    <dgm:txFillClrLst meth="repeat">
+      <a:schemeClr val="dk1"/>
+    </dgm:txFillClrLst>
+    <dgm:txEffectClrLst/>
+  </dgm:styleLbl>
+  <dgm:styleLbl name="fgAcc2">
+    <dgm:fillClrLst meth="repeat">
+      <a:schemeClr val="lt1">
+        <a:alpha val="90000"/>
+      </a:schemeClr>
+    </dgm:fillClrLst>
+    <dgm:linClrLst meth="repeat">
+      <a:schemeClr val="accent3"/>
+    </dgm:linClrLst>
+    <dgm:effectClrLst/>
+    <dgm:txLinClrLst/>
+    <dgm:txFillClrLst meth="repeat">
+      <a:schemeClr val="dk1"/>
+    </dgm:txFillClrLst>
+    <dgm:txEffectClrLst/>
+  </dgm:styleLbl>
+  <dgm:styleLbl name="fgAcc3">
+    <dgm:fillClrLst meth="repeat">
+      <a:schemeClr val="lt1">
+        <a:alpha val="90000"/>
+      </a:schemeClr>
+    </dgm:fillClrLst>
+    <dgm:linClrLst meth="repeat">
+      <a:schemeClr val="accent3"/>
+    </dgm:linClrLst>
+    <dgm:effectClrLst/>
+    <dgm:txLinClrLst/>
+    <dgm:txFillClrLst meth="repeat">
+      <a:schemeClr val="dk1"/>
+    </dgm:txFillClrLst>
+    <dgm:txEffectClrLst/>
+  </dgm:styleLbl>
+  <dgm:styleLbl name="fgAcc4">
+    <dgm:fillClrLst meth="repeat">
+      <a:schemeClr val="lt1">
+        <a:alpha val="90000"/>
+      </a:schemeClr>
+    </dgm:fillClrLst>
+    <dgm:linClrLst meth="repeat">
+      <a:schemeClr val="accent3"/>
+    </dgm:linClrLst>
+    <dgm:effectClrLst/>
+    <dgm:txLinClrLst/>
+    <dgm:txFillClrLst meth="repeat">
+      <a:schemeClr val="dk1"/>
+    </dgm:txFillClrLst>
+    <dgm:txEffectClrLst/>
+  </dgm:styleLbl>
+  <dgm:styleLbl name="bgShp">
+    <dgm:fillClrLst meth="repeat">
+      <a:schemeClr val="accent3">
+        <a:tint val="40000"/>
+      </a:schemeClr>
+    </dgm:fillClrLst>
+    <dgm:linClrLst meth="repeat">
+      <a:schemeClr val="accent3"/>
+    </dgm:linClrLst>
+    <dgm:effectClrLst/>
+    <dgm:txLinClrLst/>
+    <dgm:txFillClrLst meth="repeat">
+      <a:schemeClr val="dk1"/>
+    </dgm:txFillClrLst>
+    <dgm:txEffectClrLst/>
+  </dgm:styleLbl>
+  <dgm:styleLbl name="dkBgShp">
+    <dgm:fillClrLst meth="repeat">
+      <a:schemeClr val="accent3">
+        <a:shade val="80000"/>
+      </a:schemeClr>
+    </dgm:fillClrLst>
+    <dgm:linClrLst meth="repeat">
+      <a:schemeClr val="accent3"/>
+    </dgm:linClrLst>
+    <dgm:effectClrLst/>
+    <dgm:txLinClrLst/>
+    <dgm:txFillClrLst meth="repeat">
+      <a:schemeClr val="lt1"/>
+    </dgm:txFillClrLst>
+    <dgm:txEffectClrLst/>
+  </dgm:styleLbl>
+  <dgm:styleLbl name="trBgShp">
+    <dgm:fillClrLst meth="repeat">
+      <a:schemeClr val="accent3">
+        <a:tint val="50000"/>
+        <a:alpha val="40000"/>
+      </a:schemeClr>
+    </dgm:fillClrLst>
+    <dgm:linClrLst meth="repeat">
+      <a:schemeClr val="accent3"/>
+    </dgm:linClrLst>
+    <dgm:effectClrLst/>
+    <dgm:txLinClrLst/>
+    <dgm:txFillClrLst meth="repeat">
+      <a:schemeClr val="lt1"/>
+    </dgm:txFillClrLst>
+    <dgm:txEffectClrLst/>
+  </dgm:styleLbl>
+  <dgm:styleLbl name="fgShp">
+    <dgm:fillClrLst meth="repeat">
+      <a:schemeClr val="accent3">
+        <a:tint val="60000"/>
+      </a:schemeClr>
+    </dgm:fillClrLst>
+    <dgm:linClrLst meth="repeat">
+      <a:schemeClr val="lt1"/>
+    </dgm:linClrLst>
+    <dgm:effectClrLst/>
+    <dgm:txLinClrLst/>
+    <dgm:txFillClrLst meth="repeat">
+      <a:schemeClr val="dk1"/>
+    </dgm:txFillClrLst>
+    <dgm:txEffectClrLst/>
+  </dgm:styleLbl>
+  <dgm:styleLbl name="revTx">
+    <dgm:fillClrLst meth="repeat">
+      <a:schemeClr val="lt1">
+        <a:alpha val="0"/>
+      </a:schemeClr>
+    </dgm:fillClrLst>
+    <dgm:linClrLst meth="repeat">
+      <a:schemeClr val="dk1">
+        <a:alpha val="0"/>
+      </a:schemeClr>
+    </dgm:linClrLst>
+    <dgm:effectClrLst/>
+    <dgm:txLinClrLst/>
+    <dgm:txFillClrLst meth="repeat">
+      <a:schemeClr val="tx1"/>
+    </dgm:txFillClrLst>
+    <dgm:txEffectClrLst/>
+  </dgm:styleLbl>
+</dgm:colorsDef>
+</file>
+
+<file path=ppt/diagrams/data1.xml><?xml version="1.0" encoding="utf-8"?>
+<dgm:dataModel xmlns:dgm="http://schemas.openxmlformats.org/drawingml/2006/diagram" xmlns:a="http://schemas.openxmlformats.org/drawingml/2006/main">
+  <dgm:ptLst>
+    <dgm:pt modelId="{090A576A-392F-487C-9C1A-A59BC75B975E}" type="doc">
+      <dgm:prSet loTypeId="urn:microsoft.com/office/officeart/2018/2/layout/IconLabelList" loCatId="icon" qsTypeId="urn:microsoft.com/office/officeart/2005/8/quickstyle/simple1" qsCatId="simple" csTypeId="urn:microsoft.com/office/officeart/2005/8/colors/accent3_2" csCatId="accent3" phldr="1"/>
+      <dgm:spPr/>
+      <dgm:t>
+        <a:bodyPr/>
+        <a:lstStyle/>
+        <a:p>
+          <a:endParaRPr lang="en-US"/>
+        </a:p>
+      </dgm:t>
+    </dgm:pt>
+    <dgm:pt modelId="{FCD8C0AF-CEB2-4E59-9C6D-132C94F46E33}">
+      <dgm:prSet/>
+      <dgm:spPr/>
+      <dgm:t>
+        <a:bodyPr/>
+        <a:lstStyle/>
+        <a:p>
+          <a:r>
+            <a:rPr lang="de-CH" dirty="0"/>
+            <a:t>Projekt Vorstellung</a:t>
+          </a:r>
+          <a:endParaRPr lang="en-US" dirty="0"/>
+        </a:p>
+      </dgm:t>
+    </dgm:pt>
+    <dgm:pt modelId="{3C4B718F-F4CC-4E92-AA47-C0A21744FA8C}" type="parTrans" cxnId="{FEAB18EA-BB22-4EEF-AC5F-825EE26D60CB}">
+      <dgm:prSet/>
+      <dgm:spPr/>
+      <dgm:t>
+        <a:bodyPr/>
+        <a:lstStyle/>
+        <a:p>
+          <a:endParaRPr lang="en-US"/>
+        </a:p>
+      </dgm:t>
+    </dgm:pt>
+    <dgm:pt modelId="{AD62A5D5-7793-415C-B8EB-2B433CC0A38D}" type="sibTrans" cxnId="{FEAB18EA-BB22-4EEF-AC5F-825EE26D60CB}">
+      <dgm:prSet/>
+      <dgm:spPr/>
+      <dgm:t>
+        <a:bodyPr/>
+        <a:lstStyle/>
+        <a:p>
+          <a:endParaRPr lang="en-US"/>
+        </a:p>
+      </dgm:t>
+    </dgm:pt>
+    <dgm:pt modelId="{0E75F622-1EFC-4342-878C-8E3F36151905}">
+      <dgm:prSet/>
+      <dgm:spPr/>
+      <dgm:t>
+        <a:bodyPr/>
+        <a:lstStyle/>
+        <a:p>
+          <a:r>
+            <a:rPr lang="de-CH" dirty="0"/>
+            <a:t>Ziele</a:t>
+          </a:r>
+          <a:endParaRPr lang="en-US" dirty="0"/>
+        </a:p>
+      </dgm:t>
+    </dgm:pt>
+    <dgm:pt modelId="{D040D514-9DCC-446F-B405-0FAC16FECB22}" type="parTrans" cxnId="{679D45AA-4374-4542-80B6-3D66644CCE7C}">
+      <dgm:prSet/>
+      <dgm:spPr/>
+      <dgm:t>
+        <a:bodyPr/>
+        <a:lstStyle/>
+        <a:p>
+          <a:endParaRPr lang="en-US"/>
+        </a:p>
+      </dgm:t>
+    </dgm:pt>
+    <dgm:pt modelId="{1C87E2D8-460E-404B-B512-B6489392B37D}" type="sibTrans" cxnId="{679D45AA-4374-4542-80B6-3D66644CCE7C}">
+      <dgm:prSet/>
+      <dgm:spPr/>
+      <dgm:t>
+        <a:bodyPr/>
+        <a:lstStyle/>
+        <a:p>
+          <a:endParaRPr lang="en-US"/>
+        </a:p>
+      </dgm:t>
+    </dgm:pt>
+    <dgm:pt modelId="{A9AEA918-4480-42D2-B310-4BE1D652051F}" type="pres">
+      <dgm:prSet presAssocID="{090A576A-392F-487C-9C1A-A59BC75B975E}" presName="root" presStyleCnt="0">
+        <dgm:presLayoutVars>
+          <dgm:dir/>
+          <dgm:resizeHandles val="exact"/>
+        </dgm:presLayoutVars>
+      </dgm:prSet>
+      <dgm:spPr/>
+    </dgm:pt>
+    <dgm:pt modelId="{3D161CBD-C7F3-4C3D-AD0A-970C8CCE6655}" type="pres">
+      <dgm:prSet presAssocID="{FCD8C0AF-CEB2-4E59-9C6D-132C94F46E33}" presName="compNode" presStyleCnt="0"/>
+      <dgm:spPr/>
+    </dgm:pt>
+    <dgm:pt modelId="{09473B87-43A3-432F-9FB0-50773744368A}" type="pres">
+      <dgm:prSet presAssocID="{FCD8C0AF-CEB2-4E59-9C6D-132C94F46E33}" presName="iconRect" presStyleLbl="node1" presStyleIdx="0" presStyleCnt="2"/>
+      <dgm:spPr>
+        <a:blipFill>
+          <a:blip xmlns:r="http://schemas.openxmlformats.org/officeDocument/2006/relationships" r:embed="rId1">
+            <a:extLst>
+              <a:ext uri="{28A0092B-C50C-407E-A947-70E740481C1C}">
+                <a14:useLocalDpi xmlns:a14="http://schemas.microsoft.com/office/drawing/2010/main" val="0"/>
+              </a:ext>
+              <a:ext uri="{96DAC541-7B7A-43D3-8B79-37D633B846F1}">
+                <asvg:svgBlip xmlns:asvg="http://schemas.microsoft.com/office/drawing/2016/SVG/main" r:embed="rId2"/>
+              </a:ext>
+            </a:extLst>
+          </a:blip>
+          <a:stretch>
+            <a:fillRect/>
+          </a:stretch>
+        </a:blipFill>
+        <a:ln>
+          <a:noFill/>
+        </a:ln>
+      </dgm:spPr>
+      <dgm:extLst>
+        <a:ext uri="{E40237B7-FDA0-4F09-8148-C483321AD2D9}">
+          <dgm14:cNvPr xmlns:dgm14="http://schemas.microsoft.com/office/drawing/2010/diagram" id="0" name="" descr="Glühlampe"/>
+        </a:ext>
+      </dgm:extLst>
+    </dgm:pt>
+    <dgm:pt modelId="{51291881-52AD-43CE-8672-13FD71F23B86}" type="pres">
+      <dgm:prSet presAssocID="{FCD8C0AF-CEB2-4E59-9C6D-132C94F46E33}" presName="spaceRect" presStyleCnt="0"/>
+      <dgm:spPr/>
+    </dgm:pt>
+    <dgm:pt modelId="{7D46937C-9B04-46BE-B38A-E0556A0D8342}" type="pres">
+      <dgm:prSet presAssocID="{FCD8C0AF-CEB2-4E59-9C6D-132C94F46E33}" presName="textRect" presStyleLbl="revTx" presStyleIdx="0" presStyleCnt="2">
+        <dgm:presLayoutVars>
+          <dgm:chMax val="1"/>
+          <dgm:chPref val="1"/>
+        </dgm:presLayoutVars>
+      </dgm:prSet>
+      <dgm:spPr/>
+    </dgm:pt>
+    <dgm:pt modelId="{B4B7D3D2-6188-4A77-867B-3F36597CAEAC}" type="pres">
+      <dgm:prSet presAssocID="{AD62A5D5-7793-415C-B8EB-2B433CC0A38D}" presName="sibTrans" presStyleCnt="0"/>
+      <dgm:spPr/>
+    </dgm:pt>
+    <dgm:pt modelId="{9CC2F0EA-42AE-41A0-AB30-ECD1CEFBF584}" type="pres">
+      <dgm:prSet presAssocID="{0E75F622-1EFC-4342-878C-8E3F36151905}" presName="compNode" presStyleCnt="0"/>
+      <dgm:spPr/>
+    </dgm:pt>
+    <dgm:pt modelId="{16E9B52B-5C33-4924-9C38-B57AF16B636F}" type="pres">
+      <dgm:prSet presAssocID="{0E75F622-1EFC-4342-878C-8E3F36151905}" presName="iconRect" presStyleLbl="node1" presStyleIdx="1" presStyleCnt="2"/>
+      <dgm:spPr>
+        <a:blipFill>
+          <a:blip xmlns:r="http://schemas.openxmlformats.org/officeDocument/2006/relationships" r:embed="rId3">
+            <a:extLst>
+              <a:ext uri="{28A0092B-C50C-407E-A947-70E740481C1C}">
+                <a14:useLocalDpi xmlns:a14="http://schemas.microsoft.com/office/drawing/2010/main" val="0"/>
+              </a:ext>
+              <a:ext uri="{96DAC541-7B7A-43D3-8B79-37D633B846F1}">
+                <asvg:svgBlip xmlns:asvg="http://schemas.microsoft.com/office/drawing/2016/SVG/main" r:embed="rId4"/>
+              </a:ext>
+            </a:extLst>
+          </a:blip>
+          <a:stretch>
+            <a:fillRect/>
+          </a:stretch>
+        </a:blipFill>
+        <a:ln>
+          <a:noFill/>
+        </a:ln>
+      </dgm:spPr>
+      <dgm:extLst>
+        <a:ext uri="{E40237B7-FDA0-4F09-8148-C483321AD2D9}">
+          <dgm14:cNvPr xmlns:dgm14="http://schemas.microsoft.com/office/drawing/2010/diagram" id="0" name="" descr="Volltreffer"/>
+        </a:ext>
+      </dgm:extLst>
+    </dgm:pt>
+    <dgm:pt modelId="{2CC510BB-7FE2-4594-9CAC-BDDAED6CB0BC}" type="pres">
+      <dgm:prSet presAssocID="{0E75F622-1EFC-4342-878C-8E3F36151905}" presName="spaceRect" presStyleCnt="0"/>
+      <dgm:spPr/>
+    </dgm:pt>
+    <dgm:pt modelId="{73C52D27-5924-44F4-B67D-26A42F748EDB}" type="pres">
+      <dgm:prSet presAssocID="{0E75F622-1EFC-4342-878C-8E3F36151905}" presName="textRect" presStyleLbl="revTx" presStyleIdx="1" presStyleCnt="2">
+        <dgm:presLayoutVars>
+          <dgm:chMax val="1"/>
+          <dgm:chPref val="1"/>
+        </dgm:presLayoutVars>
+      </dgm:prSet>
+      <dgm:spPr/>
+    </dgm:pt>
+  </dgm:ptLst>
+  <dgm:cxnLst>
+    <dgm:cxn modelId="{58F18815-9C51-46A6-90FC-B1D33B02F354}" type="presOf" srcId="{FCD8C0AF-CEB2-4E59-9C6D-132C94F46E33}" destId="{7D46937C-9B04-46BE-B38A-E0556A0D8342}" srcOrd="0" destOrd="0" presId="urn:microsoft.com/office/officeart/2018/2/layout/IconLabelList"/>
+    <dgm:cxn modelId="{01AFA535-68CD-4D0E-A13D-C92828619D25}" type="presOf" srcId="{0E75F622-1EFC-4342-878C-8E3F36151905}" destId="{73C52D27-5924-44F4-B67D-26A42F748EDB}" srcOrd="0" destOrd="0" presId="urn:microsoft.com/office/officeart/2018/2/layout/IconLabelList"/>
+    <dgm:cxn modelId="{69757E53-B681-4436-B94D-41F1F6779D6B}" type="presOf" srcId="{090A576A-392F-487C-9C1A-A59BC75B975E}" destId="{A9AEA918-4480-42D2-B310-4BE1D652051F}" srcOrd="0" destOrd="0" presId="urn:microsoft.com/office/officeart/2018/2/layout/IconLabelList"/>
+    <dgm:cxn modelId="{679D45AA-4374-4542-80B6-3D66644CCE7C}" srcId="{090A576A-392F-487C-9C1A-A59BC75B975E}" destId="{0E75F622-1EFC-4342-878C-8E3F36151905}" srcOrd="1" destOrd="0" parTransId="{D040D514-9DCC-446F-B405-0FAC16FECB22}" sibTransId="{1C87E2D8-460E-404B-B512-B6489392B37D}"/>
+    <dgm:cxn modelId="{FEAB18EA-BB22-4EEF-AC5F-825EE26D60CB}" srcId="{090A576A-392F-487C-9C1A-A59BC75B975E}" destId="{FCD8C0AF-CEB2-4E59-9C6D-132C94F46E33}" srcOrd="0" destOrd="0" parTransId="{3C4B718F-F4CC-4E92-AA47-C0A21744FA8C}" sibTransId="{AD62A5D5-7793-415C-B8EB-2B433CC0A38D}"/>
+    <dgm:cxn modelId="{0FE9CFE1-56E0-4C93-AC3E-3B77B1EB190E}" type="presParOf" srcId="{A9AEA918-4480-42D2-B310-4BE1D652051F}" destId="{3D161CBD-C7F3-4C3D-AD0A-970C8CCE6655}" srcOrd="0" destOrd="0" presId="urn:microsoft.com/office/officeart/2018/2/layout/IconLabelList"/>
+    <dgm:cxn modelId="{B04C3A21-89FD-4838-BE5F-475782C133FF}" type="presParOf" srcId="{3D161CBD-C7F3-4C3D-AD0A-970C8CCE6655}" destId="{09473B87-43A3-432F-9FB0-50773744368A}" srcOrd="0" destOrd="0" presId="urn:microsoft.com/office/officeart/2018/2/layout/IconLabelList"/>
+    <dgm:cxn modelId="{73798FE6-0C9B-4A25-8C4F-9838A3B5F631}" type="presParOf" srcId="{3D161CBD-C7F3-4C3D-AD0A-970C8CCE6655}" destId="{51291881-52AD-43CE-8672-13FD71F23B86}" srcOrd="1" destOrd="0" presId="urn:microsoft.com/office/officeart/2018/2/layout/IconLabelList"/>
+    <dgm:cxn modelId="{8E9C8EC1-72F4-453A-ABC2-6D6EE5310069}" type="presParOf" srcId="{3D161CBD-C7F3-4C3D-AD0A-970C8CCE6655}" destId="{7D46937C-9B04-46BE-B38A-E0556A0D8342}" srcOrd="2" destOrd="0" presId="urn:microsoft.com/office/officeart/2018/2/layout/IconLabelList"/>
+    <dgm:cxn modelId="{FAB62320-603C-4BB5-B9B2-F253B86FE6DB}" type="presParOf" srcId="{A9AEA918-4480-42D2-B310-4BE1D652051F}" destId="{B4B7D3D2-6188-4A77-867B-3F36597CAEAC}" srcOrd="1" destOrd="0" presId="urn:microsoft.com/office/officeart/2018/2/layout/IconLabelList"/>
+    <dgm:cxn modelId="{D8513BAB-9578-4E1A-9377-A072AEDB70DD}" type="presParOf" srcId="{A9AEA918-4480-42D2-B310-4BE1D652051F}" destId="{9CC2F0EA-42AE-41A0-AB30-ECD1CEFBF584}" srcOrd="2" destOrd="0" presId="urn:microsoft.com/office/officeart/2018/2/layout/IconLabelList"/>
+    <dgm:cxn modelId="{3CAF2602-06BC-47EB-812B-537CB9F0D10E}" type="presParOf" srcId="{9CC2F0EA-42AE-41A0-AB30-ECD1CEFBF584}" destId="{16E9B52B-5C33-4924-9C38-B57AF16B636F}" srcOrd="0" destOrd="0" presId="urn:microsoft.com/office/officeart/2018/2/layout/IconLabelList"/>
+    <dgm:cxn modelId="{FB38CE3A-9AB2-40D8-824A-8F807A15F0CD}" type="presParOf" srcId="{9CC2F0EA-42AE-41A0-AB30-ECD1CEFBF584}" destId="{2CC510BB-7FE2-4594-9CAC-BDDAED6CB0BC}" srcOrd="1" destOrd="0" presId="urn:microsoft.com/office/officeart/2018/2/layout/IconLabelList"/>
+    <dgm:cxn modelId="{45F90EA5-4D07-4DDC-8284-ABAD275C8CEF}" type="presParOf" srcId="{9CC2F0EA-42AE-41A0-AB30-ECD1CEFBF584}" destId="{73C52D27-5924-44F4-B67D-26A42F748EDB}" srcOrd="2" destOrd="0" presId="urn:microsoft.com/office/officeart/2018/2/layout/IconLabelList"/>
+  </dgm:cxnLst>
+  <dgm:bg/>
+  <dgm:whole/>
+  <dgm:extLst>
+    <a:ext uri="http://schemas.microsoft.com/office/drawing/2008/diagram">
+      <dsp:dataModelExt xmlns:dsp="http://schemas.microsoft.com/office/drawing/2008/diagram" relId="rId6" minVer="http://schemas.openxmlformats.org/drawingml/2006/diagram"/>
+    </a:ext>
+  </dgm:extLst>
+</dgm:dataModel>
+</file>
+
+<file path=ppt/diagrams/drawing1.xml><?xml version="1.0" encoding="utf-8"?>
+<dsp:drawing xmlns:dgm="http://schemas.openxmlformats.org/drawingml/2006/diagram" xmlns:dsp="http://schemas.microsoft.com/office/drawing/2008/diagram" xmlns:a="http://schemas.openxmlformats.org/drawingml/2006/main">
+  <dsp:spTree>
+    <dsp:nvGrpSpPr>
+      <dsp:cNvPr id="0" name=""/>
+      <dsp:cNvGrpSpPr/>
+    </dsp:nvGrpSpPr>
+    <dsp:grpSpPr/>
+    <dsp:sp modelId="{09473B87-43A3-432F-9FB0-50773744368A}">
+      <dsp:nvSpPr>
+        <dsp:cNvPr id="0" name=""/>
+        <dsp:cNvSpPr/>
+      </dsp:nvSpPr>
+      <dsp:spPr>
+        <a:xfrm>
+          <a:off x="1052690" y="841797"/>
+          <a:ext cx="1695937" cy="1695937"/>
+        </a:xfrm>
+        <a:prstGeom prst="rect">
+          <a:avLst/>
+        </a:prstGeom>
+        <a:blipFill>
+          <a:blip xmlns:r="http://schemas.openxmlformats.org/officeDocument/2006/relationships" r:embed="rId1">
+            <a:extLst>
+              <a:ext uri="{28A0092B-C50C-407E-A947-70E740481C1C}">
+                <a14:useLocalDpi xmlns:a14="http://schemas.microsoft.com/office/drawing/2010/main" val="0"/>
+              </a:ext>
+              <a:ext uri="{96DAC541-7B7A-43D3-8B79-37D633B846F1}">
+                <asvg:svgBlip xmlns:asvg="http://schemas.microsoft.com/office/drawing/2016/SVG/main" r:embed="rId2"/>
+              </a:ext>
+            </a:extLst>
+          </a:blip>
+          <a:stretch>
+            <a:fillRect/>
+          </a:stretch>
+        </a:blipFill>
+        <a:ln w="25400" cap="rnd" cmpd="sng" algn="ctr">
+          <a:noFill/>
+          <a:prstDash val="solid"/>
+        </a:ln>
+        <a:effectLst/>
+      </dsp:spPr>
+      <dsp:style>
+        <a:lnRef idx="2">
+          <a:scrgbClr r="0" g="0" b="0"/>
+        </a:lnRef>
+        <a:fillRef idx="1">
+          <a:scrgbClr r="0" g="0" b="0"/>
+        </a:fillRef>
+        <a:effectRef idx="0">
+          <a:scrgbClr r="0" g="0" b="0"/>
+        </a:effectRef>
+        <a:fontRef idx="minor">
+          <a:schemeClr val="lt1"/>
+        </a:fontRef>
+      </dsp:style>
+    </dsp:sp>
+    <dsp:sp modelId="{7D46937C-9B04-46BE-B38A-E0556A0D8342}">
+      <dsp:nvSpPr>
+        <dsp:cNvPr id="0" name=""/>
+        <dsp:cNvSpPr/>
+      </dsp:nvSpPr>
+      <dsp:spPr>
+        <a:xfrm>
+          <a:off x="16284" y="2964165"/>
+          <a:ext cx="3768750" cy="720000"/>
+        </a:xfrm>
+        <a:prstGeom prst="rect">
+          <a:avLst/>
+        </a:prstGeom>
+        <a:noFill/>
+        <a:ln>
+          <a:noFill/>
+        </a:ln>
+        <a:effectLst/>
+      </dsp:spPr>
+      <dsp:style>
+        <a:lnRef idx="0">
+          <a:scrgbClr r="0" g="0" b="0"/>
+        </a:lnRef>
+        <a:fillRef idx="0">
+          <a:scrgbClr r="0" g="0" b="0"/>
+        </a:fillRef>
+        <a:effectRef idx="0">
+          <a:scrgbClr r="0" g="0" b="0"/>
+        </a:effectRef>
+        <a:fontRef idx="minor"/>
+      </dsp:style>
+      <dsp:txBody>
+        <a:bodyPr spcFirstLastPara="0" vert="horz" wrap="square" lIns="0" tIns="0" rIns="0" bIns="0" numCol="1" spcCol="1270" anchor="t" anchorCtr="0">
+          <a:noAutofit/>
+        </a:bodyPr>
+        <a:lstStyle/>
+        <a:p>
+          <a:pPr marL="0" lvl="0" indent="0" algn="ctr" defTabSz="1689100">
+            <a:lnSpc>
+              <a:spcPct val="90000"/>
+            </a:lnSpc>
+            <a:spcBef>
+              <a:spcPct val="0"/>
+            </a:spcBef>
+            <a:spcAft>
+              <a:spcPct val="35000"/>
+            </a:spcAft>
+            <a:buNone/>
+          </a:pPr>
+          <a:r>
+            <a:rPr lang="de-CH" sz="3800" kern="1200" dirty="0"/>
+            <a:t>Projekt Vorstellung</a:t>
+          </a:r>
+          <a:endParaRPr lang="en-US" sz="3800" kern="1200" dirty="0"/>
+        </a:p>
+      </dsp:txBody>
+      <dsp:txXfrm>
+        <a:off x="16284" y="2964165"/>
+        <a:ext cx="3768750" cy="720000"/>
+      </dsp:txXfrm>
+    </dsp:sp>
+    <dsp:sp modelId="{16E9B52B-5C33-4924-9C38-B57AF16B636F}">
+      <dsp:nvSpPr>
+        <dsp:cNvPr id="0" name=""/>
+        <dsp:cNvSpPr/>
+      </dsp:nvSpPr>
+      <dsp:spPr>
+        <a:xfrm>
+          <a:off x="5480971" y="841797"/>
+          <a:ext cx="1695937" cy="1695937"/>
+        </a:xfrm>
+        <a:prstGeom prst="rect">
+          <a:avLst/>
+        </a:prstGeom>
+        <a:blipFill>
+          <a:blip xmlns:r="http://schemas.openxmlformats.org/officeDocument/2006/relationships" r:embed="rId3">
+            <a:extLst>
+              <a:ext uri="{28A0092B-C50C-407E-A947-70E740481C1C}">
+                <a14:useLocalDpi xmlns:a14="http://schemas.microsoft.com/office/drawing/2010/main" val="0"/>
+              </a:ext>
+              <a:ext uri="{96DAC541-7B7A-43D3-8B79-37D633B846F1}">
+                <asvg:svgBlip xmlns:asvg="http://schemas.microsoft.com/office/drawing/2016/SVG/main" r:embed="rId4"/>
+              </a:ext>
+            </a:extLst>
+          </a:blip>
+          <a:stretch>
+            <a:fillRect/>
+          </a:stretch>
+        </a:blipFill>
+        <a:ln w="25400" cap="rnd" cmpd="sng" algn="ctr">
+          <a:noFill/>
+          <a:prstDash val="solid"/>
+        </a:ln>
+        <a:effectLst/>
+      </dsp:spPr>
+      <dsp:style>
+        <a:lnRef idx="2">
+          <a:scrgbClr r="0" g="0" b="0"/>
+        </a:lnRef>
+        <a:fillRef idx="1">
+          <a:scrgbClr r="0" g="0" b="0"/>
+        </a:fillRef>
+        <a:effectRef idx="0">
+          <a:scrgbClr r="0" g="0" b="0"/>
+        </a:effectRef>
+        <a:fontRef idx="minor">
+          <a:schemeClr val="lt1"/>
+        </a:fontRef>
+      </dsp:style>
+    </dsp:sp>
+    <dsp:sp modelId="{73C52D27-5924-44F4-B67D-26A42F748EDB}">
+      <dsp:nvSpPr>
+        <dsp:cNvPr id="0" name=""/>
+        <dsp:cNvSpPr/>
+      </dsp:nvSpPr>
+      <dsp:spPr>
+        <a:xfrm>
+          <a:off x="4444565" y="2964165"/>
+          <a:ext cx="3768750" cy="720000"/>
+        </a:xfrm>
+        <a:prstGeom prst="rect">
+          <a:avLst/>
+        </a:prstGeom>
+        <a:noFill/>
+        <a:ln>
+          <a:noFill/>
+        </a:ln>
+        <a:effectLst/>
+      </dsp:spPr>
+      <dsp:style>
+        <a:lnRef idx="0">
+          <a:scrgbClr r="0" g="0" b="0"/>
+        </a:lnRef>
+        <a:fillRef idx="0">
+          <a:scrgbClr r="0" g="0" b="0"/>
+        </a:fillRef>
+        <a:effectRef idx="0">
+          <a:scrgbClr r="0" g="0" b="0"/>
+        </a:effectRef>
+        <a:fontRef idx="minor"/>
+      </dsp:style>
+      <dsp:txBody>
+        <a:bodyPr spcFirstLastPara="0" vert="horz" wrap="square" lIns="0" tIns="0" rIns="0" bIns="0" numCol="1" spcCol="1270" anchor="t" anchorCtr="0">
+          <a:noAutofit/>
+        </a:bodyPr>
+        <a:lstStyle/>
+        <a:p>
+          <a:pPr marL="0" lvl="0" indent="0" algn="ctr" defTabSz="1689100">
+            <a:lnSpc>
+              <a:spcPct val="90000"/>
+            </a:lnSpc>
+            <a:spcBef>
+              <a:spcPct val="0"/>
+            </a:spcBef>
+            <a:spcAft>
+              <a:spcPct val="35000"/>
+            </a:spcAft>
+            <a:buNone/>
+          </a:pPr>
+          <a:r>
+            <a:rPr lang="de-CH" sz="3800" kern="1200" dirty="0"/>
+            <a:t>Ziele</a:t>
+          </a:r>
+          <a:endParaRPr lang="en-US" sz="3800" kern="1200" dirty="0"/>
+        </a:p>
+      </dsp:txBody>
+      <dsp:txXfrm>
+        <a:off x="4444565" y="2964165"/>
+        <a:ext cx="3768750" cy="720000"/>
+      </dsp:txXfrm>
+    </dsp:sp>
+  </dsp:spTree>
+</dsp:drawing>
+</file>
+
+<file path=ppt/diagrams/layout1.xml><?xml version="1.0" encoding="utf-8"?>
+<dgm:layoutDef xmlns:dgm="http://schemas.openxmlformats.org/drawingml/2006/diagram" xmlns:a="http://schemas.openxmlformats.org/drawingml/2006/main" uniqueId="urn:microsoft.com/office/officeart/2018/2/layout/IconLabelList">
+  <dgm:title val="Icon Label List"/>
+  <dgm:desc val="Use to show non-sequential or grouped chunks of information accompanied by a related visuals. Works best with icons or small pictures with short text captions."/>
+  <dgm:catLst>
+    <dgm:cat type="icon" pri="500"/>
+  </dgm:catLst>
+  <dgm:sampData useDef="1">
+    <dgm:dataModel>
+      <dgm:ptLst/>
+      <dgm:bg/>
+      <dgm:whole/>
+    </dgm:dataModel>
+  </dgm:sampData>
+  <dgm:styleData useDef="1">
+    <dgm:dataModel>
+      <dgm:ptLst/>
+      <dgm:bg/>
+      <dgm:whole/>
+    </dgm:dataModel>
+  </dgm:styleData>
+  <dgm:clrData useDef="1">
+    <dgm:dataModel>
+      <dgm:ptLst/>
+      <dgm:bg/>
+      <dgm:whole/>
+    </dgm:dataModel>
+  </dgm:clrData>
+  <dgm:layoutNode name="root">
+    <dgm:varLst>
+      <dgm:dir/>
+      <dgm:resizeHandles val="exact"/>
+    </dgm:varLst>
+    <dgm:choose name="Name0">
+      <dgm:if name="Name1" axis="self" func="var" arg="dir" op="equ" val="norm">
+        <dgm:alg type="snake">
+          <dgm:param type="grDir" val="tL"/>
+          <dgm:param type="flowDir" val="row"/>
+          <dgm:param type="contDir" val="sameDir"/>
+          <dgm:param type="off" val="ctr"/>
+          <dgm:param type="vertAlign" val="mid"/>
+          <dgm:param type="horzAlign" val="ctr"/>
+        </dgm:alg>
+      </dgm:if>
+      <dgm:else name="Name2">
+        <dgm:alg type="snake">
+          <dgm:param type="grDir" val="tR"/>
+          <dgm:param type="flowDir" val="row"/>
+          <dgm:param type="contDir" val="sameDir"/>
+          <dgm:param type="off" val="ctr"/>
+          <dgm:param type="vertAlign" val="mid"/>
+          <dgm:param type="horzAlign" val="ctr"/>
+        </dgm:alg>
+      </dgm:else>
+    </dgm:choose>
+    <dgm:shape xmlns:r="http://schemas.openxmlformats.org/officeDocument/2006/relationships" r:blip="">
+      <dgm:adjLst/>
+    </dgm:shape>
+    <dgm:presOf/>
+    <dgm:choose name="Name3">
+      <dgm:if name="Name4" axis="ch" ptType="node" func="cnt" op="lte" val="2">
+        <dgm:constrLst>
+          <dgm:constr type="h" for="ch" forName="compNode" refType="h" fact="0.4"/>
+          <dgm:constr type="w" for="ch" forName="compNode" val="120"/>
+          <dgm:constr type="w" for="ch" forName="sibTrans" refType="w" refFor="ch" refForName="compNode" fact="0.175"/>
+          <dgm:constr type="sp" refType="w" refFor="ch" refForName="compNode" op="equ" fact="0.25"/>
+          <dgm:constr type="primFontSz" for="des" ptType="node" op="equ" val="50"/>
+          <dgm:constr type="h" for="des" forName="compNode" op="equ"/>
+          <dgm:constr type="h" for="des" forName="textRect" op="equ"/>
+        </dgm:constrLst>
+      </dgm:if>
+      <dgm:if name="Name5" axis="ch" ptType="node" func="cnt" op="lte" val="4">
+        <dgm:constrLst>
+          <dgm:constr type="h" for="ch" forName="compNode" refType="h" fact="0.4"/>
+          <dgm:constr type="w" for="ch" forName="compNode" refType="w"/>
+          <dgm:constr type="w" for="ch" forName="sibTrans" refType="w" refFor="ch" refForName="compNode" fact="0.175"/>
+          <dgm:constr type="sp" refType="w" refFor="ch" refForName="compNode" op="equ" fact="0.25"/>
+          <dgm:constr type="primFontSz" for="des" ptType="node" op="equ" val="36"/>
+          <dgm:constr type="h" for="des" forName="compNode" op="equ"/>
+          <dgm:constr type="h" for="des" forName="textRect" op="equ"/>
+        </dgm:constrLst>
+      </dgm:if>
+      <dgm:else name="Name6">
+        <dgm:constrLst>
+          <dgm:constr type="h" for="ch" forName="compNode" refType="h" fact="0.4"/>
+          <dgm:constr type="w" for="ch" forName="compNode" refType="w"/>
+          <dgm:constr type="w" for="ch" forName="sibTrans" refType="w" refFor="ch" refForName="compNode" fact="0.175"/>
+          <dgm:constr type="sp" refType="w" refFor="ch" refForName="compNode" op="equ" fact="0.25"/>
+          <dgm:constr type="primFontSz" for="des" ptType="node" op="equ" val="24"/>
+          <dgm:constr type="h" for="des" forName="compNode" op="equ"/>
+          <dgm:constr type="h" for="des" forName="textRect" op="equ"/>
+        </dgm:constrLst>
+      </dgm:else>
+    </dgm:choose>
+    <dgm:ruleLst>
+      <dgm:rule type="w" for="ch" forName="compNode" val="50" fact="NaN" max="NaN"/>
+    </dgm:ruleLst>
+    <dgm:forEach name="Name7" axis="ch" ptType="node">
+      <dgm:layoutNode name="compNode">
+        <dgm:alg type="composite"/>
+        <dgm:shape xmlns:r="http://schemas.openxmlformats.org/officeDocument/2006/relationships" r:blip="">
+          <dgm:adjLst/>
+        </dgm:shape>
+        <dgm:presOf axis="self"/>
+        <dgm:constrLst>
+          <dgm:constr type="w" for="ch" forName="iconRect" refType="w" fact="0.45"/>
+          <dgm:constr type="h" for="ch" forName="iconRect" refType="w" refFor="ch" refForName="iconRect"/>
+          <dgm:constr type="ctrX" for="ch" forName="iconRect" refType="w" fact="0.5"/>
+          <dgm:constr type="t" for="ch" forName="iconRect"/>
+          <dgm:constr type="h" for="ch" forName="spaceRect" refType="h" fact="0.15"/>
+          <dgm:constr type="w" for="ch" forName="spaceRect" refType="w"/>
+          <dgm:constr type="l" for="ch" forName="spaceRect"/>
+          <dgm:constr type="t" for="ch" forName="spaceRect" refType="b" refFor="ch" refForName="iconRect"/>
+          <dgm:constr type="h" for="ch" forName="textRect" val="20"/>
+          <dgm:constr type="w" for="ch" forName="textRect" refType="w"/>
+          <dgm:constr type="l" for="ch" forName="textRect"/>
+          <dgm:constr type="t" for="ch" forName="textRect" refType="b" refFor="ch" refForName="spaceRect"/>
+        </dgm:constrLst>
+        <dgm:ruleLst>
+          <dgm:rule type="h" val="INF" fact="NaN" max="NaN"/>
+        </dgm:ruleLst>
+        <dgm:layoutNode name="iconRect" styleLbl="node1">
+          <dgm:alg type="sp"/>
+          <dgm:shape xmlns:r="http://schemas.openxmlformats.org/officeDocument/2006/relationships" type="rect" r:blip="" blipPhldr="1">
+            <dgm:adjLst/>
+          </dgm:shape>
+          <dgm:presOf/>
+          <dgm:constrLst/>
+          <dgm:ruleLst/>
+        </dgm:layoutNode>
+        <dgm:layoutNode name="spaceRect">
+          <dgm:alg type="sp"/>
+          <dgm:shape xmlns:r="http://schemas.openxmlformats.org/officeDocument/2006/relationships" r:blip="">
+            <dgm:adjLst/>
+          </dgm:shape>
+          <dgm:presOf/>
+          <dgm:constrLst/>
+          <dgm:ruleLst/>
+        </dgm:layoutNode>
+        <dgm:layoutNode name="textRect" styleLbl="revTx">
+          <dgm:varLst>
+            <dgm:chMax val="1"/>
+            <dgm:chPref val="1"/>
+          </dgm:varLst>
+          <dgm:alg type="tx">
+            <dgm:param type="txAnchorVert" val="t"/>
+          </dgm:alg>
+          <dgm:shape xmlns:r="http://schemas.openxmlformats.org/officeDocument/2006/relationships" type="rect" r:blip="">
+            <dgm:adjLst/>
+          </dgm:shape>
+          <dgm:presOf axis="self" ptType="node"/>
+          <dgm:constrLst>
+            <dgm:constr type="lMarg"/>
+            <dgm:constr type="rMarg"/>
+            <dgm:constr type="tMarg"/>
+            <dgm:constr type="bMarg"/>
+          </dgm:constrLst>
+          <dgm:ruleLst>
+            <dgm:rule type="primFontSz" val="11" fact="NaN" max="NaN"/>
+            <dgm:rule type="h" val="INF" fact="NaN" max="NaN"/>
+          </dgm:ruleLst>
+        </dgm:layoutNode>
+      </dgm:layoutNode>
+      <dgm:forEach name="Name8" axis="followSib" ptType="sibTrans" cnt="1">
+        <dgm:layoutNode name="sibTrans">
+          <dgm:alg type="sp"/>
+          <dgm:shape xmlns:r="http://schemas.openxmlformats.org/officeDocument/2006/relationships" r:blip="">
+            <dgm:adjLst/>
+          </dgm:shape>
+          <dgm:presOf axis="self"/>
+          <dgm:constrLst/>
+          <dgm:ruleLst/>
+        </dgm:layoutNode>
+      </dgm:forEach>
+    </dgm:forEach>
+  </dgm:layoutNode>
+  <dgm:extLst>
+    <a:ext uri="{68A01E43-0DF5-4B5B-8FA6-DAF915123BFB}">
+      <dgm1612:lstStyle xmlns:dgm1612="http://schemas.microsoft.com/office/drawing/2016/12/diagram">
+        <a:lvl1pPr>
+          <a:lnSpc>
+            <a:spcPct val="100000"/>
+          </a:lnSpc>
+        </a:lvl1pPr>
+      </dgm1612:lstStyle>
+    </a:ext>
+  </dgm:extLst>
+</dgm:layoutDef>
+</file>
+
+<file path=ppt/diagrams/quickStyle1.xml><?xml version="1.0" encoding="utf-8"?>
+<dgm:styleDef xmlns:dgm="http://schemas.openxmlformats.org/drawingml/2006/diagram" xmlns:a="http://schemas.openxmlformats.org/drawingml/2006/main" uniqueId="urn:microsoft.com/office/officeart/2005/8/quickstyle/simple1">
+  <dgm:title val=""/>
+  <dgm:desc val=""/>
+  <dgm:catLst>
+    <dgm:cat type="simple" pri="10100"/>
+  </dgm:catLst>
+  <dgm:scene3d>
+    <a:camera prst="orthographicFront"/>
+    <a:lightRig rig="threePt" dir="t"/>
+  </dgm:scene3d>
+  <dgm:styleLbl name="node0">
+    <dgm:scene3d>
+      <a:camera prst="orthographicFront"/>
+      <a:lightRig rig="threePt" dir="t"/>
+    </dgm:scene3d>
+    <dgm:sp3d/>
+    <dgm:txPr/>
+    <dgm:style>
+      <a:lnRef idx="2">
+        <a:scrgbClr r="0" g="0" b="0"/>
+      </a:lnRef>
+      <a:fillRef idx="1">
+        <a:scrgbClr r="0" g="0" b="0"/>
+      </a:fillRef>
+      <a:effectRef idx="0">
+        <a:scrgbClr r="0" g="0" b="0"/>
+      </a:effectRef>
+      <a:fontRef idx="minor">
+        <a:schemeClr val="lt1"/>
+      </a:fontRef>
+    </dgm:style>
+  </dgm:styleLbl>
+  <dgm:styleLbl name="lnNode1">
+    <dgm:scene3d>
+      <a:camera prst="orthographicFront"/>
+      <a:lightRig rig="threePt" dir="t"/>
+    </dgm:scene3d>
+    <dgm:sp3d/>
+    <dgm:txPr/>
+    <dgm:style>
+      <a:lnRef idx="2">
+        <a:scrgbClr r="0" g="0" b="0"/>
+      </a:lnRef>
+      <a:fillRef idx="1">
+        <a:scrgbClr r="0" g="0" b="0"/>
+      </a:fillRef>
+      <a:effectRef idx="0">
+        <a:scrgbClr r="0" g="0" b="0"/>
+      </a:effectRef>
+      <a:fontRef idx="minor">
+        <a:schemeClr val="lt1"/>
+      </a:fontRef>
+    </dgm:style>
+  </dgm:styleLbl>
+  <dgm:styleLbl name="vennNode1">
+    <dgm:scene3d>
+      <a:camera prst="orthographicFront"/>
+      <a:lightRig rig="threePt" dir="t"/>
+    </dgm:scene3d>
+    <dgm:sp3d/>
+    <dgm:txPr/>
+    <dgm:style>
+      <a:lnRef idx="2">
+        <a:scrgbClr r="0" g="0" b="0"/>
+      </a:lnRef>
+      <a:fillRef idx="1">
+        <a:scrgbClr r="0" g="0" b="0"/>
+      </a:fillRef>
+      <a:effectRef idx="0">
+        <a:scrgbClr r="0" g="0" b="0"/>
+      </a:effectRef>
+      <a:fontRef idx="minor">
+        <a:schemeClr val="tx1"/>
+      </a:fontRef>
+    </dgm:style>
+  </dgm:styleLbl>
+  <dgm:styleLbl name="alignNode1">
+    <dgm:scene3d>
+      <a:camera prst="orthographicFront"/>
+      <a:lightRig rig="threePt" dir="t"/>
+    </dgm:scene3d>
+    <dgm:sp3d/>
+    <dgm:txPr/>
+    <dgm:style>
+      <a:lnRef idx="2">
+        <a:scrgbClr r="0" g="0" b="0"/>
+      </a:lnRef>
+      <a:fillRef idx="1">
+        <a:scrgbClr r="0" g="0" b="0"/>
+      </a:fillRef>
+      <a:effectRef idx="0">
+        <a:scrgbClr r="0" g="0" b="0"/>
+      </a:effectRef>
+      <a:fontRef idx="minor">
+        <a:schemeClr val="lt1"/>
+      </a:fontRef>
+    </dgm:style>
+  </dgm:styleLbl>
+  <dgm:styleLbl name="node1">
+    <dgm:scene3d>
+      <a:camera prst="orthographicFront"/>
+      <a:lightRig rig="threePt" dir="t"/>
+    </dgm:scene3d>
+    <dgm:sp3d/>
+    <dgm:txPr/>
+    <dgm:style>
+      <a:lnRef idx="2">
+        <a:scrgbClr r="0" g="0" b="0"/>
+      </a:lnRef>
+      <a:fillRef idx="1">
+        <a:scrgbClr r="0" g="0" b="0"/>
+      </a:fillRef>
+      <a:effectRef idx="0">
+        <a:scrgbClr r="0" g="0" b="0"/>
+      </a:effectRef>
+      <a:fontRef idx="minor">
+        <a:schemeClr val="lt1"/>
+      </a:fontRef>
+    </dgm:style>
+  </dgm:styleLbl>
+  <dgm:styleLbl name="node2">
+    <dgm:scene3d>
+      <a:camera prst="orthographicFront"/>
+      <a:lightRig rig="threePt" dir="t"/>
+    </dgm:scene3d>
+    <dgm:sp3d/>
+    <dgm:txPr/>
+    <dgm:style>
+      <a:lnRef idx="2">
+        <a:scrgbClr r="0" g="0" b="0"/>
+      </a:lnRef>
+      <a:fillRef idx="1">
+        <a:scrgbClr r="0" g="0" b="0"/>
+      </a:fillRef>
+      <a:effectRef idx="0">
+        <a:scrgbClr r="0" g="0" b="0"/>
+      </a:effectRef>
+      <a:fontRef idx="minor">
+        <a:schemeClr val="lt1"/>
+      </a:fontRef>
+    </dgm:style>
+  </dgm:styleLbl>
+  <dgm:styleLbl name="node3">
+    <dgm:scene3d>
+      <a:camera prst="orthographicFront"/>
+      <a:lightRig rig="threePt" dir="t"/>
+    </dgm:scene3d>
+    <dgm:sp3d/>
+    <dgm:txPr/>
+    <dgm:style>
+      <a:lnRef idx="2">
+        <a:scrgbClr r="0" g="0" b="0"/>
+      </a:lnRef>
+      <a:fillRef idx="1">
+        <a:scrgbClr r="0" g="0" b="0"/>
+      </a:fillRef>
+      <a:effectRef idx="0">
+        <a:scrgbClr r="0" g="0" b="0"/>
+      </a:effectRef>
+      <a:fontRef idx="minor">
+        <a:schemeClr val="lt1"/>
+      </a:fontRef>
+    </dgm:style>
+  </dgm:styleLbl>
+  <dgm:styleLbl name="node4">
+    <dgm:scene3d>
+      <a:camera prst="orthographicFront"/>
+      <a:lightRig rig="threePt" dir="t"/>
+    </dgm:scene3d>
+    <dgm:sp3d/>
+    <dgm:txPr/>
+    <dgm:style>
+      <a:lnRef idx="2">
+        <a:scrgbClr r="0" g="0" b="0"/>
+      </a:lnRef>
+      <a:fillRef idx="1">
+        <a:scrgbClr r="0" g="0" b="0"/>
+      </a:fillRef>
+      <a:effectRef idx="0">
+        <a:scrgbClr r="0" g="0" b="0"/>
+      </a:effectRef>
+      <a:fontRef idx="minor">
+        <a:schemeClr val="lt1"/>
+      </a:fontRef>
+    </dgm:style>
+  </dgm:styleLbl>
+  <dgm:styleLbl name="fgImgPlace1">
+    <dgm:scene3d>
+      <a:camera prst="orthographicFront"/>
+      <a:lightRig rig="threePt" dir="t"/>
+    </dgm:scene3d>
+    <dgm:sp3d/>
+    <dgm:txPr/>
+    <dgm:style>
+      <a:lnRef idx="2">
+        <a:scrgbClr r="0" g="0" b="0"/>
+      </a:lnRef>
+      <a:fillRef idx="1">
+        <a:scrgbClr r="0" g="0" b="0"/>
+      </a:fillRef>
+      <a:effectRef idx="0">
+        <a:scrgbClr r="0" g="0" b="0"/>
+      </a:effectRef>
+      <a:fontRef idx="minor"/>
+    </dgm:style>
+  </dgm:styleLbl>
+  <dgm:styleLbl name="alignImgPlace1">
+    <dgm:scene3d>
+      <a:camera prst="orthographicFront"/>
+      <a:lightRig rig="threePt" dir="t"/>
+    </dgm:scene3d>
+    <dgm:sp3d/>
+    <dgm:txPr/>
+    <dgm:style>
+      <a:lnRef idx="2">
+        <a:scrgbClr r="0" g="0" b="0"/>
+      </a:lnRef>
+      <a:fillRef idx="1">
+        <a:scrgbClr r="0" g="0" b="0"/>
+      </a:fillRef>
+      <a:effectRef idx="0">
+        <a:scrgbClr r="0" g="0" b="0"/>
+      </a:effectRef>
+      <a:fontRef idx="minor"/>
+    </dgm:style>
+  </dgm:styleLbl>
+  <dgm:styleLbl name="bgImgPlace1">
+    <dgm:scene3d>
+      <a:camera prst="orthographicFront"/>
+      <a:lightRig rig="threePt" dir="t"/>
+    </dgm:scene3d>
+    <dgm:sp3d/>
+    <dgm:txPr/>
+    <dgm:style>
+      <a:lnRef idx="2">
+        <a:scrgbClr r="0" g="0" b="0"/>
+      </a:lnRef>
+      <a:fillRef idx="1">
+        <a:scrgbClr r="0" g="0" b="0"/>
+      </a:fillRef>
+      <a:effectRef idx="0">
+        <a:scrgbClr r="0" g="0" b="0"/>
+      </a:effectRef>
+      <a:fontRef idx="minor"/>
+    </dgm:style>
+  </dgm:styleLbl>
+  <dgm:styleLbl name="sibTrans2D1">
+    <dgm:scene3d>
+      <a:camera prst="orthographicFront"/>
+      <a:lightRig rig="threePt" dir="t"/>
+    </dgm:scene3d>
+    <dgm:sp3d/>
+    <dgm:txPr/>
+    <dgm:style>
+      <a:lnRef idx="0">
+        <a:scrgbClr r="0" g="0" b="0"/>
+      </a:lnRef>
+      <a:fillRef idx="1">
+        <a:scrgbClr r="0" g="0" b="0"/>
+      </a:fillRef>
+      <a:effectRef idx="0">
+        <a:scrgbClr r="0" g="0" b="0"/>
+      </a:effectRef>
+      <a:fontRef idx="minor">
+        <a:schemeClr val="lt1"/>
+      </a:fontRef>
+    </dgm:style>
+  </dgm:styleLbl>
+  <dgm:styleLbl name="fgSibTrans2D1">
+    <dgm:scene3d>
+      <a:camera prst="orthographicFront"/>
+      <a:lightRig rig="threePt" dir="t"/>
+    </dgm:scene3d>
+    <dgm:sp3d/>
+    <dgm:txPr/>
+    <dgm:style>
+      <a:lnRef idx="0">
+        <a:scrgbClr r="0" g="0" b="0"/>
+      </a:lnRef>
+      <a:fillRef idx="1">
+        <a:scrgbClr r="0" g="0" b="0"/>
+      </a:fillRef>
+      <a:effectRef idx="0">
+        <a:scrgbClr r="0" g="0" b="0"/>
+      </a:effectRef>
+      <a:fontRef idx="minor">
+        <a:schemeClr val="lt1"/>
+      </a:fontRef>
+    </dgm:style>
+  </dgm:styleLbl>
+  <dgm:styleLbl name="bgSibTrans2D1">
+    <dgm:scene3d>
+      <a:camera prst="orthographicFront"/>
+      <a:lightRig rig="threePt" dir="t"/>
+    </dgm:scene3d>
+    <dgm:sp3d/>
+    <dgm:txPr/>
+    <dgm:style>
+      <a:lnRef idx="0">
+        <a:scrgbClr r="0" g="0" b="0"/>
+      </a:lnRef>
+      <a:fillRef idx="1">
+        <a:scrgbClr r="0" g="0" b="0"/>
+      </a:fillRef>
+      <a:effectRef idx="0">
+        <a:scrgbClr r="0" g="0" b="0"/>
+      </a:effectRef>
+      <a:fontRef idx="minor">
+        <a:schemeClr val="lt1"/>
+      </a:fontRef>
+    </dgm:style>
+  </dgm:styleLbl>
+  <dgm:styleLbl name="sibTrans1D1">
+    <dgm:scene3d>
+      <a:camera prst="orthographicFront"/>
+      <a:lightRig rig="threePt" dir="t"/>
+    </dgm:scene3d>
+    <dgm:sp3d/>
+    <dgm:txPr/>
+    <dgm:style>
+      <a:lnRef idx="1">
+        <a:scrgbClr r="0" g="0" b="0"/>
+      </a:lnRef>
+      <a:fillRef idx="0">
+        <a:scrgbClr r="0" g="0" b="0"/>
+      </a:fillRef>
+      <a:effectRef idx="0">
+        <a:scrgbClr r="0" g="0" b="0"/>
+      </a:effectRef>
+      <a:fontRef idx="minor"/>
+    </dgm:style>
+  </dgm:styleLbl>
+  <dgm:styleLbl name="callout">
+    <dgm:scene3d>
+      <a:camera prst="orthographicFront"/>
+      <a:lightRig rig="threePt" dir="t"/>
+    </dgm:scene3d>
+    <dgm:sp3d/>
+    <dgm:txPr/>
+    <dgm:style>
+      <a:lnRef idx="2">
+        <a:scrgbClr r="0" g="0" b="0"/>
+      </a:lnRef>
+      <a:fillRef idx="1">
+        <a:scrgbClr r="0" g="0" b="0"/>
+      </a:fillRef>
+      <a:effectRef idx="0">
+        <a:scrgbClr r="0" g="0" b="0"/>
+      </a:effectRef>
+      <a:fontRef idx="minor"/>
+    </dgm:style>
+  </dgm:styleLbl>
+  <dgm:styleLbl name="asst0">
+    <dgm:scene3d>
+      <a:camera prst="orthographicFront"/>
+      <a:lightRig rig="threePt" dir="t"/>
+    </dgm:scene3d>
+    <dgm:sp3d/>
+    <dgm:txPr/>
+    <dgm:style>
+      <a:lnRef idx="2">
+        <a:scrgbClr r="0" g="0" b="0"/>
+      </a:lnRef>
+      <a:fillRef idx="1">
+        <a:scrgbClr r="0" g="0" b="0"/>
+      </a:fillRef>
+      <a:effectRef idx="0">
+        <a:scrgbClr r="0" g="0" b="0"/>
+      </a:effectRef>
+      <a:fontRef idx="minor">
+        <a:schemeClr val="lt1"/>
+      </a:fontRef>
+    </dgm:style>
+  </dgm:styleLbl>
+  <dgm:styleLbl name="asst1">
+    <dgm:scene3d>
+      <a:camera prst="orthographicFront"/>
+      <a:lightRig rig="threePt" dir="t"/>
+    </dgm:scene3d>
+    <dgm:sp3d/>
+    <dgm:txPr/>
+    <dgm:style>
+      <a:lnRef idx="2">
+        <a:scrgbClr r="0" g="0" b="0"/>
+      </a:lnRef>
+      <a:fillRef idx="1">
+        <a:scrgbClr r="0" g="0" b="0"/>
+      </a:fillRef>
+      <a:effectRef idx="0">
+        <a:scrgbClr r="0" g="0" b="0"/>
+      </a:effectRef>
+      <a:fontRef idx="minor">
+        <a:schemeClr val="lt1"/>
+      </a:fontRef>
+    </dgm:style>
+  </dgm:styleLbl>
+  <dgm:styleLbl name="asst2">
+    <dgm:scene3d>
+      <a:camera prst="orthographicFront"/>
+      <a:lightRig rig="threePt" dir="t"/>
+    </dgm:scene3d>
+    <dgm:sp3d/>
+    <dgm:txPr/>
+    <dgm:style>
+      <a:lnRef idx="2">
+        <a:scrgbClr r="0" g="0" b="0"/>
+      </a:lnRef>
+      <a:fillRef idx="1">
+        <a:scrgbClr r="0" g="0" b="0"/>
+      </a:fillRef>
+      <a:effectRef idx="0">
+        <a:scrgbClr r="0" g="0" b="0"/>
+      </a:effectRef>
+      <a:fontRef idx="minor">
+        <a:schemeClr val="lt1"/>
+      </a:fontRef>
+    </dgm:style>
+  </dgm:styleLbl>
+  <dgm:styleLbl name="asst3">
+    <dgm:scene3d>
+      <a:camera prst="orthographicFront"/>
+      <a:lightRig rig="threePt" dir="t"/>
+    </dgm:scene3d>
+    <dgm:sp3d/>
+    <dgm:txPr/>
+    <dgm:style>
+      <a:lnRef idx="2">
+        <a:scrgbClr r="0" g="0" b="0"/>
+      </a:lnRef>
+      <a:fillRef idx="1">
+        <a:scrgbClr r="0" g="0" b="0"/>
+      </a:fillRef>
+      <a:effectRef idx="0">
+        <a:scrgbClr r="0" g="0" b="0"/>
+      </a:effectRef>
+      <a:fontRef idx="minor">
+        <a:schemeClr val="lt1"/>
+      </a:fontRef>
+    </dgm:style>
+  </dgm:styleLbl>
+  <dgm:styleLbl name="asst4">
+    <dgm:scene3d>
+      <a:camera prst="orthographicFront"/>
+      <a:lightRig rig="threePt" dir="t"/>
+    </dgm:scene3d>
+    <dgm:sp3d/>
+    <dgm:txPr/>
+    <dgm:style>
+      <a:lnRef idx="2">
+        <a:scrgbClr r="0" g="0" b="0"/>
+      </a:lnRef>
+      <a:fillRef idx="1">
+        <a:scrgbClr r="0" g="0" b="0"/>
+      </a:fillRef>
+      <a:effectRef idx="0">
+        <a:scrgbClr r="0" g="0" b="0"/>
+      </a:effectRef>
+      <a:fontRef idx="minor">
+        <a:schemeClr val="lt1"/>
+      </a:fontRef>
+    </dgm:style>
+  </dgm:styleLbl>
+  <dgm:styleLbl name="parChTrans2D1">
+    <dgm:scene3d>
+      <a:camera prst="orthographicFront"/>
+      <a:lightRig rig="threePt" dir="t"/>
+    </dgm:scene3d>
+    <dgm:sp3d/>
+    <dgm:txPr/>
+    <dgm:style>
+      <a:lnRef idx="2">
+        <a:scrgbClr r="0" g="0" b="0"/>
+      </a:lnRef>
+      <a:fillRef idx="1">
+        <a:scrgbClr r="0" g="0" b="0"/>
+      </a:fillRef>
+      <a:effectRef idx="0">
+        <a:scrgbClr r="0" g="0" b="0"/>
+      </a:effectRef>
+      <a:fontRef idx="minor">
+        <a:schemeClr val="lt1"/>
+      </a:fontRef>
+    </dgm:style>
+  </dgm:styleLbl>
+  <dgm:styleLbl name="parChTrans2D2">
+    <dgm:scene3d>
+      <a:camera prst="orthographicFront"/>
+      <a:lightRig rig="threePt" dir="t"/>
+    </dgm:scene3d>
+    <dgm:sp3d/>
+    <dgm:txPr/>
+    <dgm:style>
+      <a:lnRef idx="2">
+        <a:scrgbClr r="0" g="0" b="0"/>
+      </a:lnRef>
+      <a:fillRef idx="1">
+        <a:scrgbClr r="0" g="0" b="0"/>
+      </a:fillRef>
+      <a:effectRef idx="0">
+        <a:scrgbClr r="0" g="0" b="0"/>
+      </a:effectRef>
+      <a:fontRef idx="minor">
+        <a:schemeClr val="lt1"/>
+      </a:fontRef>
+    </dgm:style>
+  </dgm:styleLbl>
+  <dgm:styleLbl name="parChTrans2D3">
+    <dgm:scene3d>
+      <a:camera prst="orthographicFront"/>
+      <a:lightRig rig="threePt" dir="t"/>
+    </dgm:scene3d>
+    <dgm:sp3d/>
+    <dgm:txPr/>
+    <dgm:style>
+      <a:lnRef idx="2">
+        <a:scrgbClr r="0" g="0" b="0"/>
+      </a:lnRef>
+      <a:fillRef idx="1">
+        <a:scrgbClr r="0" g="0" b="0"/>
+      </a:fillRef>
+      <a:effectRef idx="0">
+        <a:scrgbClr r="0" g="0" b="0"/>
+      </a:effectRef>
+      <a:fontRef idx="minor">
+        <a:schemeClr val="lt1"/>
+      </a:fontRef>
+    </dgm:style>
+  </dgm:styleLbl>
+  <dgm:styleLbl name="parChTrans2D4">
+    <dgm:scene3d>
+      <a:camera prst="orthographicFront"/>
+      <a:lightRig rig="threePt" dir="t"/>
+    </dgm:scene3d>
+    <dgm:sp3d/>
+    <dgm:txPr/>
+    <dgm:style>
+      <a:lnRef idx="2">
+        <a:scrgbClr r="0" g="0" b="0"/>
+      </a:lnRef>
+      <a:fillRef idx="1">
+        <a:scrgbClr r="0" g="0" b="0"/>
+      </a:fillRef>
+      <a:effectRef idx="0">
+        <a:scrgbClr r="0" g="0" b="0"/>
+      </a:effectRef>
+      <a:fontRef idx="minor">
+        <a:schemeClr val="lt1"/>
+      </a:fontRef>
+    </dgm:style>
+  </dgm:styleLbl>
+  <dgm:styleLbl name="parChTrans1D1">
+    <dgm:scene3d>
+      <a:camera prst="orthographicFront"/>
+      <a:lightRig rig="threePt" dir="t"/>
+    </dgm:scene3d>
+    <dgm:sp3d/>
+    <dgm:txPr/>
+    <dgm:style>
+      <a:lnRef idx="2">
+        <a:scrgbClr r="0" g="0" b="0"/>
+      </a:lnRef>
+      <a:fillRef idx="0">
+        <a:scrgbClr r="0" g="0" b="0"/>
+      </a:fillRef>
+      <a:effectRef idx="0">
+        <a:scrgbClr r="0" g="0" b="0"/>
+      </a:effectRef>
+      <a:fontRef idx="minor"/>
+    </dgm:style>
+  </dgm:styleLbl>
+  <dgm:styleLbl name="parChTrans1D2">
+    <dgm:scene3d>
+      <a:camera prst="orthographicFront"/>
+      <a:lightRig rig="threePt" dir="t"/>
+    </dgm:scene3d>
+    <dgm:sp3d/>
+    <dgm:txPr/>
+    <dgm:style>
+      <a:lnRef idx="2">
+        <a:scrgbClr r="0" g="0" b="0"/>
+      </a:lnRef>
+      <a:fillRef idx="0">
+        <a:scrgbClr r="0" g="0" b="0"/>
+      </a:fillRef>
+      <a:effectRef idx="0">
+        <a:scrgbClr r="0" g="0" b="0"/>
+      </a:effectRef>
+      <a:fontRef idx="minor"/>
+    </dgm:style>
+  </dgm:styleLbl>
+  <dgm:styleLbl name="parChTrans1D3">
+    <dgm:scene3d>
+      <a:camera prst="orthographicFront"/>
+      <a:lightRig rig="threePt" dir="t"/>
+    </dgm:scene3d>
+    <dgm:sp3d/>
+    <dgm:txPr/>
+    <dgm:style>
+      <a:lnRef idx="2">
+        <a:scrgbClr r="0" g="0" b="0"/>
+      </a:lnRef>
+      <a:fillRef idx="0">
+        <a:scrgbClr r="0" g="0" b="0"/>
+      </a:fillRef>
+      <a:effectRef idx="0">
+        <a:scrgbClr r="0" g="0" b="0"/>
+      </a:effectRef>
+      <a:fontRef idx="minor"/>
+    </dgm:style>
+  </dgm:styleLbl>
+  <dgm:styleLbl name="parChTrans1D4">
+    <dgm:scene3d>
+      <a:camera prst="orthographicFront"/>
+      <a:lightRig rig="threePt" dir="t"/>
+    </dgm:scene3d>
+    <dgm:sp3d/>
+    <dgm:txPr/>
+    <dgm:style>
+      <a:lnRef idx="2">
+        <a:scrgbClr r="0" g="0" b="0"/>
+      </a:lnRef>
+      <a:fillRef idx="0">
+        <a:scrgbClr r="0" g="0" b="0"/>
+      </a:fillRef>
+      <a:effectRef idx="0">
+        <a:scrgbClr r="0" g="0" b="0"/>
+      </a:effectRef>
+      <a:fontRef idx="minor"/>
+    </dgm:style>
+  </dgm:styleLbl>
+  <dgm:styleLbl name="fgAcc1">
+    <dgm:scene3d>
+      <a:camera prst="orthographicFront"/>
+      <a:lightRig rig="threePt" dir="t"/>
+    </dgm:scene3d>
+    <dgm:sp3d/>
+    <dgm:txPr/>
+    <dgm:style>
+      <a:lnRef idx="2">
+        <a:scrgbClr r="0" g="0" b="0"/>
+      </a:lnRef>
+      <a:fillRef idx="1">
+        <a:scrgbClr r="0" g="0" b="0"/>
+      </a:fillRef>
+      <a:effectRef idx="0">
+        <a:scrgbClr r="0" g="0" b="0"/>
+      </a:effectRef>
+      <a:fontRef idx="minor"/>
+    </dgm:style>
+  </dgm:styleLbl>
+  <dgm:styleLbl name="conFgAcc1">
+    <dgm:scene3d>
+      <a:camera prst="orthographicFront"/>
+      <a:lightRig rig="threePt" dir="t"/>
+    </dgm:scene3d>
+    <dgm:sp3d/>
+    <dgm:txPr/>
+    <dgm:style>
+      <a:lnRef idx="2">
+        <a:scrgbClr r="0" g="0" b="0"/>
+      </a:lnRef>
+      <a:fillRef idx="1">
+        <a:scrgbClr r="0" g="0" b="0"/>
+      </a:fillRef>
+      <a:effectRef idx="0">
+        <a:scrgbClr r="0" g="0" b="0"/>
+      </a:effectRef>
+      <a:fontRef idx="minor"/>
+    </dgm:style>
+  </dgm:styleLbl>
+  <dgm:styleLbl name="alignAcc1">
+    <dgm:scene3d>
+      <a:camera prst="orthographicFront"/>
+      <a:lightRig rig="threePt" dir="t"/>
+    </dgm:scene3d>
+    <dgm:sp3d/>
+    <dgm:txPr/>
+    <dgm:style>
+      <a:lnRef idx="2">
+        <a:scrgbClr r="0" g="0" b="0"/>
+      </a:lnRef>
+      <a:fillRef idx="1">
+        <a:scrgbClr r="0" g="0" b="0"/>
+      </a:fillRef>
+      <a:effectRef idx="0">
+        <a:scrgbClr r="0" g="0" b="0"/>
+      </a:effectRef>
+      <a:fontRef idx="minor"/>
+    </dgm:style>
+  </dgm:styleLbl>
+  <dgm:styleLbl name="trAlignAcc1">
+    <dgm:scene3d>
+      <a:camera prst="orthographicFront"/>
+      <a:lightRig rig="threePt" dir="t"/>
+    </dgm:scene3d>
+    <dgm:sp3d/>
+    <dgm:txPr/>
+    <dgm:style>
+      <a:lnRef idx="1">
+        <a:scrgbClr r="0" g="0" b="0"/>
+      </a:lnRef>
+      <a:fillRef idx="1">
+        <a:scrgbClr r="0" g="0" b="0"/>
+      </a:fillRef>
+      <a:effectRef idx="0">
+        <a:scrgbClr r="0" g="0" b="0"/>
+      </a:effectRef>
+      <a:fontRef idx="minor"/>
+    </dgm:style>
+  </dgm:styleLbl>
+  <dgm:styleLbl name="bgAcc1">
+    <dgm:scene3d>
+      <a:camera prst="orthographicFront"/>
+      <a:lightRig rig="threePt" dir="t"/>
+    </dgm:scene3d>
+    <dgm:sp3d/>
+    <dgm:txPr/>
+    <dgm:style>
+      <a:lnRef idx="2">
+        <a:scrgbClr r="0" g="0" b="0"/>
+      </a:lnRef>
+      <a:fillRef idx="1">
+        <a:scrgbClr r="0" g="0" b="0"/>
+      </a:fillRef>
+      <a:effectRef idx="0">
+        <a:scrgbClr r="0" g="0" b="0"/>
+      </a:effectRef>
+      <a:fontRef idx="minor"/>
+    </dgm:style>
+  </dgm:styleLbl>
+  <dgm:styleLbl name="solidFgAcc1">
+    <dgm:scene3d>
+      <a:camera prst="orthographicFront"/>
+      <a:lightRig rig="threePt" dir="t"/>
+    </dgm:scene3d>
+    <dgm:sp3d/>
+    <dgm:txPr/>
+    <dgm:style>
+      <a:lnRef idx="2">
+        <a:scrgbClr r="0" g="0" b="0"/>
+      </a:lnRef>
+      <a:fillRef idx="1">
+        <a:scrgbClr r="0" g="0" b="0"/>
+      </a:fillRef>
+      <a:effectRef idx="0">
+        <a:scrgbClr r="0" g="0" b="0"/>
+      </a:effectRef>
+      <a:fontRef idx="minor"/>
+    </dgm:style>
+  </dgm:styleLbl>
+  <dgm:styleLbl name="solidAlignAcc1">
+    <dgm:scene3d>
+      <a:camera prst="orthographicFront"/>
+      <a:lightRig rig="threePt" dir="t"/>
+    </dgm:scene3d>
+    <dgm:sp3d/>
+    <dgm:txPr/>
+    <dgm:style>
+      <a:lnRef idx="2">
+        <a:scrgbClr r="0" g="0" b="0"/>
+      </a:lnRef>
+      <a:fillRef idx="1">
+        <a:scrgbClr r="0" g="0" b="0"/>
+      </a:fillRef>
+      <a:effectRef idx="0">
+        <a:scrgbClr r="0" g="0" b="0"/>
+      </a:effectRef>
+      <a:fontRef idx="minor"/>
+    </dgm:style>
+  </dgm:styleLbl>
+  <dgm:styleLbl name="solidBgAcc1">
+    <dgm:scene3d>
+      <a:camera prst="orthographicFront"/>
+      <a:lightRig rig="threePt" dir="t"/>
+    </dgm:scene3d>
+    <dgm:sp3d/>
+    <dgm:txPr/>
+    <dgm:style>
+      <a:lnRef idx="2">
+        <a:scrgbClr r="0" g="0" b="0"/>
+      </a:lnRef>
+      <a:fillRef idx="1">
+        <a:scrgbClr r="0" g="0" b="0"/>
+      </a:fillRef>
+      <a:effectRef idx="0">
+        <a:scrgbClr r="0" g="0" b="0"/>
+      </a:effectRef>
+      <a:fontRef idx="minor"/>
+    </dgm:style>
+  </dgm:styleLbl>
+  <dgm:styleLbl name="fgAccFollowNode1">
+    <dgm:scene3d>
+      <a:camera prst="orthographicFront"/>
+      <a:lightRig rig="threePt" dir="t"/>
+    </dgm:scene3d>
+    <dgm:sp3d/>
+    <dgm:txPr/>
+    <dgm:style>
+      <a:lnRef idx="2">
+        <a:scrgbClr r="0" g="0" b="0"/>
+      </a:lnRef>
+      <a:fillRef idx="1">
+        <a:scrgbClr r="0" g="0" b="0"/>
+      </a:fillRef>
+      <a:effectRef idx="0">
+        <a:scrgbClr r="0" g="0" b="0"/>
+      </a:effectRef>
+      <a:fontRef idx="minor"/>
+    </dgm:style>
+  </dgm:styleLbl>
+  <dgm:styleLbl name="alignAccFollowNode1">
+    <dgm:scene3d>
+      <a:camera prst="orthographicFront"/>
+      <a:lightRig rig="threePt" dir="t"/>
+    </dgm:scene3d>
+    <dgm:sp3d/>
+    <dgm:txPr/>
+    <dgm:style>
+      <a:lnRef idx="2">
+        <a:scrgbClr r="0" g="0" b="0"/>
+      </a:lnRef>
+      <a:fillRef idx="1">
+        <a:scrgbClr r="0" g="0" b="0"/>
+      </a:fillRef>
+      <a:effectRef idx="0">
+        <a:scrgbClr r="0" g="0" b="0"/>
+      </a:effectRef>
+      <a:fontRef idx="minor"/>
+    </dgm:style>
+  </dgm:styleLbl>
+  <dgm:styleLbl name="bgAccFollowNode1">
+    <dgm:scene3d>
+      <a:camera prst="orthographicFront"/>
+      <a:lightRig rig="threePt" dir="t"/>
+    </dgm:scene3d>
+    <dgm:sp3d/>
+    <dgm:txPr/>
+    <dgm:style>
+      <a:lnRef idx="2">
+        <a:scrgbClr r="0" g="0" b="0"/>
+      </a:lnRef>
+      <a:fillRef idx="1">
+        <a:scrgbClr r="0" g="0" b="0"/>
+      </a:fillRef>
+      <a:effectRef idx="0">
+        <a:scrgbClr r="0" g="0" b="0"/>
+      </a:effectRef>
+      <a:fontRef idx="minor"/>
+    </dgm:style>
+  </dgm:styleLbl>
+  <dgm:styleLbl name="fgAcc0">
+    <dgm:scene3d>
+      <a:camera prst="orthographicFront"/>
+      <a:lightRig rig="threePt" dir="t"/>
+    </dgm:scene3d>
+    <dgm:sp3d/>
+    <dgm:txPr/>
+    <dgm:style>
+      <a:lnRef idx="2">
+        <a:scrgbClr r="0" g="0" b="0"/>
+      </a:lnRef>
+      <a:fillRef idx="1">
+        <a:scrgbClr r="0" g="0" b="0"/>
+      </a:fillRef>
+      <a:effectRef idx="0">
+        <a:scrgbClr r="0" g="0" b="0"/>
+      </a:effectRef>
+      <a:fontRef idx="minor"/>
+    </dgm:style>
+  </dgm:styleLbl>
+  <dgm:styleLbl name="fgAcc2">
+    <dgm:scene3d>
+      <a:camera prst="orthographicFront"/>
+      <a:lightRig rig="threePt" dir="t"/>
+    </dgm:scene3d>
+    <dgm:sp3d/>
+    <dgm:txPr/>
+    <dgm:style>
+      <a:lnRef idx="2">
+        <a:scrgbClr r="0" g="0" b="0"/>
+      </a:lnRef>
+      <a:fillRef idx="1">
+        <a:scrgbClr r="0" g="0" b="0"/>
+      </a:fillRef>
+      <a:effectRef idx="0">
+        <a:scrgbClr r="0" g="0" b="0"/>
+      </a:effectRef>
+      <a:fontRef idx="minor"/>
+    </dgm:style>
+  </dgm:styleLbl>
+  <dgm:styleLbl name="fgAcc3">
+    <dgm:scene3d>
+      <a:camera prst="orthographicFront"/>
+      <a:lightRig rig="threePt" dir="t"/>
+    </dgm:scene3d>
+    <dgm:sp3d/>
+    <dgm:txPr/>
+    <dgm:style>
+      <a:lnRef idx="2">
+        <a:scrgbClr r="0" g="0" b="0"/>
+      </a:lnRef>
+      <a:fillRef idx="1">
+        <a:scrgbClr r="0" g="0" b="0"/>
+      </a:fillRef>
+      <a:effectRef idx="0">
+        <a:scrgbClr r="0" g="0" b="0"/>
+      </a:effectRef>
+      <a:fontRef idx="minor"/>
+    </dgm:style>
+  </dgm:styleLbl>
+  <dgm:styleLbl name="fgAcc4">
+    <dgm:scene3d>
+      <a:camera prst="orthographicFront"/>
+      <a:lightRig rig="threePt" dir="t"/>
+    </dgm:scene3d>
+    <dgm:sp3d/>
+    <dgm:txPr/>
+    <dgm:style>
+      <a:lnRef idx="2">
+        <a:scrgbClr r="0" g="0" b="0"/>
+      </a:lnRef>
+      <a:fillRef idx="1">
+        <a:scrgbClr r="0" g="0" b="0"/>
+      </a:fillRef>
+      <a:effectRef idx="0">
+        <a:scrgbClr r="0" g="0" b="0"/>
+      </a:effectRef>
+      <a:fontRef idx="minor"/>
+    </dgm:style>
+  </dgm:styleLbl>
+  <dgm:styleLbl name="bgShp">
+    <dgm:scene3d>
+      <a:camera prst="orthographicFront"/>
+      <a:lightRig rig="threePt" dir="t"/>
+    </dgm:scene3d>
+    <dgm:sp3d/>
+    <dgm:txPr/>
+    <dgm:style>
+      <a:lnRef idx="0">
+        <a:scrgbClr r="0" g="0" b="0"/>
+      </a:lnRef>
+      <a:fillRef idx="1">
+        <a:scrgbClr r="0" g="0" b="0"/>
+      </a:fillRef>
+      <a:effectRef idx="0">
+        <a:scrgbClr r="0" g="0" b="0"/>
+      </a:effectRef>
+      <a:fontRef idx="minor"/>
+    </dgm:style>
+  </dgm:styleLbl>
+  <dgm:styleLbl name="dkBgShp">
+    <dgm:scene3d>
+      <a:camera prst="orthographicFront"/>
+      <a:lightRig rig="threePt" dir="t"/>
+    </dgm:scene3d>
+    <dgm:sp3d/>
+    <dgm:txPr/>
+    <dgm:style>
+      <a:lnRef idx="0">
+        <a:scrgbClr r="0" g="0" b="0"/>
+      </a:lnRef>
+      <a:fillRef idx="1">
+        <a:scrgbClr r="0" g="0" b="0"/>
+      </a:fillRef>
+      <a:effectRef idx="0">
+        <a:scrgbClr r="0" g="0" b="0"/>
+      </a:effectRef>
+      <a:fontRef idx="minor"/>
+    </dgm:style>
+  </dgm:styleLbl>
+  <dgm:styleLbl name="trBgShp">
+    <dgm:scene3d>
+      <a:camera prst="orthographicFront"/>
+      <a:lightRig rig="threePt" dir="t"/>
+    </dgm:scene3d>
+    <dgm:sp3d/>
+    <dgm:txPr/>
+    <dgm:style>
+      <a:lnRef idx="0">
+        <a:scrgbClr r="0" g="0" b="0"/>
+      </a:lnRef>
+      <a:fillRef idx="1">
+        <a:scrgbClr r="0" g="0" b="0"/>
+      </a:fillRef>
+      <a:effectRef idx="0">
+        <a:scrgbClr r="0" g="0" b="0"/>
+      </a:effectRef>
+      <a:fontRef idx="minor"/>
+    </dgm:style>
+  </dgm:styleLbl>
+  <dgm:styleLbl name="fgShp">
+    <dgm:scene3d>
+      <a:camera prst="orthographicFront"/>
+      <a:lightRig rig="threePt" dir="t"/>
+    </dgm:scene3d>
+    <dgm:sp3d/>
+    <dgm:txPr/>
+    <dgm:style>
+      <a:lnRef idx="2">
+        <a:scrgbClr r="0" g="0" b="0"/>
+      </a:lnRef>
+      <a:fillRef idx="1">
+        <a:scrgbClr r="0" g="0" b="0"/>
+      </a:fillRef>
+      <a:effectRef idx="0">
+        <a:scrgbClr r="0" g="0" b="0"/>
+      </a:effectRef>
+      <a:fontRef idx="minor"/>
+    </dgm:style>
+  </dgm:styleLbl>
+  <dgm:styleLbl name="revTx">
+    <dgm:scene3d>
+      <a:camera prst="orthographicFront"/>
+      <a:lightRig rig="threePt" dir="t"/>
+    </dgm:scene3d>
+    <dgm:sp3d/>
+    <dgm:txPr/>
+    <dgm:style>
+      <a:lnRef idx="0">
+        <a:scrgbClr r="0" g="0" b="0"/>
+      </a:lnRef>
+      <a:fillRef idx="0">
+        <a:scrgbClr r="0" g="0" b="0"/>
+      </a:fillRef>
+      <a:effectRef idx="0">
+        <a:scrgbClr r="0" g="0" b="0"/>
+      </a:effectRef>
+      <a:fontRef idx="minor"/>
+    </dgm:style>
+  </dgm:styleLbl>
+</dgm:styleDef>
+</file>
+
 <file path=ppt/slideLayouts/slideLayout1.xml><?xml version="1.0" encoding="utf-8"?>
 <p:sldLayout xmlns:a="http://schemas.openxmlformats.org/drawingml/2006/main" xmlns:r="http://schemas.openxmlformats.org/officeDocument/2006/relationships" xmlns:p="http://schemas.openxmlformats.org/presentationml/2006/main" type="title" preserve="1">
   <p:cSld name="Titelfolie">
@@ -313,7 +2734,7 @@
           <a:p>
             <a:fld id="{1BA50D42-C9CD-4801-B293-61D1F53EC57E}" type="datetimeFigureOut">
               <a:rPr lang="de-DE" smtClean="0"/>
-              <a:t>03.02.2022</a:t>
+              <a:t>05.02.2022</a:t>
             </a:fld>
             <a:endParaRPr lang="de-DE"/>
           </a:p>
@@ -476,7 +2897,7 @@
           <a:p>
             <a:fld id="{1BA50D42-C9CD-4801-B293-61D1F53EC57E}" type="datetimeFigureOut">
               <a:rPr lang="de-DE" smtClean="0"/>
-              <a:t>03.02.2022</a:t>
+              <a:t>05.02.2022</a:t>
             </a:fld>
             <a:endParaRPr lang="de-DE"/>
           </a:p>
@@ -649,7 +3070,7 @@
           <a:p>
             <a:fld id="{1BA50D42-C9CD-4801-B293-61D1F53EC57E}" type="datetimeFigureOut">
               <a:rPr lang="de-DE" smtClean="0"/>
-              <a:t>03.02.2022</a:t>
+              <a:t>05.02.2022</a:t>
             </a:fld>
             <a:endParaRPr lang="de-DE"/>
           </a:p>
@@ -812,7 +3233,7 @@
           <a:p>
             <a:fld id="{1BA50D42-C9CD-4801-B293-61D1F53EC57E}" type="datetimeFigureOut">
               <a:rPr lang="de-DE" smtClean="0"/>
-              <a:t>03.02.2022</a:t>
+              <a:t>05.02.2022</a:t>
             </a:fld>
             <a:endParaRPr lang="de-DE"/>
           </a:p>
@@ -1052,7 +3473,7 @@
           <a:p>
             <a:fld id="{1BA50D42-C9CD-4801-B293-61D1F53EC57E}" type="datetimeFigureOut">
               <a:rPr lang="de-DE" smtClean="0"/>
-              <a:t>03.02.2022</a:t>
+              <a:t>05.02.2022</a:t>
             </a:fld>
             <a:endParaRPr lang="de-DE"/>
           </a:p>
@@ -1332,7 +3753,7 @@
           <a:p>
             <a:fld id="{1BA50D42-C9CD-4801-B293-61D1F53EC57E}" type="datetimeFigureOut">
               <a:rPr lang="de-DE" smtClean="0"/>
-              <a:t>03.02.2022</a:t>
+              <a:t>05.02.2022</a:t>
             </a:fld>
             <a:endParaRPr lang="de-DE"/>
           </a:p>
@@ -1746,7 +4167,7 @@
           <a:p>
             <a:fld id="{1BA50D42-C9CD-4801-B293-61D1F53EC57E}" type="datetimeFigureOut">
               <a:rPr lang="de-DE" smtClean="0"/>
-              <a:t>03.02.2022</a:t>
+              <a:t>05.02.2022</a:t>
             </a:fld>
             <a:endParaRPr lang="de-DE"/>
           </a:p>
@@ -1858,7 +4279,7 @@
           <a:p>
             <a:fld id="{1BA50D42-C9CD-4801-B293-61D1F53EC57E}" type="datetimeFigureOut">
               <a:rPr lang="de-DE" smtClean="0"/>
-              <a:t>03.02.2022</a:t>
+              <a:t>05.02.2022</a:t>
             </a:fld>
             <a:endParaRPr lang="de-DE"/>
           </a:p>
@@ -1948,7 +4369,7 @@
           <a:p>
             <a:fld id="{1BA50D42-C9CD-4801-B293-61D1F53EC57E}" type="datetimeFigureOut">
               <a:rPr lang="de-DE" smtClean="0"/>
-              <a:t>03.02.2022</a:t>
+              <a:t>05.02.2022</a:t>
             </a:fld>
             <a:endParaRPr lang="de-DE"/>
           </a:p>
@@ -2218,7 +4639,7 @@
           <a:p>
             <a:fld id="{1BA50D42-C9CD-4801-B293-61D1F53EC57E}" type="datetimeFigureOut">
               <a:rPr lang="de-DE" smtClean="0"/>
-              <a:t>03.02.2022</a:t>
+              <a:t>05.02.2022</a:t>
             </a:fld>
             <a:endParaRPr lang="de-DE"/>
           </a:p>
@@ -2465,7 +4886,7 @@
           <a:p>
             <a:fld id="{1BA50D42-C9CD-4801-B293-61D1F53EC57E}" type="datetimeFigureOut">
               <a:rPr lang="de-DE" smtClean="0"/>
-              <a:t>03.02.2022</a:t>
+              <a:t>05.02.2022</a:t>
             </a:fld>
             <a:endParaRPr lang="de-DE"/>
           </a:p>
@@ -2671,7 +5092,7 @@
           <a:p>
             <a:fld id="{1BA50D42-C9CD-4801-B293-61D1F53EC57E}" type="datetimeFigureOut">
               <a:rPr lang="de-DE" smtClean="0"/>
-              <a:t>03.02.2022</a:t>
+              <a:t>05.02.2022</a:t>
             </a:fld>
             <a:endParaRPr lang="de-DE"/>
           </a:p>
@@ -3239,7 +5660,7 @@
             </a:r>
             <a:r>
               <a:rPr lang="de-CH" dirty="0"/>
-              <a:t> Hub unterstützt nur 2.4 GHz</a:t>
+              <a:t> Hub Wireless Protocol ist auf 2.4 GHz begrenzt.</a:t>
             </a:r>
           </a:p>
           <a:p>
@@ -3496,13 +5917,71 @@
         </p:nvSpPr>
         <p:spPr/>
         <p:txBody>
-          <a:bodyPr/>
+          <a:bodyPr>
+            <a:normAutofit lnSpcReduction="10000"/>
+          </a:bodyPr>
           <a:lstStyle/>
           <a:p>
             <a:r>
               <a:rPr lang="de-CH" dirty="0"/>
-              <a:t>Agenda</a:t>
-            </a:r>
+              <a:t>Team Vorstellung</a:t>
+            </a:r>
+          </a:p>
+          <a:p>
+            <a:r>
+              <a:rPr lang="de-CH" dirty="0"/>
+              <a:t>Unsere Projektidee</a:t>
+            </a:r>
+          </a:p>
+          <a:p>
+            <a:r>
+              <a:rPr lang="de-CH" dirty="0"/>
+              <a:t>System Architektur</a:t>
+            </a:r>
+          </a:p>
+          <a:p>
+            <a:r>
+              <a:rPr lang="de-CH" dirty="0"/>
+              <a:t>Personenerkennung</a:t>
+            </a:r>
+          </a:p>
+          <a:p>
+            <a:r>
+              <a:rPr lang="de-CH" dirty="0" err="1"/>
+              <a:t>Harmony</a:t>
+            </a:r>
+            <a:r>
+              <a:rPr lang="de-CH" dirty="0"/>
+              <a:t> Hub</a:t>
+            </a:r>
+          </a:p>
+          <a:p>
+            <a:r>
+              <a:rPr lang="de-CH" dirty="0" err="1"/>
+              <a:t>OpenCV</a:t>
+            </a:r>
+            <a:endParaRPr lang="de-CH" dirty="0"/>
+          </a:p>
+          <a:p>
+            <a:r>
+              <a:rPr lang="de-CH" dirty="0"/>
+              <a:t>Home </a:t>
+            </a:r>
+            <a:r>
+              <a:rPr lang="de-CH" dirty="0" err="1"/>
+              <a:t>Assistant</a:t>
+            </a:r>
+            <a:r>
+              <a:rPr lang="de-CH" dirty="0"/>
+              <a:t> OS</a:t>
+            </a:r>
+          </a:p>
+          <a:p>
+            <a:r>
+              <a:rPr lang="de-CH" dirty="0" err="1"/>
+              <a:t>Resumé</a:t>
+            </a:r>
+            <a:endParaRPr lang="de-CH" dirty="0"/>
           </a:p>
         </p:txBody>
       </p:sp>
@@ -3580,124 +6059,90 @@
             <p:ph idx="1"/>
           </p:nvPr>
         </p:nvSpPr>
-        <p:spPr/>
+        <p:spPr>
+          <a:xfrm>
+            <a:off x="457200" y="1600201"/>
+            <a:ext cx="3322712" cy="820688"/>
+          </a:xfrm>
+        </p:spPr>
         <p:txBody>
           <a:bodyPr/>
           <a:lstStyle/>
           <a:p>
             <a:r>
               <a:rPr lang="de-CH" dirty="0"/>
-              <a:t>Team </a:t>
-            </a:r>
-            <a:r>
-              <a:rPr lang="de-CH" dirty="0" err="1"/>
-              <a:t>präsentation</a:t>
-            </a:r>
+              <a:t>(Bilder von uns)</a:t>
+            </a:r>
+          </a:p>
+        </p:txBody>
+      </p:sp>
+      <p:pic>
+        <p:nvPicPr>
+          <p:cNvPr id="5" name="Grafik 4" descr="Ein Bild, das Person, Mann, Wand, drinnen enthält.&#10;&#10;Automatisch generierte Beschreibung">
+            <a:extLst>
+              <a:ext uri="{FF2B5EF4-FFF2-40B4-BE49-F238E27FC236}">
+                <a16:creationId xmlns:a16="http://schemas.microsoft.com/office/drawing/2014/main" id="{FDCF855C-4C37-4E74-8E01-339C7C1646FE}"/>
+              </a:ext>
+            </a:extLst>
+          </p:cNvPr>
+          <p:cNvPicPr>
+            <a:picLocks noChangeAspect="1"/>
+          </p:cNvPicPr>
+          <p:nvPr/>
+        </p:nvPicPr>
+        <p:blipFill>
+          <a:blip r:embed="rId2" cstate="print">
+            <a:extLst>
+              <a:ext uri="{28A0092B-C50C-407E-A947-70E740481C1C}">
+                <a14:useLocalDpi xmlns:a14="http://schemas.microsoft.com/office/drawing/2010/main" val="0"/>
+              </a:ext>
+            </a:extLst>
+          </a:blip>
+          <a:stretch>
+            <a:fillRect/>
+          </a:stretch>
+        </p:blipFill>
+        <p:spPr>
+          <a:xfrm>
+            <a:off x="969796" y="2603452"/>
+            <a:ext cx="2297519" cy="2420888"/>
+          </a:xfrm>
+          <a:prstGeom prst="rect">
+            <a:avLst/>
+          </a:prstGeom>
+        </p:spPr>
+      </p:pic>
+      <p:sp>
+        <p:nvSpPr>
+          <p:cNvPr id="6" name="Textfeld 5">
+            <a:extLst>
+              <a:ext uri="{FF2B5EF4-FFF2-40B4-BE49-F238E27FC236}">
+                <a16:creationId xmlns:a16="http://schemas.microsoft.com/office/drawing/2014/main" id="{989C073E-4C3F-4F0B-B75D-9F2DE95C3690}"/>
+              </a:ext>
+            </a:extLst>
+          </p:cNvPr>
+          <p:cNvSpPr txBox="1"/>
+          <p:nvPr/>
+        </p:nvSpPr>
+        <p:spPr>
+          <a:xfrm>
+            <a:off x="971600" y="5157192"/>
+            <a:ext cx="2304256" cy="369332"/>
+          </a:xfrm>
+          <a:prstGeom prst="rect">
+            <a:avLst/>
+          </a:prstGeom>
+          <a:noFill/>
+        </p:spPr>
+        <p:txBody>
+          <a:bodyPr wrap="square" rtlCol="0">
+            <a:spAutoFit/>
+          </a:bodyPr>
+          <a:lstStyle/>
+          <a:p>
             <a:r>
               <a:rPr lang="de-CH" dirty="0"/>
-              <a:t> </a:t>
-            </a:r>
-            <a:r>
-              <a:rPr lang="de-CH" dirty="0">
-                <a:sym typeface="Wingdings" panose="05000000000000000000" pitchFamily="2" charset="2"/>
-              </a:rPr>
-              <a:t> </a:t>
-            </a:r>
-            <a:r>
-              <a:rPr lang="de-CH" dirty="0" err="1">
-                <a:sym typeface="Wingdings" panose="05000000000000000000" pitchFamily="2" charset="2"/>
-              </a:rPr>
-              <a:t>zuständigkeit</a:t>
-            </a:r>
-            <a:endParaRPr lang="de-CH" dirty="0">
-              <a:sym typeface="Wingdings" panose="05000000000000000000" pitchFamily="2" charset="2"/>
-            </a:endParaRPr>
-          </a:p>
-          <a:p>
-            <a:r>
-              <a:rPr lang="de-CH" dirty="0">
-                <a:sym typeface="Wingdings" panose="05000000000000000000" pitchFamily="2" charset="2"/>
-              </a:rPr>
-              <a:t>Abdu -&gt; technisches </a:t>
-            </a:r>
-            <a:r>
-              <a:rPr lang="de-CH" dirty="0" err="1">
-                <a:sym typeface="Wingdings" panose="05000000000000000000" pitchFamily="2" charset="2"/>
-              </a:rPr>
-              <a:t>mastermind</a:t>
-            </a:r>
-            <a:endParaRPr lang="de-CH" dirty="0">
-              <a:sym typeface="Wingdings" panose="05000000000000000000" pitchFamily="2" charset="2"/>
-            </a:endParaRPr>
-          </a:p>
-          <a:p>
-            <a:r>
-              <a:rPr lang="de-CH" dirty="0">
-                <a:sym typeface="Wingdings" panose="05000000000000000000" pitchFamily="2" charset="2"/>
-              </a:rPr>
-              <a:t>Marko -&gt; Home </a:t>
-            </a:r>
-            <a:r>
-              <a:rPr lang="de-CH" dirty="0" err="1">
-                <a:sym typeface="Wingdings" panose="05000000000000000000" pitchFamily="2" charset="2"/>
-              </a:rPr>
-              <a:t>assistant</a:t>
-            </a:r>
-            <a:r>
-              <a:rPr lang="de-CH" dirty="0">
-                <a:sym typeface="Wingdings" panose="05000000000000000000" pitchFamily="2" charset="2"/>
-              </a:rPr>
-              <a:t> </a:t>
-            </a:r>
-            <a:r>
-              <a:rPr lang="de-CH" dirty="0" err="1">
-                <a:sym typeface="Wingdings" panose="05000000000000000000" pitchFamily="2" charset="2"/>
-              </a:rPr>
-              <a:t>konfiguration</a:t>
-            </a:r>
-            <a:r>
-              <a:rPr lang="de-CH" dirty="0">
-                <a:sym typeface="Wingdings" panose="05000000000000000000" pitchFamily="2" charset="2"/>
-              </a:rPr>
-              <a:t> </a:t>
-            </a:r>
-          </a:p>
-          <a:p>
-            <a:r>
-              <a:rPr lang="de-CH" dirty="0">
-                <a:sym typeface="Wingdings" panose="05000000000000000000" pitchFamily="2" charset="2"/>
-              </a:rPr>
-              <a:t>Lukas -&gt; </a:t>
-            </a:r>
-            <a:r>
-              <a:rPr lang="de-CH" dirty="0" err="1">
-                <a:sym typeface="Wingdings" panose="05000000000000000000" pitchFamily="2" charset="2"/>
-              </a:rPr>
-              <a:t>Harmony</a:t>
-            </a:r>
-            <a:r>
-              <a:rPr lang="de-CH" dirty="0">
-                <a:sym typeface="Wingdings" panose="05000000000000000000" pitchFamily="2" charset="2"/>
-              </a:rPr>
-              <a:t> Hub </a:t>
-            </a:r>
-            <a:r>
-              <a:rPr lang="de-CH" dirty="0" err="1">
-                <a:sym typeface="Wingdings" panose="05000000000000000000" pitchFamily="2" charset="2"/>
-              </a:rPr>
-              <a:t>konfiguration</a:t>
-            </a:r>
-            <a:r>
-              <a:rPr lang="de-CH" dirty="0">
-                <a:sym typeface="Wingdings" panose="05000000000000000000" pitchFamily="2" charset="2"/>
-              </a:rPr>
-              <a:t> </a:t>
-            </a:r>
-          </a:p>
-          <a:p>
-            <a:r>
-              <a:rPr lang="de-CH" dirty="0"/>
-              <a:t>(Bilder von uns)</a:t>
+              <a:t>Lukas Züger</a:t>
             </a:r>
           </a:p>
         </p:txBody>
@@ -3748,9 +6193,16 @@
             <p:ph type="title"/>
           </p:nvPr>
         </p:nvSpPr>
-        <p:spPr/>
-        <p:txBody>
-          <a:bodyPr/>
+        <p:spPr>
+          <a:xfrm>
+            <a:off x="457200" y="274638"/>
+            <a:ext cx="8229600" cy="1143000"/>
+          </a:xfrm>
+        </p:spPr>
+        <p:txBody>
+          <a:bodyPr anchor="ctr">
+            <a:normAutofit/>
+          </a:bodyPr>
           <a:lstStyle/>
           <a:p>
             <a:r>
@@ -3760,40 +6212,37 @@
           </a:p>
         </p:txBody>
       </p:sp>
-      <p:sp>
-        <p:nvSpPr>
-          <p:cNvPr id="3" name="Inhaltsplatzhalter 2">
+      <p:graphicFrame>
+        <p:nvGraphicFramePr>
+          <p:cNvPr id="5" name="Inhaltsplatzhalter 2">
             <a:extLst>
               <a:ext uri="{FF2B5EF4-FFF2-40B4-BE49-F238E27FC236}">
-                <a16:creationId xmlns:a16="http://schemas.microsoft.com/office/drawing/2014/main" id="{3A0C84D3-74F5-4412-B4E2-7A14E31758E8}"/>
+                <a16:creationId xmlns:a16="http://schemas.microsoft.com/office/drawing/2014/main" id="{D4543DEA-55E7-4168-BF2C-F0DC1D2F0917}"/>
               </a:ext>
             </a:extLst>
           </p:cNvPr>
-          <p:cNvSpPr>
-            <a:spLocks noGrp="1"/>
-          </p:cNvSpPr>
+          <p:cNvGraphicFramePr>
+            <a:graphicFrameLocks noGrp="1"/>
+          </p:cNvGraphicFramePr>
           <p:nvPr>
             <p:ph idx="1"/>
-          </p:nvPr>
-        </p:nvSpPr>
-        <p:spPr/>
-        <p:txBody>
-          <a:bodyPr/>
-          <a:lstStyle/>
-          <a:p>
-            <a:r>
-              <a:rPr lang="de-CH" dirty="0"/>
-              <a:t>Projekt Vorstellung</a:t>
-            </a:r>
-          </a:p>
-          <a:p>
-            <a:r>
-              <a:rPr lang="de-CH" dirty="0"/>
-              <a:t>Ziele</a:t>
-            </a:r>
-          </a:p>
-        </p:txBody>
-      </p:sp>
+            <p:extLst>
+              <p:ext uri="{D42A27DB-BD31-4B8C-83A1-F6EECF244321}">
+                <p14:modId xmlns:p14="http://schemas.microsoft.com/office/powerpoint/2010/main" val="3936390154"/>
+              </p:ext>
+            </p:extLst>
+          </p:nvPr>
+        </p:nvGraphicFramePr>
+        <p:xfrm>
+          <a:off x="457200" y="1600200"/>
+          <a:ext cx="8229600" cy="4525963"/>
+        </p:xfrm>
+        <a:graphic>
+          <a:graphicData uri="http://schemas.openxmlformats.org/drawingml/2006/diagram">
+            <dgm:relIds xmlns:dgm="http://schemas.openxmlformats.org/drawingml/2006/diagram" xmlns:r="http://schemas.openxmlformats.org/officeDocument/2006/relationships" r:dm="rId2" r:lo="rId3" r:qs="rId4" r:cs="rId5"/>
+          </a:graphicData>
+        </a:graphic>
+      </p:graphicFrame>
     </p:spTree>
     <p:extLst>
       <p:ext uri="{BB962C8B-B14F-4D97-AF65-F5344CB8AC3E}">

--- a/Documentation/ProjectDocumentation/Presentation.pptx
+++ b/Documentation/ProjectDocumentation/Presentation.pptx
@@ -10,13 +10,16 @@
     <p:sldId id="257" r:id="rId4"/>
     <p:sldId id="259" r:id="rId5"/>
     <p:sldId id="266" r:id="rId6"/>
-    <p:sldId id="267" r:id="rId7"/>
-    <p:sldId id="260" r:id="rId8"/>
-    <p:sldId id="264" r:id="rId9"/>
-    <p:sldId id="261" r:id="rId10"/>
-    <p:sldId id="265" r:id="rId11"/>
-    <p:sldId id="262" r:id="rId12"/>
-    <p:sldId id="263" r:id="rId13"/>
+    <p:sldId id="268" r:id="rId7"/>
+    <p:sldId id="264" r:id="rId8"/>
+    <p:sldId id="261" r:id="rId9"/>
+    <p:sldId id="269" r:id="rId10"/>
+    <p:sldId id="270" r:id="rId11"/>
+    <p:sldId id="271" r:id="rId12"/>
+    <p:sldId id="272" r:id="rId13"/>
+    <p:sldId id="265" r:id="rId14"/>
+    <p:sldId id="262" r:id="rId15"/>
+    <p:sldId id="263" r:id="rId16"/>
   </p:sldIdLst>
   <p:sldSz cx="9144000" cy="6858000" type="screen4x3"/>
   <p:notesSz cx="6858000" cy="9144000"/>
@@ -5561,7 +5564,7 @@
           <p:cNvPr id="2" name="Titel 1">
             <a:extLst>
               <a:ext uri="{FF2B5EF4-FFF2-40B4-BE49-F238E27FC236}">
-                <a16:creationId xmlns:a16="http://schemas.microsoft.com/office/drawing/2014/main" id="{DDC08123-E69E-4297-B707-9817ADB53D5D}"/>
+                <a16:creationId xmlns:a16="http://schemas.microsoft.com/office/drawing/2014/main" id="{11DC7027-DAFE-4AD0-BB9B-A8DA86B6F3C6}"/>
               </a:ext>
             </a:extLst>
           </p:cNvPr>
@@ -5579,7 +5582,7 @@
           <a:p>
             <a:r>
               <a:rPr lang="de-CH" dirty="0"/>
-              <a:t>Probleme im verlaufe des Projekts</a:t>
+              <a:t>Erfolge</a:t>
             </a:r>
           </a:p>
         </p:txBody>
@@ -5589,7 +5592,7 @@
           <p:cNvPr id="3" name="Inhaltsplatzhalter 2">
             <a:extLst>
               <a:ext uri="{FF2B5EF4-FFF2-40B4-BE49-F238E27FC236}">
-                <a16:creationId xmlns:a16="http://schemas.microsoft.com/office/drawing/2014/main" id="{9B8EA265-5357-4130-A452-9C2A979F4D83}"/>
+                <a16:creationId xmlns:a16="http://schemas.microsoft.com/office/drawing/2014/main" id="{0E7D4720-61B8-41D4-B6A5-130F228B3A2F}"/>
               </a:ext>
             </a:extLst>
           </p:cNvPr>
@@ -5607,75 +5610,23 @@
           <a:p>
             <a:r>
               <a:rPr lang="de-CH" dirty="0"/>
-              <a:t>Ipv6</a:t>
-            </a:r>
-          </a:p>
-          <a:p>
-            <a:r>
-              <a:rPr lang="de-CH" dirty="0"/>
-              <a:t>Performance Probleme wegen Raspberry</a:t>
-            </a:r>
-          </a:p>
-          <a:p>
-            <a:r>
-              <a:rPr lang="de-CH" dirty="0"/>
-              <a:t>Personenerkennung mit </a:t>
-            </a:r>
-            <a:r>
-              <a:rPr lang="de-CH" dirty="0" err="1"/>
-              <a:t>full</a:t>
-            </a:r>
-            <a:r>
-              <a:rPr lang="de-CH" dirty="0"/>
-              <a:t> </a:t>
-            </a:r>
-            <a:r>
-              <a:rPr lang="de-CH" dirty="0" err="1"/>
-              <a:t>body</a:t>
-            </a:r>
-            <a:r>
-              <a:rPr lang="de-CH" dirty="0"/>
-              <a:t> und Gesicht</a:t>
+              <a:t>Was haben wir in diesem Semester geschafft?</a:t>
             </a:r>
           </a:p>
           <a:p>
             <a:pPr lvl="1"/>
-            <a:r>
-              <a:rPr lang="de-CH" dirty="0"/>
-              <a:t>Seitliche </a:t>
-            </a:r>
-            <a:r>
-              <a:rPr lang="de-CH" dirty="0" err="1"/>
-              <a:t>ansicht</a:t>
-            </a:r>
-            <a:r>
-              <a:rPr lang="de-CH" dirty="0"/>
-              <a:t> ist noch nicht gut gelöst</a:t>
-            </a:r>
-          </a:p>
-          <a:p>
-            <a:r>
-              <a:rPr lang="de-CH" dirty="0" err="1"/>
-              <a:t>Harmony</a:t>
-            </a:r>
-            <a:r>
-              <a:rPr lang="de-CH" dirty="0"/>
-              <a:t> Hub Wireless Protocol ist auf 2.4 GHz begrenzt.</a:t>
-            </a:r>
+            <a:endParaRPr lang="de-CH" dirty="0"/>
           </a:p>
           <a:p>
             <a:pPr lvl="1"/>
-            <a:r>
-              <a:rPr lang="de-CH" dirty="0"/>
-              <a:t>5 GHz = keine Verbindung</a:t>
-            </a:r>
+            <a:endParaRPr lang="de-CH" dirty="0"/>
           </a:p>
         </p:txBody>
       </p:sp>
     </p:spTree>
     <p:extLst>
       <p:ext uri="{BB962C8B-B14F-4D97-AF65-F5344CB8AC3E}">
-        <p14:creationId xmlns:p14="http://schemas.microsoft.com/office/powerpoint/2010/main" val="1077278765"/>
+        <p14:creationId xmlns:p14="http://schemas.microsoft.com/office/powerpoint/2010/main" val="1743993041"/>
       </p:ext>
     </p:extLst>
   </p:cSld>
@@ -5707,6 +5658,344 @@
           <p:cNvPr id="2" name="Titel 1">
             <a:extLst>
               <a:ext uri="{FF2B5EF4-FFF2-40B4-BE49-F238E27FC236}">
+                <a16:creationId xmlns:a16="http://schemas.microsoft.com/office/drawing/2014/main" id="{0742BD28-A989-4A72-9006-2209CB81AA07}"/>
+              </a:ext>
+            </a:extLst>
+          </p:cNvPr>
+          <p:cNvSpPr>
+            <a:spLocks noGrp="1"/>
+          </p:cNvSpPr>
+          <p:nvPr>
+            <p:ph type="title"/>
+          </p:nvPr>
+        </p:nvSpPr>
+        <p:spPr/>
+        <p:txBody>
+          <a:bodyPr/>
+          <a:lstStyle/>
+          <a:p>
+            <a:r>
+              <a:rPr lang="de-CH" dirty="0"/>
+              <a:t>Mögliche Erweiterungen</a:t>
+            </a:r>
+          </a:p>
+        </p:txBody>
+      </p:sp>
+      <p:sp>
+        <p:nvSpPr>
+          <p:cNvPr id="3" name="Inhaltsplatzhalter 2">
+            <a:extLst>
+              <a:ext uri="{FF2B5EF4-FFF2-40B4-BE49-F238E27FC236}">
+                <a16:creationId xmlns:a16="http://schemas.microsoft.com/office/drawing/2014/main" id="{3DD70F93-5148-40C9-B4D2-5598CE84F098}"/>
+              </a:ext>
+            </a:extLst>
+          </p:cNvPr>
+          <p:cNvSpPr>
+            <a:spLocks noGrp="1"/>
+          </p:cNvSpPr>
+          <p:nvPr>
+            <p:ph idx="1"/>
+          </p:nvPr>
+        </p:nvSpPr>
+        <p:spPr/>
+        <p:txBody>
+          <a:bodyPr/>
+          <a:lstStyle/>
+          <a:p>
+            <a:r>
+              <a:rPr lang="de-CH" dirty="0"/>
+              <a:t>Gesten Steuerung</a:t>
+            </a:r>
+          </a:p>
+          <a:p>
+            <a:pPr lvl="1"/>
+            <a:r>
+              <a:rPr lang="de-CH" dirty="0" err="1"/>
+              <a:t>Swipe</a:t>
+            </a:r>
+            <a:r>
+              <a:rPr lang="de-CH" dirty="0"/>
+              <a:t> Funktion (leiser/lauter)</a:t>
+            </a:r>
+          </a:p>
+          <a:p>
+            <a:r>
+              <a:rPr lang="de-CH" dirty="0"/>
+              <a:t>Bessere komplett Personenerkennung</a:t>
+            </a:r>
+          </a:p>
+          <a:p>
+            <a:r>
+              <a:rPr lang="de-CH" dirty="0"/>
+              <a:t>Mehrere Kameras um alle Winkel abzudecken</a:t>
+            </a:r>
+          </a:p>
+          <a:p>
+            <a:endParaRPr lang="de-CH" dirty="0"/>
+          </a:p>
+        </p:txBody>
+      </p:sp>
+    </p:spTree>
+    <p:extLst>
+      <p:ext uri="{BB962C8B-B14F-4D97-AF65-F5344CB8AC3E}">
+        <p14:creationId xmlns:p14="http://schemas.microsoft.com/office/powerpoint/2010/main" val="2096104741"/>
+      </p:ext>
+    </p:extLst>
+  </p:cSld>
+  <p:clrMapOvr>
+    <a:masterClrMapping/>
+  </p:clrMapOvr>
+</p:sld>
+</file>
+
+<file path=ppt/slides/slide12.xml><?xml version="1.0" encoding="utf-8"?>
+<p:sld xmlns:a="http://schemas.openxmlformats.org/drawingml/2006/main" xmlns:r="http://schemas.openxmlformats.org/officeDocument/2006/relationships" xmlns:p="http://schemas.openxmlformats.org/presentationml/2006/main">
+  <p:cSld>
+    <p:spTree>
+      <p:nvGrpSpPr>
+        <p:cNvPr id="1" name=""/>
+        <p:cNvGrpSpPr/>
+        <p:nvPr/>
+      </p:nvGrpSpPr>
+      <p:grpSpPr>
+        <a:xfrm>
+          <a:off x="0" y="0"/>
+          <a:ext cx="0" cy="0"/>
+          <a:chOff x="0" y="0"/>
+          <a:chExt cx="0" cy="0"/>
+        </a:xfrm>
+      </p:grpSpPr>
+      <p:sp>
+        <p:nvSpPr>
+          <p:cNvPr id="2" name="Titel 1">
+            <a:extLst>
+              <a:ext uri="{FF2B5EF4-FFF2-40B4-BE49-F238E27FC236}">
+                <a16:creationId xmlns:a16="http://schemas.microsoft.com/office/drawing/2014/main" id="{B2987487-EF38-4B8F-8DF1-97E21B57390B}"/>
+              </a:ext>
+            </a:extLst>
+          </p:cNvPr>
+          <p:cNvSpPr>
+            <a:spLocks noGrp="1"/>
+          </p:cNvSpPr>
+          <p:nvPr>
+            <p:ph type="title"/>
+          </p:nvPr>
+        </p:nvSpPr>
+        <p:spPr/>
+        <p:txBody>
+          <a:bodyPr/>
+          <a:lstStyle/>
+          <a:p>
+            <a:endParaRPr lang="de-CH" dirty="0"/>
+          </a:p>
+        </p:txBody>
+      </p:sp>
+      <p:sp>
+        <p:nvSpPr>
+          <p:cNvPr id="3" name="Inhaltsplatzhalter 2">
+            <a:extLst>
+              <a:ext uri="{FF2B5EF4-FFF2-40B4-BE49-F238E27FC236}">
+                <a16:creationId xmlns:a16="http://schemas.microsoft.com/office/drawing/2014/main" id="{7155EBEF-2B2D-4E14-A89A-B46CB2D21227}"/>
+              </a:ext>
+            </a:extLst>
+          </p:cNvPr>
+          <p:cNvSpPr>
+            <a:spLocks noGrp="1"/>
+          </p:cNvSpPr>
+          <p:nvPr>
+            <p:ph idx="1"/>
+          </p:nvPr>
+        </p:nvSpPr>
+        <p:spPr/>
+        <p:txBody>
+          <a:bodyPr/>
+          <a:lstStyle/>
+          <a:p>
+            <a:endParaRPr lang="de-CH"/>
+          </a:p>
+        </p:txBody>
+      </p:sp>
+    </p:spTree>
+    <p:extLst>
+      <p:ext uri="{BB962C8B-B14F-4D97-AF65-F5344CB8AC3E}">
+        <p14:creationId xmlns:p14="http://schemas.microsoft.com/office/powerpoint/2010/main" val="3657546051"/>
+      </p:ext>
+    </p:extLst>
+  </p:cSld>
+  <p:clrMapOvr>
+    <a:masterClrMapping/>
+  </p:clrMapOvr>
+</p:sld>
+</file>
+
+<file path=ppt/slides/slide13.xml><?xml version="1.0" encoding="utf-8"?>
+<p:sld xmlns:a="http://schemas.openxmlformats.org/drawingml/2006/main" xmlns:r="http://schemas.openxmlformats.org/officeDocument/2006/relationships" xmlns:p="http://schemas.openxmlformats.org/presentationml/2006/main">
+  <p:cSld>
+    <p:spTree>
+      <p:nvGrpSpPr>
+        <p:cNvPr id="1" name=""/>
+        <p:cNvGrpSpPr/>
+        <p:nvPr/>
+      </p:nvGrpSpPr>
+      <p:grpSpPr>
+        <a:xfrm>
+          <a:off x="0" y="0"/>
+          <a:ext cx="0" cy="0"/>
+          <a:chOff x="0" y="0"/>
+          <a:chExt cx="0" cy="0"/>
+        </a:xfrm>
+      </p:grpSpPr>
+      <p:sp>
+        <p:nvSpPr>
+          <p:cNvPr id="2" name="Titel 1">
+            <a:extLst>
+              <a:ext uri="{FF2B5EF4-FFF2-40B4-BE49-F238E27FC236}">
+                <a16:creationId xmlns:a16="http://schemas.microsoft.com/office/drawing/2014/main" id="{DDC08123-E69E-4297-B707-9817ADB53D5D}"/>
+              </a:ext>
+            </a:extLst>
+          </p:cNvPr>
+          <p:cNvSpPr>
+            <a:spLocks noGrp="1"/>
+          </p:cNvSpPr>
+          <p:nvPr>
+            <p:ph type="title"/>
+          </p:nvPr>
+        </p:nvSpPr>
+        <p:spPr/>
+        <p:txBody>
+          <a:bodyPr/>
+          <a:lstStyle/>
+          <a:p>
+            <a:r>
+              <a:rPr lang="de-CH" dirty="0"/>
+              <a:t>Probleme im verlaufe des Projekts</a:t>
+            </a:r>
+          </a:p>
+        </p:txBody>
+      </p:sp>
+      <p:sp>
+        <p:nvSpPr>
+          <p:cNvPr id="3" name="Inhaltsplatzhalter 2">
+            <a:extLst>
+              <a:ext uri="{FF2B5EF4-FFF2-40B4-BE49-F238E27FC236}">
+                <a16:creationId xmlns:a16="http://schemas.microsoft.com/office/drawing/2014/main" id="{9B8EA265-5357-4130-A452-9C2A979F4D83}"/>
+              </a:ext>
+            </a:extLst>
+          </p:cNvPr>
+          <p:cNvSpPr>
+            <a:spLocks noGrp="1"/>
+          </p:cNvSpPr>
+          <p:nvPr>
+            <p:ph idx="1"/>
+          </p:nvPr>
+        </p:nvSpPr>
+        <p:spPr/>
+        <p:txBody>
+          <a:bodyPr/>
+          <a:lstStyle/>
+          <a:p>
+            <a:r>
+              <a:rPr lang="de-CH" dirty="0"/>
+              <a:t>Ipv6</a:t>
+            </a:r>
+          </a:p>
+          <a:p>
+            <a:r>
+              <a:rPr lang="de-CH" dirty="0"/>
+              <a:t>Performance Probleme wegen Raspberry</a:t>
+            </a:r>
+          </a:p>
+          <a:p>
+            <a:r>
+              <a:rPr lang="de-CH" dirty="0"/>
+              <a:t>Personenerkennung mit </a:t>
+            </a:r>
+            <a:r>
+              <a:rPr lang="de-CH" dirty="0" err="1"/>
+              <a:t>full</a:t>
+            </a:r>
+            <a:r>
+              <a:rPr lang="de-CH" dirty="0"/>
+              <a:t> </a:t>
+            </a:r>
+            <a:r>
+              <a:rPr lang="de-CH" dirty="0" err="1"/>
+              <a:t>body</a:t>
+            </a:r>
+            <a:r>
+              <a:rPr lang="de-CH" dirty="0"/>
+              <a:t> und Gesicht</a:t>
+            </a:r>
+          </a:p>
+          <a:p>
+            <a:pPr lvl="1"/>
+            <a:r>
+              <a:rPr lang="de-CH" dirty="0"/>
+              <a:t>Seitliche </a:t>
+            </a:r>
+            <a:r>
+              <a:rPr lang="de-CH" dirty="0" err="1"/>
+              <a:t>ansicht</a:t>
+            </a:r>
+            <a:r>
+              <a:rPr lang="de-CH" dirty="0"/>
+              <a:t> ist noch nicht gut gelöst</a:t>
+            </a:r>
+          </a:p>
+          <a:p>
+            <a:r>
+              <a:rPr lang="de-CH" dirty="0" err="1"/>
+              <a:t>Harmony</a:t>
+            </a:r>
+            <a:r>
+              <a:rPr lang="de-CH" dirty="0"/>
+              <a:t> Hub Wireless Protocol ist auf 2.4 GHz begrenzt.</a:t>
+            </a:r>
+          </a:p>
+          <a:p>
+            <a:pPr lvl="1"/>
+            <a:r>
+              <a:rPr lang="de-CH" dirty="0"/>
+              <a:t>5 GHz = keine Verbindung</a:t>
+            </a:r>
+          </a:p>
+        </p:txBody>
+      </p:sp>
+    </p:spTree>
+    <p:extLst>
+      <p:ext uri="{BB962C8B-B14F-4D97-AF65-F5344CB8AC3E}">
+        <p14:creationId xmlns:p14="http://schemas.microsoft.com/office/powerpoint/2010/main" val="1077278765"/>
+      </p:ext>
+    </p:extLst>
+  </p:cSld>
+  <p:clrMapOvr>
+    <a:masterClrMapping/>
+  </p:clrMapOvr>
+</p:sld>
+</file>
+
+<file path=ppt/slides/slide14.xml><?xml version="1.0" encoding="utf-8"?>
+<p:sld xmlns:a="http://schemas.openxmlformats.org/drawingml/2006/main" xmlns:r="http://schemas.openxmlformats.org/officeDocument/2006/relationships" xmlns:p="http://schemas.openxmlformats.org/presentationml/2006/main">
+  <p:cSld>
+    <p:spTree>
+      <p:nvGrpSpPr>
+        <p:cNvPr id="1" name=""/>
+        <p:cNvGrpSpPr/>
+        <p:nvPr/>
+      </p:nvGrpSpPr>
+      <p:grpSpPr>
+        <a:xfrm>
+          <a:off x="0" y="0"/>
+          <a:ext cx="0" cy="0"/>
+          <a:chOff x="0" y="0"/>
+          <a:chExt cx="0" cy="0"/>
+        </a:xfrm>
+      </p:grpSpPr>
+      <p:sp>
+        <p:nvSpPr>
+          <p:cNvPr id="2" name="Titel 1">
+            <a:extLst>
+              <a:ext uri="{FF2B5EF4-FFF2-40B4-BE49-F238E27FC236}">
                 <a16:creationId xmlns:a16="http://schemas.microsoft.com/office/drawing/2014/main" id="{B100F170-CCBE-4A4D-82AE-FF65D20479DC}"/>
               </a:ext>
             </a:extLst>
@@ -5771,7 +6060,7 @@
 </p:sld>
 </file>
 
-<file path=ppt/slides/slide12.xml><?xml version="1.0" encoding="utf-8"?>
+<file path=ppt/slides/slide15.xml><?xml version="1.0" encoding="utf-8"?>
 <p:sld xmlns:a="http://schemas.openxmlformats.org/drawingml/2006/main" xmlns:r="http://schemas.openxmlformats.org/officeDocument/2006/relationships" xmlns:p="http://schemas.openxmlformats.org/presentationml/2006/main">
   <p:cSld>
     <p:spTree>
@@ -6419,7 +6708,7 @@
           <p:cNvPr id="2" name="Titel 1">
             <a:extLst>
               <a:ext uri="{FF2B5EF4-FFF2-40B4-BE49-F238E27FC236}">
-                <a16:creationId xmlns:a16="http://schemas.microsoft.com/office/drawing/2014/main" id="{3756E398-E005-48A7-9D26-4E01E97C3021}"/>
+                <a16:creationId xmlns:a16="http://schemas.microsoft.com/office/drawing/2014/main" id="{8C1211AD-A313-4E23-8CB0-0646A8CDFCE4}"/>
               </a:ext>
             </a:extLst>
           </p:cNvPr>
@@ -6437,7 +6726,7 @@
           <a:p>
             <a:r>
               <a:rPr lang="de-CH" dirty="0"/>
-              <a:t>Hardware</a:t>
+              <a:t>Personenerkennung</a:t>
             </a:r>
           </a:p>
         </p:txBody>
@@ -6447,7 +6736,7 @@
           <p:cNvPr id="3" name="Inhaltsplatzhalter 2">
             <a:extLst>
               <a:ext uri="{FF2B5EF4-FFF2-40B4-BE49-F238E27FC236}">
-                <a16:creationId xmlns:a16="http://schemas.microsoft.com/office/drawing/2014/main" id="{B1016F21-14FF-4F0A-B14C-C313C22C2D53}"/>
+                <a16:creationId xmlns:a16="http://schemas.microsoft.com/office/drawing/2014/main" id="{2A84E10E-A347-4973-ACB2-3FFE16D3D518}"/>
               </a:ext>
             </a:extLst>
           </p:cNvPr>
@@ -6461,13 +6750,13 @@
         <p:spPr/>
         <p:txBody>
           <a:bodyPr>
-            <a:normAutofit lnSpcReduction="10000"/>
+            <a:normAutofit/>
           </a:bodyPr>
           <a:lstStyle/>
           <a:p>
             <a:r>
               <a:rPr lang="de-CH" dirty="0"/>
-              <a:t>Personenerkennung</a:t>
+              <a:t>Hardware</a:t>
             </a:r>
           </a:p>
           <a:p>
@@ -6502,48 +6791,39 @@
           <a:p>
             <a:r>
               <a:rPr lang="de-CH" dirty="0"/>
-              <a:t>Bedienung</a:t>
+              <a:t>Software</a:t>
             </a:r>
           </a:p>
           <a:p>
             <a:pPr lvl="1"/>
             <a:r>
+              <a:rPr lang="de-CH" dirty="0" err="1"/>
+              <a:t>OpenCV</a:t>
+            </a:r>
+            <a:r>
               <a:rPr lang="de-CH" dirty="0"/>
-              <a:t>Raspberry Pi 4 Model B – 2GB</a:t>
-            </a:r>
+              <a:t> </a:t>
+            </a:r>
+            <a:r>
+              <a:rPr lang="de-CH" dirty="0" err="1"/>
+              <a:t>library</a:t>
+            </a:r>
+            <a:endParaRPr lang="de-CH" dirty="0"/>
           </a:p>
           <a:p>
             <a:pPr lvl="1"/>
             <a:r>
               <a:rPr lang="de-CH" dirty="0"/>
-              <a:t>Logitech </a:t>
-            </a:r>
+              <a:t>Programmiersprache Python</a:t>
+            </a:r>
+          </a:p>
+          <a:p>
+            <a:pPr lvl="1"/>
             <a:r>
               <a:rPr lang="de-CH" dirty="0" err="1"/>
-              <a:t>Harmony</a:t>
-            </a:r>
-            <a:r>
-              <a:rPr lang="de-CH" dirty="0"/>
-              <a:t> Hub</a:t>
-            </a:r>
-          </a:p>
-          <a:p>
-            <a:pPr lvl="1"/>
-            <a:r>
-              <a:rPr lang="de-CH" dirty="0"/>
-              <a:t>Fernseher ohne Smartfunktionen</a:t>
-            </a:r>
-          </a:p>
-          <a:p>
-            <a:pPr lvl="1"/>
-            <a:r>
-              <a:rPr lang="de-CH" dirty="0">
-                <a:solidFill>
-                  <a:srgbClr val="FF0000"/>
-                </a:solidFill>
-              </a:rPr>
-              <a:t>(Alexa)</a:t>
-            </a:r>
+              <a:t>Cascades</a:t>
+            </a:r>
+            <a:endParaRPr lang="de-CH" dirty="0"/>
           </a:p>
           <a:p>
             <a:endParaRPr lang="de-CH" dirty="0"/>
@@ -6553,7 +6833,7 @@
     </p:spTree>
     <p:extLst>
       <p:ext uri="{BB962C8B-B14F-4D97-AF65-F5344CB8AC3E}">
-        <p14:creationId xmlns:p14="http://schemas.microsoft.com/office/powerpoint/2010/main" val="1969310644"/>
+        <p14:creationId xmlns:p14="http://schemas.microsoft.com/office/powerpoint/2010/main" val="1045199740"/>
       </p:ext>
     </p:extLst>
   </p:cSld>
@@ -6585,7 +6865,7 @@
           <p:cNvPr id="2" name="Titel 1">
             <a:extLst>
               <a:ext uri="{FF2B5EF4-FFF2-40B4-BE49-F238E27FC236}">
-                <a16:creationId xmlns:a16="http://schemas.microsoft.com/office/drawing/2014/main" id="{43F25713-4C2A-414A-B9A3-5BC67E0FF48B}"/>
+                <a16:creationId xmlns:a16="http://schemas.microsoft.com/office/drawing/2014/main" id="{B4BA6D4D-CDDA-4506-A918-694F53BDD35C}"/>
               </a:ext>
             </a:extLst>
           </p:cNvPr>
@@ -6602,8 +6882,12 @@
           <a:lstStyle/>
           <a:p>
             <a:r>
+              <a:rPr lang="de-CH" dirty="0" err="1"/>
+              <a:t>Harmony</a:t>
+            </a:r>
+            <a:r>
               <a:rPr lang="de-CH" dirty="0"/>
-              <a:t>Software</a:t>
+              <a:t> Hub</a:t>
             </a:r>
           </a:p>
         </p:txBody>
@@ -6613,7 +6897,7 @@
           <p:cNvPr id="3" name="Inhaltsplatzhalter 2">
             <a:extLst>
               <a:ext uri="{FF2B5EF4-FFF2-40B4-BE49-F238E27FC236}">
-                <a16:creationId xmlns:a16="http://schemas.microsoft.com/office/drawing/2014/main" id="{3301ED44-7352-4D11-A527-F35A8B6331A2}"/>
+                <a16:creationId xmlns:a16="http://schemas.microsoft.com/office/drawing/2014/main" id="{72403E14-9D7B-4F4B-8877-E307BAA2F2B9}"/>
               </a:ext>
             </a:extLst>
           </p:cNvPr>
@@ -6631,71 +6915,21 @@
           <a:p>
             <a:r>
               <a:rPr lang="de-CH" dirty="0"/>
-              <a:t>Personenerkennung</a:t>
-            </a:r>
-          </a:p>
-          <a:p>
-            <a:pPr lvl="1"/>
-            <a:r>
-              <a:rPr lang="de-CH" dirty="0" err="1"/>
-              <a:t>OpenCV</a:t>
-            </a:r>
+              <a:t>Funktion</a:t>
+            </a:r>
+          </a:p>
+          <a:p>
             <a:r>
               <a:rPr lang="de-CH" dirty="0"/>
-              <a:t> </a:t>
-            </a:r>
-            <a:r>
-              <a:rPr lang="de-CH" dirty="0" err="1"/>
-              <a:t>library</a:t>
-            </a:r>
-            <a:endParaRPr lang="de-CH" dirty="0"/>
-          </a:p>
-          <a:p>
-            <a:pPr lvl="1"/>
-            <a:r>
-              <a:rPr lang="de-CH" dirty="0"/>
-              <a:t>Programmiersprache Python</a:t>
-            </a:r>
-          </a:p>
-          <a:p>
-            <a:pPr lvl="1"/>
-            <a:r>
-              <a:rPr lang="de-CH" dirty="0" err="1"/>
-              <a:t>Cascades</a:t>
-            </a:r>
-            <a:endParaRPr lang="de-CH" dirty="0"/>
-          </a:p>
-          <a:p>
-            <a:r>
-              <a:rPr lang="de-CH" dirty="0"/>
-              <a:t>Bedienung</a:t>
-            </a:r>
-          </a:p>
-          <a:p>
-            <a:pPr lvl="1"/>
-            <a:r>
-              <a:rPr lang="de-CH" dirty="0"/>
-              <a:t>Home </a:t>
-            </a:r>
-            <a:r>
-              <a:rPr lang="de-CH" dirty="0" err="1"/>
-              <a:t>Assistant</a:t>
-            </a:r>
-            <a:r>
-              <a:rPr lang="de-CH" dirty="0"/>
-              <a:t> OS</a:t>
-            </a:r>
-          </a:p>
-          <a:p>
-            <a:pPr lvl="1"/>
-            <a:endParaRPr lang="de-CH" dirty="0"/>
+              <a:t>Unsere spezifische Anwendung</a:t>
+            </a:r>
           </a:p>
         </p:txBody>
       </p:sp>
     </p:spTree>
     <p:extLst>
       <p:ext uri="{BB962C8B-B14F-4D97-AF65-F5344CB8AC3E}">
-        <p14:creationId xmlns:p14="http://schemas.microsoft.com/office/powerpoint/2010/main" val="3575338485"/>
+        <p14:creationId xmlns:p14="http://schemas.microsoft.com/office/powerpoint/2010/main" val="3361538177"/>
       </p:ext>
     </p:extLst>
   </p:cSld>
@@ -6727,7 +6961,7 @@
           <p:cNvPr id="2" name="Titel 1">
             <a:extLst>
               <a:ext uri="{FF2B5EF4-FFF2-40B4-BE49-F238E27FC236}">
-                <a16:creationId xmlns:a16="http://schemas.microsoft.com/office/drawing/2014/main" id="{B4BA6D4D-CDDA-4506-A918-694F53BDD35C}"/>
+                <a16:creationId xmlns:a16="http://schemas.microsoft.com/office/drawing/2014/main" id="{C78A0733-316C-490C-9BBF-DC955C847816}"/>
               </a:ext>
             </a:extLst>
           </p:cNvPr>
@@ -6744,12 +6978,16 @@
           <a:lstStyle/>
           <a:p>
             <a:r>
+              <a:rPr lang="de-CH" dirty="0"/>
+              <a:t>Home </a:t>
+            </a:r>
+            <a:r>
               <a:rPr lang="de-CH" dirty="0" err="1"/>
-              <a:t>Harmony</a:t>
+              <a:t>Assistant</a:t>
             </a:r>
             <a:r>
               <a:rPr lang="de-CH" dirty="0"/>
-              <a:t> Hub</a:t>
+              <a:t> OS</a:t>
             </a:r>
           </a:p>
         </p:txBody>
@@ -6759,7 +6997,7 @@
           <p:cNvPr id="3" name="Inhaltsplatzhalter 2">
             <a:extLst>
               <a:ext uri="{FF2B5EF4-FFF2-40B4-BE49-F238E27FC236}">
-                <a16:creationId xmlns:a16="http://schemas.microsoft.com/office/drawing/2014/main" id="{72403E14-9D7B-4F4B-8877-E307BAA2F2B9}"/>
+                <a16:creationId xmlns:a16="http://schemas.microsoft.com/office/drawing/2014/main" id="{A505D25E-5AD6-4E0F-9CB5-52C3AA836CD8}"/>
               </a:ext>
             </a:extLst>
           </p:cNvPr>
@@ -6777,21 +7015,54 @@
           <a:p>
             <a:r>
               <a:rPr lang="de-CH" dirty="0"/>
-              <a:t>Funktion</a:t>
-            </a:r>
-          </a:p>
-          <a:p>
+              <a:t>Was ist Home </a:t>
+            </a:r>
+            <a:r>
+              <a:rPr lang="de-CH" dirty="0" err="1"/>
+              <a:t>Assistant</a:t>
+            </a:r>
+            <a:endParaRPr lang="de-CH" dirty="0"/>
+          </a:p>
+          <a:p>
+            <a:r>
+              <a:rPr lang="de-CH" dirty="0" err="1"/>
+              <a:t>Wiso</a:t>
+            </a:r>
             <a:r>
               <a:rPr lang="de-CH" dirty="0"/>
-              <a:t>Unsere spezifische Anwendung</a:t>
-            </a:r>
+              <a:t> haben wir uns für HA entschieden</a:t>
+            </a:r>
+          </a:p>
+          <a:p>
+            <a:r>
+              <a:rPr lang="de-CH" dirty="0" err="1"/>
+              <a:t>Hyper</a:t>
+            </a:r>
+            <a:r>
+              <a:rPr lang="de-CH" dirty="0"/>
+              <a:t> vi </a:t>
+            </a:r>
+            <a:r>
+              <a:rPr lang="de-CH" dirty="0" err="1"/>
+              <a:t>manager</a:t>
+            </a:r>
+            <a:r>
+              <a:rPr lang="de-CH" dirty="0"/>
+              <a:t> am Anfang</a:t>
+            </a:r>
+          </a:p>
+          <a:p>
+            <a:endParaRPr lang="de-CH" dirty="0"/>
+          </a:p>
+          <a:p>
+            <a:endParaRPr lang="de-CH" dirty="0"/>
           </a:p>
         </p:txBody>
       </p:sp>
     </p:spTree>
     <p:extLst>
       <p:ext uri="{BB962C8B-B14F-4D97-AF65-F5344CB8AC3E}">
-        <p14:creationId xmlns:p14="http://schemas.microsoft.com/office/powerpoint/2010/main" val="3361538177"/>
+        <p14:creationId xmlns:p14="http://schemas.microsoft.com/office/powerpoint/2010/main" val="473850503"/>
       </p:ext>
     </p:extLst>
   </p:cSld>
@@ -6823,7 +7094,7 @@
           <p:cNvPr id="2" name="Titel 1">
             <a:extLst>
               <a:ext uri="{FF2B5EF4-FFF2-40B4-BE49-F238E27FC236}">
-                <a16:creationId xmlns:a16="http://schemas.microsoft.com/office/drawing/2014/main" id="{C78A0733-316C-490C-9BBF-DC955C847816}"/>
+                <a16:creationId xmlns:a16="http://schemas.microsoft.com/office/drawing/2014/main" id="{36D279A1-682F-4161-B4B2-3B941E9DC95E}"/>
               </a:ext>
             </a:extLst>
           </p:cNvPr>
@@ -6840,17 +7111,10 @@
           <a:lstStyle/>
           <a:p>
             <a:r>
-              <a:rPr lang="de-CH" dirty="0"/>
-              <a:t>Home </a:t>
-            </a:r>
-            <a:r>
               <a:rPr lang="de-CH" dirty="0" err="1"/>
-              <a:t>Assistant</a:t>
-            </a:r>
-            <a:r>
-              <a:rPr lang="de-CH" dirty="0"/>
-              <a:t> OS</a:t>
-            </a:r>
+              <a:t>OpenCV</a:t>
+            </a:r>
+            <a:endParaRPr lang="de-CH" dirty="0"/>
           </a:p>
         </p:txBody>
       </p:sp>
@@ -6859,7 +7123,7 @@
           <p:cNvPr id="3" name="Inhaltsplatzhalter 2">
             <a:extLst>
               <a:ext uri="{FF2B5EF4-FFF2-40B4-BE49-F238E27FC236}">
-                <a16:creationId xmlns:a16="http://schemas.microsoft.com/office/drawing/2014/main" id="{A505D25E-5AD6-4E0F-9CB5-52C3AA836CD8}"/>
+                <a16:creationId xmlns:a16="http://schemas.microsoft.com/office/drawing/2014/main" id="{9A4DD517-30E7-463F-A1F2-6908C481A968}"/>
               </a:ext>
             </a:extLst>
           </p:cNvPr>
@@ -6877,23 +7141,13 @@
           <a:p>
             <a:r>
               <a:rPr lang="de-CH" dirty="0"/>
-              <a:t>Was ist Home </a:t>
+              <a:t>Was ist </a:t>
             </a:r>
             <a:r>
               <a:rPr lang="de-CH" dirty="0" err="1"/>
-              <a:t>Assistant</a:t>
+              <a:t>openCV</a:t>
             </a:r>
             <a:endParaRPr lang="de-CH" dirty="0"/>
-          </a:p>
-          <a:p>
-            <a:r>
-              <a:rPr lang="de-CH" dirty="0" err="1"/>
-              <a:t>Wiso</a:t>
-            </a:r>
-            <a:r>
-              <a:rPr lang="de-CH" dirty="0"/>
-              <a:t> haben wir uns für HA entschieden</a:t>
-            </a:r>
           </a:p>
           <a:p>
             <a:endParaRPr lang="de-CH" dirty="0"/>
@@ -6903,7 +7157,7 @@
     </p:spTree>
     <p:extLst>
       <p:ext uri="{BB962C8B-B14F-4D97-AF65-F5344CB8AC3E}">
-        <p14:creationId xmlns:p14="http://schemas.microsoft.com/office/powerpoint/2010/main" val="473850503"/>
+        <p14:creationId xmlns:p14="http://schemas.microsoft.com/office/powerpoint/2010/main" val="918400847"/>
       </p:ext>
     </p:extLst>
   </p:cSld>
